--- a/Time tracking.pptx
+++ b/Time tracking.pptx
@@ -8,6 +8,8 @@
     <p:sldId id="256" r:id="rId2"/>
     <p:sldId id="257" r:id="rId3"/>
     <p:sldId id="258" r:id="rId4"/>
+    <p:sldId id="259" r:id="rId5"/>
+    <p:sldId id="260" r:id="rId6"/>
   </p:sldIdLst>
   <p:sldSz cx="12192000" cy="6858000"/>
   <p:notesSz cx="6858000" cy="9144000"/>
@@ -106,6 +108,11 @@
       </a:defRPr>
     </a:lvl9pPr>
   </p:defaultTextStyle>
+  <p:extLst>
+    <p:ext uri="{EFAFB233-063F-42B5-8137-9DF3F51BA10A}">
+      <p15:sldGuideLst xmlns:p15="http://schemas.microsoft.com/office/powerpoint/2012/main"/>
+    </p:ext>
+  </p:extLst>
 </p:presentation>
 </file>
 
@@ -258,7 +265,7 @@
           <a:p>
             <a:fld id="{2EBAC6D9-C7A0-4642-A5CA-65FA4AF1E615}" type="datetimeFigureOut">
               <a:rPr lang="de-DE" smtClean="0"/>
-              <a:t>11.05.2024</a:t>
+              <a:t>30.06.2024</a:t>
             </a:fld>
             <a:endParaRPr lang="de-DE"/>
           </a:p>
@@ -458,7 +465,7 @@
           <a:p>
             <a:fld id="{2EBAC6D9-C7A0-4642-A5CA-65FA4AF1E615}" type="datetimeFigureOut">
               <a:rPr lang="de-DE" smtClean="0"/>
-              <a:t>11.05.2024</a:t>
+              <a:t>30.06.2024</a:t>
             </a:fld>
             <a:endParaRPr lang="de-DE"/>
           </a:p>
@@ -668,7 +675,7 @@
           <a:p>
             <a:fld id="{2EBAC6D9-C7A0-4642-A5CA-65FA4AF1E615}" type="datetimeFigureOut">
               <a:rPr lang="de-DE" smtClean="0"/>
-              <a:t>11.05.2024</a:t>
+              <a:t>30.06.2024</a:t>
             </a:fld>
             <a:endParaRPr lang="de-DE"/>
           </a:p>
@@ -868,7 +875,7 @@
           <a:p>
             <a:fld id="{2EBAC6D9-C7A0-4642-A5CA-65FA4AF1E615}" type="datetimeFigureOut">
               <a:rPr lang="de-DE" smtClean="0"/>
-              <a:t>11.05.2024</a:t>
+              <a:t>30.06.2024</a:t>
             </a:fld>
             <a:endParaRPr lang="de-DE"/>
           </a:p>
@@ -1144,7 +1151,7 @@
           <a:p>
             <a:fld id="{2EBAC6D9-C7A0-4642-A5CA-65FA4AF1E615}" type="datetimeFigureOut">
               <a:rPr lang="de-DE" smtClean="0"/>
-              <a:t>11.05.2024</a:t>
+              <a:t>30.06.2024</a:t>
             </a:fld>
             <a:endParaRPr lang="de-DE"/>
           </a:p>
@@ -1412,7 +1419,7 @@
           <a:p>
             <a:fld id="{2EBAC6D9-C7A0-4642-A5CA-65FA4AF1E615}" type="datetimeFigureOut">
               <a:rPr lang="de-DE" smtClean="0"/>
-              <a:t>11.05.2024</a:t>
+              <a:t>30.06.2024</a:t>
             </a:fld>
             <a:endParaRPr lang="de-DE"/>
           </a:p>
@@ -1827,7 +1834,7 @@
           <a:p>
             <a:fld id="{2EBAC6D9-C7A0-4642-A5CA-65FA4AF1E615}" type="datetimeFigureOut">
               <a:rPr lang="de-DE" smtClean="0"/>
-              <a:t>11.05.2024</a:t>
+              <a:t>30.06.2024</a:t>
             </a:fld>
             <a:endParaRPr lang="de-DE"/>
           </a:p>
@@ -1969,7 +1976,7 @@
           <a:p>
             <a:fld id="{2EBAC6D9-C7A0-4642-A5CA-65FA4AF1E615}" type="datetimeFigureOut">
               <a:rPr lang="de-DE" smtClean="0"/>
-              <a:t>11.05.2024</a:t>
+              <a:t>30.06.2024</a:t>
             </a:fld>
             <a:endParaRPr lang="de-DE"/>
           </a:p>
@@ -2082,7 +2089,7 @@
           <a:p>
             <a:fld id="{2EBAC6D9-C7A0-4642-A5CA-65FA4AF1E615}" type="datetimeFigureOut">
               <a:rPr lang="de-DE" smtClean="0"/>
-              <a:t>11.05.2024</a:t>
+              <a:t>30.06.2024</a:t>
             </a:fld>
             <a:endParaRPr lang="de-DE"/>
           </a:p>
@@ -2395,7 +2402,7 @@
           <a:p>
             <a:fld id="{2EBAC6D9-C7A0-4642-A5CA-65FA4AF1E615}" type="datetimeFigureOut">
               <a:rPr lang="de-DE" smtClean="0"/>
-              <a:t>11.05.2024</a:t>
+              <a:t>30.06.2024</a:t>
             </a:fld>
             <a:endParaRPr lang="de-DE"/>
           </a:p>
@@ -2684,7 +2691,7 @@
           <a:p>
             <a:fld id="{2EBAC6D9-C7A0-4642-A5CA-65FA4AF1E615}" type="datetimeFigureOut">
               <a:rPr lang="de-DE" smtClean="0"/>
-              <a:t>11.05.2024</a:t>
+              <a:t>30.06.2024</a:t>
             </a:fld>
             <a:endParaRPr lang="de-DE"/>
           </a:p>
@@ -2927,7 +2934,7 @@
           <a:p>
             <a:fld id="{2EBAC6D9-C7A0-4642-A5CA-65FA4AF1E615}" type="datetimeFigureOut">
               <a:rPr lang="de-DE" smtClean="0"/>
-              <a:t>11.05.2024</a:t>
+              <a:t>30.06.2024</a:t>
             </a:fld>
             <a:endParaRPr lang="de-DE"/>
           </a:p>
@@ -5690,7 +5697,7 @@
           <a:lstStyle/>
           <a:p>
             <a:pPr algn="ctr"/>
-            <a:endParaRPr lang="de-DE"/>
+            <a:endParaRPr lang="de-DE" dirty="0"/>
           </a:p>
         </p:txBody>
       </p:sp>
@@ -6446,6 +6453,2612 @@
 </p:sld>
 </file>
 
+<file path=ppt/slides/slide4.xml><?xml version="1.0" encoding="utf-8"?>
+<p:sld xmlns:a="http://schemas.openxmlformats.org/drawingml/2006/main" xmlns:r="http://schemas.openxmlformats.org/officeDocument/2006/relationships" xmlns:p="http://schemas.openxmlformats.org/presentationml/2006/main">
+  <p:cSld>
+    <p:bg>
+      <p:bgPr>
+        <a:solidFill>
+          <a:schemeClr val="bg1"/>
+        </a:solidFill>
+        <a:effectLst/>
+      </p:bgPr>
+    </p:bg>
+    <p:spTree>
+      <p:nvGrpSpPr>
+        <p:cNvPr id="1" name=""/>
+        <p:cNvGrpSpPr/>
+        <p:nvPr/>
+      </p:nvGrpSpPr>
+      <p:grpSpPr>
+        <a:xfrm>
+          <a:off x="0" y="0"/>
+          <a:ext cx="0" cy="0"/>
+          <a:chOff x="0" y="0"/>
+          <a:chExt cx="0" cy="0"/>
+        </a:xfrm>
+      </p:grpSpPr>
+      <p:sp useBgFill="1">
+        <p:nvSpPr>
+          <p:cNvPr id="14" name="Rectangle 13">
+            <a:extLst>
+              <a:ext uri="{FF2B5EF4-FFF2-40B4-BE49-F238E27FC236}">
+                <a16:creationId xmlns:a16="http://schemas.microsoft.com/office/drawing/2014/main" id="{EF8C1CD2-E59C-42CC-91D0-39F8E0CF1653}"/>
+              </a:ext>
+              <a:ext uri="{C183D7F6-B498-43B3-948B-1728B52AA6E4}">
+                <adec:decorative xmlns:adec="http://schemas.microsoft.com/office/drawing/2017/decorative" val="1"/>
+              </a:ext>
+            </a:extLst>
+          </p:cNvPr>
+          <p:cNvSpPr>
+            <a:spLocks noGrp="1" noRot="1" noChangeAspect="1" noMove="1" noResize="1" noEditPoints="1" noAdjustHandles="1" noChangeArrowheads="1" noChangeShapeType="1" noTextEdit="1"/>
+          </p:cNvSpPr>
+          <p:nvPr>
+            <p:extLst>
+              <p:ext uri="{386F3935-93C4-4BCD-93E2-E3B085C9AB24}">
+                <p16:designElem xmlns:p16="http://schemas.microsoft.com/office/powerpoint/2015/main" val="1"/>
+              </p:ext>
+            </p:extLst>
+          </p:nvPr>
+        </p:nvSpPr>
+        <p:spPr>
+          <a:xfrm>
+            <a:off x="0" y="0"/>
+            <a:ext cx="12188952" cy="6858000"/>
+          </a:xfrm>
+          <a:prstGeom prst="rect">
+            <a:avLst/>
+          </a:prstGeom>
+          <a:ln>
+            <a:noFill/>
+          </a:ln>
+        </p:spPr>
+        <p:style>
+          <a:lnRef idx="2">
+            <a:schemeClr val="accent1">
+              <a:shade val="50000"/>
+            </a:schemeClr>
+          </a:lnRef>
+          <a:fillRef idx="1">
+            <a:schemeClr val="accent1"/>
+          </a:fillRef>
+          <a:effectRef idx="0">
+            <a:schemeClr val="accent1"/>
+          </a:effectRef>
+          <a:fontRef idx="minor">
+            <a:schemeClr val="lt1"/>
+          </a:fontRef>
+        </p:style>
+        <p:txBody>
+          <a:bodyPr rtlCol="0" anchor="ctr"/>
+          <a:lstStyle/>
+          <a:p>
+            <a:pPr algn="ctr"/>
+            <a:endParaRPr lang="en-US"/>
+          </a:p>
+        </p:txBody>
+      </p:sp>
+      <p:sp>
+        <p:nvSpPr>
+          <p:cNvPr id="2" name="Title 1">
+            <a:extLst>
+              <a:ext uri="{FF2B5EF4-FFF2-40B4-BE49-F238E27FC236}">
+                <a16:creationId xmlns:a16="http://schemas.microsoft.com/office/drawing/2014/main" id="{EF9D9A39-7198-901D-4F6C-5BE07F9BA333}"/>
+              </a:ext>
+            </a:extLst>
+          </p:cNvPr>
+          <p:cNvSpPr>
+            <a:spLocks noGrp="1"/>
+          </p:cNvSpPr>
+          <p:nvPr>
+            <p:ph type="ctrTitle"/>
+          </p:nvPr>
+        </p:nvSpPr>
+        <p:spPr>
+          <a:xfrm>
+            <a:off x="643466" y="753626"/>
+            <a:ext cx="5081925" cy="3004145"/>
+          </a:xfrm>
+        </p:spPr>
+        <p:txBody>
+          <a:bodyPr>
+            <a:normAutofit/>
+          </a:bodyPr>
+          <a:lstStyle/>
+          <a:p>
+            <a:r>
+              <a:rPr lang="de-DE" sz="4200" dirty="0"/>
+              <a:t>Time </a:t>
+            </a:r>
+            <a:r>
+              <a:rPr lang="de-DE" sz="4200" dirty="0" err="1"/>
+              <a:t>tracking</a:t>
+            </a:r>
+            <a:r>
+              <a:rPr lang="de-DE" sz="4200" dirty="0"/>
+              <a:t>/</a:t>
+            </a:r>
+            <a:r>
+              <a:rPr lang="de-DE" sz="4200" dirty="0" err="1"/>
+              <a:t>scheduling</a:t>
+            </a:r>
+            <a:r>
+              <a:rPr lang="de-DE" sz="4200" dirty="0"/>
+              <a:t> </a:t>
+            </a:r>
+            <a:r>
+              <a:rPr lang="de-DE" sz="4200" dirty="0" err="1"/>
+              <a:t>for</a:t>
+            </a:r>
+            <a:r>
+              <a:rPr lang="de-DE" sz="4200" dirty="0"/>
+              <a:t> </a:t>
+            </a:r>
+            <a:r>
+              <a:rPr lang="de-DE" sz="4200" dirty="0" err="1"/>
+              <a:t>working</a:t>
+            </a:r>
+            <a:r>
+              <a:rPr lang="de-DE" sz="4200" dirty="0"/>
+              <a:t>, </a:t>
+            </a:r>
+            <a:r>
+              <a:rPr lang="de-DE" sz="4200" dirty="0" err="1"/>
+              <a:t>studying</a:t>
+            </a:r>
+            <a:r>
+              <a:rPr lang="de-DE" sz="4200" dirty="0"/>
+              <a:t> and </a:t>
+            </a:r>
+            <a:r>
+              <a:rPr lang="de-DE" sz="4200" dirty="0" err="1"/>
+              <a:t>freetime</a:t>
+            </a:r>
+            <a:r>
+              <a:rPr lang="de-DE" sz="4200" dirty="0"/>
+              <a:t> </a:t>
+            </a:r>
+            <a:r>
+              <a:rPr lang="de-DE" sz="4200" dirty="0" err="1"/>
+              <a:t>projects</a:t>
+            </a:r>
+            <a:endParaRPr lang="de-DE" sz="4200" dirty="0"/>
+          </a:p>
+        </p:txBody>
+      </p:sp>
+      <p:sp>
+        <p:nvSpPr>
+          <p:cNvPr id="3" name="Subtitle 2">
+            <a:extLst>
+              <a:ext uri="{FF2B5EF4-FFF2-40B4-BE49-F238E27FC236}">
+                <a16:creationId xmlns:a16="http://schemas.microsoft.com/office/drawing/2014/main" id="{9347BECB-4A5F-EEBF-DFC2-246CB7B92A8F}"/>
+              </a:ext>
+            </a:extLst>
+          </p:cNvPr>
+          <p:cNvSpPr>
+            <a:spLocks noGrp="1"/>
+          </p:cNvSpPr>
+          <p:nvPr>
+            <p:ph type="subTitle" idx="1"/>
+          </p:nvPr>
+        </p:nvSpPr>
+        <p:spPr>
+          <a:xfrm>
+            <a:off x="643466" y="3849845"/>
+            <a:ext cx="5081926" cy="2189214"/>
+          </a:xfrm>
+        </p:spPr>
+        <p:txBody>
+          <a:bodyPr>
+            <a:normAutofit/>
+          </a:bodyPr>
+          <a:lstStyle/>
+          <a:p>
+            <a:r>
+              <a:rPr lang="de-DE" dirty="0"/>
+              <a:t>Episode 2</a:t>
+            </a:r>
+          </a:p>
+          <a:p>
+            <a:r>
+              <a:rPr lang="de-DE" dirty="0"/>
+              <a:t>The </a:t>
+            </a:r>
+            <a:r>
+              <a:rPr lang="de-DE" dirty="0" err="1"/>
+              <a:t>Overview</a:t>
+            </a:r>
+            <a:r>
+              <a:rPr lang="de-DE" dirty="0"/>
+              <a:t> Table</a:t>
+            </a:r>
+          </a:p>
+        </p:txBody>
+      </p:sp>
+      <p:sp>
+        <p:nvSpPr>
+          <p:cNvPr id="16" name="Freeform: Shape 15">
+            <a:extLst>
+              <a:ext uri="{FF2B5EF4-FFF2-40B4-BE49-F238E27FC236}">
+                <a16:creationId xmlns:a16="http://schemas.microsoft.com/office/drawing/2014/main" id="{07062BB1-E215-424E-80C4-7E1CF179A357}"/>
+              </a:ext>
+              <a:ext uri="{C183D7F6-B498-43B3-948B-1728B52AA6E4}">
+                <adec:decorative xmlns:adec="http://schemas.microsoft.com/office/drawing/2017/decorative" val="1"/>
+              </a:ext>
+            </a:extLst>
+          </p:cNvPr>
+          <p:cNvSpPr>
+            <a:spLocks noGrp="1" noRot="1" noChangeAspect="1" noMove="1" noResize="1" noEditPoints="1" noAdjustHandles="1" noChangeArrowheads="1" noChangeShapeType="1" noTextEdit="1"/>
+          </p:cNvSpPr>
+          <p:nvPr>
+            <p:extLst>
+              <p:ext uri="{386F3935-93C4-4BCD-93E2-E3B085C9AB24}">
+                <p16:designElem xmlns:p16="http://schemas.microsoft.com/office/powerpoint/2015/main" val="1"/>
+              </p:ext>
+            </p:extLst>
+          </p:nvPr>
+        </p:nvSpPr>
+        <p:spPr>
+          <a:xfrm>
+            <a:off x="6406092" y="0"/>
+            <a:ext cx="2066948" cy="1621879"/>
+          </a:xfrm>
+          <a:custGeom>
+            <a:avLst/>
+            <a:gdLst>
+              <a:gd name="connsiteX0" fmla="*/ 0 w 2066948"/>
+              <a:gd name="connsiteY0" fmla="*/ 0 h 1621879"/>
+              <a:gd name="connsiteX1" fmla="*/ 123825 w 2066948"/>
+              <a:gd name="connsiteY1" fmla="*/ 0 h 1621879"/>
+              <a:gd name="connsiteX2" fmla="*/ 123825 w 2066948"/>
+              <a:gd name="connsiteY2" fmla="*/ 1452620 h 1621879"/>
+              <a:gd name="connsiteX3" fmla="*/ 1881378 w 2066948"/>
+              <a:gd name="connsiteY3" fmla="*/ 436017 h 1621879"/>
+              <a:gd name="connsiteX4" fmla="*/ 1127572 w 2066948"/>
+              <a:gd name="connsiteY4" fmla="*/ 0 h 1621879"/>
+              <a:gd name="connsiteX5" fmla="*/ 1374887 w 2066948"/>
+              <a:gd name="connsiteY5" fmla="*/ 0 h 1621879"/>
+              <a:gd name="connsiteX6" fmla="*/ 2035969 w 2066948"/>
+              <a:gd name="connsiteY6" fmla="*/ 382391 h 1621879"/>
+              <a:gd name="connsiteX7" fmla="*/ 2058648 w 2066948"/>
+              <a:gd name="connsiteY7" fmla="*/ 466963 h 1621879"/>
+              <a:gd name="connsiteX8" fmla="*/ 2035969 w 2066948"/>
+              <a:gd name="connsiteY8" fmla="*/ 489642 h 1621879"/>
+              <a:gd name="connsiteX9" fmla="*/ 92869 w 2066948"/>
+              <a:gd name="connsiteY9" fmla="*/ 1613592 h 1621879"/>
+              <a:gd name="connsiteX10" fmla="*/ 61913 w 2066948"/>
+              <a:gd name="connsiteY10" fmla="*/ 1621879 h 1621879"/>
+              <a:gd name="connsiteX11" fmla="*/ 0 w 2066948"/>
+              <a:gd name="connsiteY11" fmla="*/ 1559967 h 1621879"/>
+            </a:gdLst>
+            <a:ahLst/>
+            <a:cxnLst>
+              <a:cxn ang="0">
+                <a:pos x="connsiteX0" y="connsiteY0"/>
+              </a:cxn>
+              <a:cxn ang="0">
+                <a:pos x="connsiteX1" y="connsiteY1"/>
+              </a:cxn>
+              <a:cxn ang="0">
+                <a:pos x="connsiteX2" y="connsiteY2"/>
+              </a:cxn>
+              <a:cxn ang="0">
+                <a:pos x="connsiteX3" y="connsiteY3"/>
+              </a:cxn>
+              <a:cxn ang="0">
+                <a:pos x="connsiteX4" y="connsiteY4"/>
+              </a:cxn>
+              <a:cxn ang="0">
+                <a:pos x="connsiteX5" y="connsiteY5"/>
+              </a:cxn>
+              <a:cxn ang="0">
+                <a:pos x="connsiteX6" y="connsiteY6"/>
+              </a:cxn>
+              <a:cxn ang="0">
+                <a:pos x="connsiteX7" y="connsiteY7"/>
+              </a:cxn>
+              <a:cxn ang="0">
+                <a:pos x="connsiteX8" y="connsiteY8"/>
+              </a:cxn>
+              <a:cxn ang="0">
+                <a:pos x="connsiteX9" y="connsiteY9"/>
+              </a:cxn>
+              <a:cxn ang="0">
+                <a:pos x="connsiteX10" y="connsiteY10"/>
+              </a:cxn>
+              <a:cxn ang="0">
+                <a:pos x="connsiteX11" y="connsiteY11"/>
+              </a:cxn>
+            </a:cxnLst>
+            <a:rect l="l" t="t" r="r" b="b"/>
+            <a:pathLst>
+              <a:path w="2066948" h="1621879">
+                <a:moveTo>
+                  <a:pt x="0" y="0"/>
+                </a:moveTo>
+                <a:lnTo>
+                  <a:pt x="123825" y="0"/>
+                </a:lnTo>
+                <a:lnTo>
+                  <a:pt x="123825" y="1452620"/>
+                </a:lnTo>
+                <a:lnTo>
+                  <a:pt x="1881378" y="436017"/>
+                </a:lnTo>
+                <a:lnTo>
+                  <a:pt x="1127572" y="0"/>
+                </a:lnTo>
+                <a:lnTo>
+                  <a:pt x="1374887" y="0"/>
+                </a:lnTo>
+                <a:lnTo>
+                  <a:pt x="2035969" y="382391"/>
+                </a:lnTo>
+                <a:cubicBezTo>
+                  <a:pt x="2065582" y="399479"/>
+                  <a:pt x="2075745" y="437340"/>
+                  <a:pt x="2058648" y="466963"/>
+                </a:cubicBezTo>
+                <a:cubicBezTo>
+                  <a:pt x="2053219" y="476384"/>
+                  <a:pt x="2045389" y="484204"/>
+                  <a:pt x="2035969" y="489642"/>
+                </a:cubicBezTo>
+                <a:lnTo>
+                  <a:pt x="92869" y="1613592"/>
+                </a:lnTo>
+                <a:cubicBezTo>
+                  <a:pt x="83458" y="1619031"/>
+                  <a:pt x="72780" y="1621889"/>
+                  <a:pt x="61913" y="1621879"/>
+                </a:cubicBezTo>
+                <a:cubicBezTo>
+                  <a:pt x="27719" y="1621879"/>
+                  <a:pt x="0" y="1594161"/>
+                  <a:pt x="0" y="1559967"/>
+                </a:cubicBezTo>
+                <a:close/>
+              </a:path>
+            </a:pathLst>
+          </a:custGeom>
+          <a:solidFill>
+            <a:schemeClr val="accent6"/>
+          </a:solidFill>
+          <a:ln w="9525" cap="flat">
+            <a:noFill/>
+            <a:prstDash val="solid"/>
+            <a:miter/>
+          </a:ln>
+        </p:spPr>
+        <p:txBody>
+          <a:bodyPr rtlCol="0" anchor="ctr"/>
+          <a:lstStyle/>
+          <a:p>
+            <a:endParaRPr lang="en-US"/>
+          </a:p>
+        </p:txBody>
+      </p:sp>
+      <p:pic>
+        <p:nvPicPr>
+          <p:cNvPr id="7" name="Graphic 6" descr="Pie chart with solid fill">
+            <a:extLst>
+              <a:ext uri="{FF2B5EF4-FFF2-40B4-BE49-F238E27FC236}">
+                <a16:creationId xmlns:a16="http://schemas.microsoft.com/office/drawing/2014/main" id="{1D01B98D-E413-E8AF-8314-41669BC0C768}"/>
+              </a:ext>
+            </a:extLst>
+          </p:cNvPr>
+          <p:cNvPicPr>
+            <a:picLocks noChangeAspect="1"/>
+          </p:cNvPicPr>
+          <p:nvPr/>
+        </p:nvPicPr>
+        <p:blipFill>
+          <a:blip r:embed="rId2">
+            <a:extLst>
+              <a:ext uri="{28A0092B-C50C-407E-A947-70E740481C1C}">
+                <a14:useLocalDpi xmlns:a14="http://schemas.microsoft.com/office/drawing/2010/main" val="0"/>
+              </a:ext>
+              <a:ext uri="{96DAC541-7B7A-43D3-8B79-37D633B846F1}">
+                <asvg:svgBlip xmlns:asvg="http://schemas.microsoft.com/office/drawing/2016/SVG/main" r:embed="rId3"/>
+              </a:ext>
+            </a:extLst>
+          </a:blip>
+          <a:stretch>
+            <a:fillRect/>
+          </a:stretch>
+        </p:blipFill>
+        <p:spPr>
+          <a:xfrm>
+            <a:off x="6406092" y="2106287"/>
+            <a:ext cx="2480088" cy="2480088"/>
+          </a:xfrm>
+          <a:custGeom>
+            <a:avLst/>
+            <a:gdLst/>
+            <a:ahLst/>
+            <a:cxnLst/>
+            <a:rect l="l" t="t" r="r" b="b"/>
+            <a:pathLst>
+              <a:path w="1964763" h="1856167">
+                <a:moveTo>
+                  <a:pt x="34265" y="0"/>
+                </a:moveTo>
+                <a:lnTo>
+                  <a:pt x="1930498" y="0"/>
+                </a:lnTo>
+                <a:cubicBezTo>
+                  <a:pt x="1949422" y="0"/>
+                  <a:pt x="1964763" y="15341"/>
+                  <a:pt x="1964763" y="34265"/>
+                </a:cubicBezTo>
+                <a:lnTo>
+                  <a:pt x="1964763" y="1821902"/>
+                </a:lnTo>
+                <a:cubicBezTo>
+                  <a:pt x="1964763" y="1840826"/>
+                  <a:pt x="1949422" y="1856167"/>
+                  <a:pt x="1930498" y="1856167"/>
+                </a:cubicBezTo>
+                <a:lnTo>
+                  <a:pt x="34265" y="1856167"/>
+                </a:lnTo>
+                <a:cubicBezTo>
+                  <a:pt x="15341" y="1856167"/>
+                  <a:pt x="0" y="1840826"/>
+                  <a:pt x="0" y="1821902"/>
+                </a:cubicBezTo>
+                <a:lnTo>
+                  <a:pt x="0" y="34265"/>
+                </a:lnTo>
+                <a:cubicBezTo>
+                  <a:pt x="0" y="15341"/>
+                  <a:pt x="15341" y="0"/>
+                  <a:pt x="34265" y="0"/>
+                </a:cubicBezTo>
+                <a:close/>
+              </a:path>
+            </a:pathLst>
+          </a:custGeom>
+        </p:spPr>
+      </p:pic>
+      <p:pic>
+        <p:nvPicPr>
+          <p:cNvPr id="9" name="Graphic 8" descr="Table with solid fill">
+            <a:extLst>
+              <a:ext uri="{FF2B5EF4-FFF2-40B4-BE49-F238E27FC236}">
+                <a16:creationId xmlns:a16="http://schemas.microsoft.com/office/drawing/2014/main" id="{CAB5DC06-8A72-A29F-9CFD-9D68D814CB28}"/>
+              </a:ext>
+            </a:extLst>
+          </p:cNvPr>
+          <p:cNvPicPr>
+            <a:picLocks noChangeAspect="1"/>
+          </p:cNvPicPr>
+          <p:nvPr/>
+        </p:nvPicPr>
+        <p:blipFill>
+          <a:blip r:embed="rId4">
+            <a:extLst>
+              <a:ext uri="{28A0092B-C50C-407E-A947-70E740481C1C}">
+                <a14:useLocalDpi xmlns:a14="http://schemas.microsoft.com/office/drawing/2010/main" val="0"/>
+              </a:ext>
+              <a:ext uri="{96DAC541-7B7A-43D3-8B79-37D633B846F1}">
+                <asvg:svgBlip xmlns:asvg="http://schemas.microsoft.com/office/drawing/2016/SVG/main" r:embed="rId5"/>
+              </a:ext>
+            </a:extLst>
+          </a:blip>
+          <a:stretch>
+            <a:fillRect/>
+          </a:stretch>
+        </p:blipFill>
+        <p:spPr>
+          <a:xfrm>
+            <a:off x="9609611" y="146615"/>
+            <a:ext cx="2161997" cy="2161997"/>
+          </a:xfrm>
+          <a:custGeom>
+            <a:avLst/>
+            <a:gdLst/>
+            <a:ahLst/>
+            <a:cxnLst/>
+            <a:rect l="l" t="t" r="r" b="b"/>
+            <a:pathLst>
+              <a:path w="1964763" h="1856167">
+                <a:moveTo>
+                  <a:pt x="34265" y="0"/>
+                </a:moveTo>
+                <a:lnTo>
+                  <a:pt x="1930498" y="0"/>
+                </a:lnTo>
+                <a:cubicBezTo>
+                  <a:pt x="1949422" y="0"/>
+                  <a:pt x="1964763" y="15341"/>
+                  <a:pt x="1964763" y="34265"/>
+                </a:cubicBezTo>
+                <a:lnTo>
+                  <a:pt x="1964763" y="1821902"/>
+                </a:lnTo>
+                <a:cubicBezTo>
+                  <a:pt x="1964763" y="1840826"/>
+                  <a:pt x="1949422" y="1856167"/>
+                  <a:pt x="1930498" y="1856167"/>
+                </a:cubicBezTo>
+                <a:lnTo>
+                  <a:pt x="34265" y="1856167"/>
+                </a:lnTo>
+                <a:cubicBezTo>
+                  <a:pt x="15341" y="1856167"/>
+                  <a:pt x="0" y="1840826"/>
+                  <a:pt x="0" y="1821902"/>
+                </a:cubicBezTo>
+                <a:lnTo>
+                  <a:pt x="0" y="34265"/>
+                </a:lnTo>
+                <a:cubicBezTo>
+                  <a:pt x="0" y="15341"/>
+                  <a:pt x="15341" y="0"/>
+                  <a:pt x="34265" y="0"/>
+                </a:cubicBezTo>
+                <a:close/>
+              </a:path>
+            </a:pathLst>
+          </a:custGeom>
+        </p:spPr>
+      </p:pic>
+      <p:sp>
+        <p:nvSpPr>
+          <p:cNvPr id="18" name="Oval 17">
+            <a:extLst>
+              <a:ext uri="{FF2B5EF4-FFF2-40B4-BE49-F238E27FC236}">
+                <a16:creationId xmlns:a16="http://schemas.microsoft.com/office/drawing/2014/main" id="{6FD0FBFA-B43E-40C1-A6E4-B88234171E7A}"/>
+              </a:ext>
+              <a:ext uri="{C183D7F6-B498-43B3-948B-1728B52AA6E4}">
+                <adec:decorative xmlns:adec="http://schemas.microsoft.com/office/drawing/2017/decorative" val="1"/>
+              </a:ext>
+            </a:extLst>
+          </p:cNvPr>
+          <p:cNvSpPr>
+            <a:spLocks noGrp="1" noRot="1" noChangeAspect="1" noMove="1" noResize="1" noEditPoints="1" noAdjustHandles="1" noChangeArrowheads="1" noChangeShapeType="1" noTextEdit="1"/>
+          </p:cNvSpPr>
+          <p:nvPr>
+            <p:extLst>
+              <p:ext uri="{386F3935-93C4-4BCD-93E2-E3B085C9AB24}">
+                <p16:designElem xmlns:p16="http://schemas.microsoft.com/office/powerpoint/2015/main" val="1"/>
+              </p:ext>
+            </p:extLst>
+          </p:nvPr>
+        </p:nvSpPr>
+        <p:spPr>
+          <a:xfrm>
+            <a:off x="9423287" y="3391544"/>
+            <a:ext cx="569514" cy="569514"/>
+          </a:xfrm>
+          <a:prstGeom prst="ellipse">
+            <a:avLst/>
+          </a:prstGeom>
+          <a:noFill/>
+          <a:ln w="127000">
+            <a:solidFill>
+              <a:schemeClr val="accent5"/>
+            </a:solidFill>
+          </a:ln>
+        </p:spPr>
+        <p:style>
+          <a:lnRef idx="2">
+            <a:schemeClr val="accent1">
+              <a:shade val="50000"/>
+            </a:schemeClr>
+          </a:lnRef>
+          <a:fillRef idx="1">
+            <a:schemeClr val="accent1"/>
+          </a:fillRef>
+          <a:effectRef idx="0">
+            <a:schemeClr val="accent1"/>
+          </a:effectRef>
+          <a:fontRef idx="minor">
+            <a:schemeClr val="lt1"/>
+          </a:fontRef>
+        </p:style>
+        <p:txBody>
+          <a:bodyPr rtlCol="0" anchor="ctr"/>
+          <a:lstStyle/>
+          <a:p>
+            <a:pPr algn="ctr"/>
+            <a:endParaRPr lang="en-US" dirty="0"/>
+          </a:p>
+        </p:txBody>
+      </p:sp>
+      <p:sp>
+        <p:nvSpPr>
+          <p:cNvPr id="20" name="Freeform: Shape 19">
+            <a:extLst>
+              <a:ext uri="{FF2B5EF4-FFF2-40B4-BE49-F238E27FC236}">
+                <a16:creationId xmlns:a16="http://schemas.microsoft.com/office/drawing/2014/main" id="{B368E167-B2D7-4904-BB6B-AE0486A2C6F8}"/>
+              </a:ext>
+              <a:ext uri="{C183D7F6-B498-43B3-948B-1728B52AA6E4}">
+                <adec:decorative xmlns:adec="http://schemas.microsoft.com/office/drawing/2017/decorative" val="1"/>
+              </a:ext>
+            </a:extLst>
+          </p:cNvPr>
+          <p:cNvSpPr>
+            <a:spLocks noGrp="1" noRot="1" noChangeAspect="1" noMove="1" noResize="1" noEditPoints="1" noAdjustHandles="1" noChangeArrowheads="1" noChangeShapeType="1" noTextEdit="1"/>
+          </p:cNvSpPr>
+          <p:nvPr>
+            <p:extLst>
+              <p:ext uri="{386F3935-93C4-4BCD-93E2-E3B085C9AB24}">
+                <p16:designElem xmlns:p16="http://schemas.microsoft.com/office/powerpoint/2015/main" val="1"/>
+              </p:ext>
+            </p:extLst>
+          </p:nvPr>
+        </p:nvSpPr>
+        <p:spPr>
+          <a:xfrm>
+            <a:off x="11162258" y="2429507"/>
+            <a:ext cx="1029742" cy="1346076"/>
+          </a:xfrm>
+          <a:custGeom>
+            <a:avLst/>
+            <a:gdLst>
+              <a:gd name="connsiteX0" fmla="*/ 824347 w 1261243"/>
+              <a:gd name="connsiteY0" fmla="*/ 0 h 1648694"/>
+              <a:gd name="connsiteX1" fmla="*/ 1145220 w 1261243"/>
+              <a:gd name="connsiteY1" fmla="*/ 64781 h 1648694"/>
+              <a:gd name="connsiteX2" fmla="*/ 1261243 w 1261243"/>
+              <a:gd name="connsiteY2" fmla="*/ 127757 h 1648694"/>
+              <a:gd name="connsiteX3" fmla="*/ 1261243 w 1261243"/>
+              <a:gd name="connsiteY3" fmla="*/ 1520938 h 1648694"/>
+              <a:gd name="connsiteX4" fmla="*/ 1145220 w 1261243"/>
+              <a:gd name="connsiteY4" fmla="*/ 1583913 h 1648694"/>
+              <a:gd name="connsiteX5" fmla="*/ 824347 w 1261243"/>
+              <a:gd name="connsiteY5" fmla="*/ 1648694 h 1648694"/>
+              <a:gd name="connsiteX6" fmla="*/ 0 w 1261243"/>
+              <a:gd name="connsiteY6" fmla="*/ 824347 h 1648694"/>
+              <a:gd name="connsiteX7" fmla="*/ 824347 w 1261243"/>
+              <a:gd name="connsiteY7" fmla="*/ 0 h 1648694"/>
+            </a:gdLst>
+            <a:ahLst/>
+            <a:cxnLst>
+              <a:cxn ang="0">
+                <a:pos x="connsiteX0" y="connsiteY0"/>
+              </a:cxn>
+              <a:cxn ang="0">
+                <a:pos x="connsiteX1" y="connsiteY1"/>
+              </a:cxn>
+              <a:cxn ang="0">
+                <a:pos x="connsiteX2" y="connsiteY2"/>
+              </a:cxn>
+              <a:cxn ang="0">
+                <a:pos x="connsiteX3" y="connsiteY3"/>
+              </a:cxn>
+              <a:cxn ang="0">
+                <a:pos x="connsiteX4" y="connsiteY4"/>
+              </a:cxn>
+              <a:cxn ang="0">
+                <a:pos x="connsiteX5" y="connsiteY5"/>
+              </a:cxn>
+              <a:cxn ang="0">
+                <a:pos x="connsiteX6" y="connsiteY6"/>
+              </a:cxn>
+              <a:cxn ang="0">
+                <a:pos x="connsiteX7" y="connsiteY7"/>
+              </a:cxn>
+            </a:cxnLst>
+            <a:rect l="l" t="t" r="r" b="b"/>
+            <a:pathLst>
+              <a:path w="1261243" h="1648694">
+                <a:moveTo>
+                  <a:pt x="824347" y="0"/>
+                </a:moveTo>
+                <a:cubicBezTo>
+                  <a:pt x="938165" y="0"/>
+                  <a:pt x="1046596" y="23067"/>
+                  <a:pt x="1145220" y="64781"/>
+                </a:cubicBezTo>
+                <a:lnTo>
+                  <a:pt x="1261243" y="127757"/>
+                </a:lnTo>
+                <a:lnTo>
+                  <a:pt x="1261243" y="1520938"/>
+                </a:lnTo>
+                <a:lnTo>
+                  <a:pt x="1145220" y="1583913"/>
+                </a:lnTo>
+                <a:cubicBezTo>
+                  <a:pt x="1046596" y="1625627"/>
+                  <a:pt x="938165" y="1648694"/>
+                  <a:pt x="824347" y="1648694"/>
+                </a:cubicBezTo>
+                <a:cubicBezTo>
+                  <a:pt x="369073" y="1648694"/>
+                  <a:pt x="0" y="1279621"/>
+                  <a:pt x="0" y="824347"/>
+                </a:cubicBezTo>
+                <a:cubicBezTo>
+                  <a:pt x="0" y="369073"/>
+                  <a:pt x="369073" y="0"/>
+                  <a:pt x="824347" y="0"/>
+                </a:cubicBezTo>
+                <a:close/>
+              </a:path>
+            </a:pathLst>
+          </a:custGeom>
+          <a:solidFill>
+            <a:schemeClr val="accent2"/>
+          </a:solidFill>
+          <a:ln w="127000">
+            <a:noFill/>
+          </a:ln>
+        </p:spPr>
+        <p:style>
+          <a:lnRef idx="2">
+            <a:schemeClr val="accent1">
+              <a:shade val="50000"/>
+            </a:schemeClr>
+          </a:lnRef>
+          <a:fillRef idx="1">
+            <a:schemeClr val="accent1"/>
+          </a:fillRef>
+          <a:effectRef idx="0">
+            <a:schemeClr val="accent1"/>
+          </a:effectRef>
+          <a:fontRef idx="minor">
+            <a:schemeClr val="lt1"/>
+          </a:fontRef>
+        </p:style>
+        <p:txBody>
+          <a:bodyPr wrap="square" rtlCol="0" anchor="ctr">
+            <a:noAutofit/>
+          </a:bodyPr>
+          <a:lstStyle/>
+          <a:p>
+            <a:pPr algn="ctr"/>
+            <a:endParaRPr lang="en-US"/>
+          </a:p>
+        </p:txBody>
+      </p:sp>
+      <p:pic>
+        <p:nvPicPr>
+          <p:cNvPr id="5" name="Graphic 4" descr="Stopwatch with solid fill">
+            <a:extLst>
+              <a:ext uri="{FF2B5EF4-FFF2-40B4-BE49-F238E27FC236}">
+                <a16:creationId xmlns:a16="http://schemas.microsoft.com/office/drawing/2014/main" id="{AB126BD6-D431-7A62-865F-75D732884B31}"/>
+              </a:ext>
+            </a:extLst>
+          </p:cNvPr>
+          <p:cNvPicPr>
+            <a:picLocks noChangeAspect="1"/>
+          </p:cNvPicPr>
+          <p:nvPr/>
+        </p:nvPicPr>
+        <p:blipFill>
+          <a:blip r:embed="rId6">
+            <a:extLst>
+              <a:ext uri="{28A0092B-C50C-407E-A947-70E740481C1C}">
+                <a14:useLocalDpi xmlns:a14="http://schemas.microsoft.com/office/drawing/2010/main" val="0"/>
+              </a:ext>
+              <a:ext uri="{96DAC541-7B7A-43D3-8B79-37D633B846F1}">
+                <asvg:svgBlip xmlns:asvg="http://schemas.microsoft.com/office/drawing/2016/SVG/main" r:embed="rId7"/>
+              </a:ext>
+            </a:extLst>
+          </a:blip>
+          <a:stretch>
+            <a:fillRect/>
+          </a:stretch>
+        </p:blipFill>
+        <p:spPr>
+          <a:xfrm>
+            <a:off x="9708044" y="4184262"/>
+            <a:ext cx="2161997" cy="2161997"/>
+          </a:xfrm>
+          <a:custGeom>
+            <a:avLst/>
+            <a:gdLst/>
+            <a:ahLst/>
+            <a:cxnLst/>
+            <a:rect l="l" t="t" r="r" b="b"/>
+            <a:pathLst>
+              <a:path w="2565029" h="2588972">
+                <a:moveTo>
+                  <a:pt x="69897" y="0"/>
+                </a:moveTo>
+                <a:lnTo>
+                  <a:pt x="2495132" y="0"/>
+                </a:lnTo>
+                <a:cubicBezTo>
+                  <a:pt x="2533735" y="0"/>
+                  <a:pt x="2565029" y="31294"/>
+                  <a:pt x="2565029" y="69897"/>
+                </a:cubicBezTo>
+                <a:lnTo>
+                  <a:pt x="2565029" y="2519075"/>
+                </a:lnTo>
+                <a:cubicBezTo>
+                  <a:pt x="2565029" y="2557678"/>
+                  <a:pt x="2533735" y="2588972"/>
+                  <a:pt x="2495132" y="2588972"/>
+                </a:cubicBezTo>
+                <a:lnTo>
+                  <a:pt x="69897" y="2588972"/>
+                </a:lnTo>
+                <a:cubicBezTo>
+                  <a:pt x="31294" y="2588972"/>
+                  <a:pt x="0" y="2557678"/>
+                  <a:pt x="0" y="2519075"/>
+                </a:cubicBezTo>
+                <a:lnTo>
+                  <a:pt x="0" y="69897"/>
+                </a:lnTo>
+                <a:cubicBezTo>
+                  <a:pt x="0" y="31294"/>
+                  <a:pt x="31294" y="0"/>
+                  <a:pt x="69897" y="0"/>
+                </a:cubicBezTo>
+                <a:close/>
+              </a:path>
+            </a:pathLst>
+          </a:custGeom>
+        </p:spPr>
+      </p:pic>
+      <p:sp>
+        <p:nvSpPr>
+          <p:cNvPr id="22" name="Freeform: Shape 21">
+            <a:extLst>
+              <a:ext uri="{FF2B5EF4-FFF2-40B4-BE49-F238E27FC236}">
+                <a16:creationId xmlns:a16="http://schemas.microsoft.com/office/drawing/2014/main" id="{E97546D8-565E-45FE-8079-058CAED5A07C}"/>
+              </a:ext>
+              <a:ext uri="{C183D7F6-B498-43B3-948B-1728B52AA6E4}">
+                <adec:decorative xmlns:adec="http://schemas.microsoft.com/office/drawing/2017/decorative" val="1"/>
+              </a:ext>
+            </a:extLst>
+          </p:cNvPr>
+          <p:cNvSpPr>
+            <a:spLocks noGrp="1" noRot="1" noChangeAspect="1" noMove="1" noResize="1" noEditPoints="1" noAdjustHandles="1" noChangeArrowheads="1" noChangeShapeType="1" noTextEdit="1"/>
+          </p:cNvSpPr>
+          <p:nvPr>
+            <p:extLst>
+              <p:ext uri="{386F3935-93C4-4BCD-93E2-E3B085C9AB24}">
+                <p16:designElem xmlns:p16="http://schemas.microsoft.com/office/powerpoint/2015/main" val="1"/>
+              </p:ext>
+            </p:extLst>
+          </p:nvPr>
+        </p:nvSpPr>
+        <p:spPr>
+          <a:xfrm rot="20463438">
+            <a:off x="6710830" y="5005247"/>
+            <a:ext cx="2170501" cy="2254419"/>
+          </a:xfrm>
+          <a:custGeom>
+            <a:avLst/>
+            <a:gdLst>
+              <a:gd name="connsiteX0" fmla="*/ 2129607 w 2170501"/>
+              <a:gd name="connsiteY0" fmla="*/ 1918583 h 2254419"/>
+              <a:gd name="connsiteX1" fmla="*/ 2170492 w 2170501"/>
+              <a:gd name="connsiteY1" fmla="*/ 1986678 h 2254419"/>
+              <a:gd name="connsiteX2" fmla="*/ 2143122 w 2170501"/>
+              <a:gd name="connsiteY2" fmla="*/ 2219532 h 2254419"/>
+              <a:gd name="connsiteX3" fmla="*/ 2134528 w 2170501"/>
+              <a:gd name="connsiteY3" fmla="*/ 2254419 h 2254419"/>
+              <a:gd name="connsiteX4" fmla="*/ 1992178 w 2170501"/>
+              <a:gd name="connsiteY4" fmla="*/ 2205563 h 2254419"/>
+              <a:gd name="connsiteX5" fmla="*/ 1995353 w 2170501"/>
+              <a:gd name="connsiteY5" fmla="*/ 2192695 h 2254419"/>
+              <a:gd name="connsiteX6" fmla="*/ 2020595 w 2170501"/>
+              <a:gd name="connsiteY6" fmla="*/ 1978457 h 2254419"/>
+              <a:gd name="connsiteX7" fmla="*/ 2102402 w 2170501"/>
+              <a:gd name="connsiteY7" fmla="*/ 1910681 h 2254419"/>
+              <a:gd name="connsiteX8" fmla="*/ 2129607 w 2170501"/>
+              <a:gd name="connsiteY8" fmla="*/ 1918583 h 2254419"/>
+              <a:gd name="connsiteX9" fmla="*/ 1874324 w 2170501"/>
+              <a:gd name="connsiteY9" fmla="*/ 904226 h 2254419"/>
+              <a:gd name="connsiteX10" fmla="*/ 1919011 w 2170501"/>
+              <a:gd name="connsiteY10" fmla="*/ 937393 h 2254419"/>
+              <a:gd name="connsiteX11" fmla="*/ 2101793 w 2170501"/>
+              <a:gd name="connsiteY11" fmla="*/ 1368166 h 2254419"/>
+              <a:gd name="connsiteX12" fmla="*/ 2049988 w 2170501"/>
+              <a:gd name="connsiteY12" fmla="*/ 1460853 h 2254419"/>
+              <a:gd name="connsiteX13" fmla="*/ 2029492 w 2170501"/>
+              <a:gd name="connsiteY13" fmla="*/ 1463442 h 2254419"/>
+              <a:gd name="connsiteX14" fmla="*/ 2029492 w 2170501"/>
+              <a:gd name="connsiteY14" fmla="*/ 1463668 h 2254419"/>
+              <a:gd name="connsiteX15" fmla="*/ 1957302 w 2170501"/>
+              <a:gd name="connsiteY15" fmla="*/ 1409047 h 2254419"/>
+              <a:gd name="connsiteX16" fmla="*/ 1789159 w 2170501"/>
+              <a:gd name="connsiteY16" fmla="*/ 1012848 h 2254419"/>
+              <a:gd name="connsiteX17" fmla="*/ 1819072 w 2170501"/>
+              <a:gd name="connsiteY17" fmla="*/ 910914 h 2254419"/>
+              <a:gd name="connsiteX18" fmla="*/ 1874324 w 2170501"/>
+              <a:gd name="connsiteY18" fmla="*/ 904226 h 2254419"/>
+              <a:gd name="connsiteX19" fmla="*/ 565076 w 2170501"/>
+              <a:gd name="connsiteY19" fmla="*/ 25347 h 2254419"/>
+              <a:gd name="connsiteX20" fmla="*/ 602104 w 2170501"/>
+              <a:gd name="connsiteY20" fmla="*/ 99534 h 2254419"/>
+              <a:gd name="connsiteX21" fmla="*/ 527134 w 2170501"/>
+              <a:gd name="connsiteY21" fmla="*/ 165379 h 2254419"/>
+              <a:gd name="connsiteX22" fmla="*/ 517223 w 2170501"/>
+              <a:gd name="connsiteY22" fmla="*/ 164816 h 2254419"/>
+              <a:gd name="connsiteX23" fmla="*/ 86562 w 2170501"/>
+              <a:gd name="connsiteY23" fmla="*/ 162226 h 2254419"/>
+              <a:gd name="connsiteX24" fmla="*/ 886 w 2170501"/>
+              <a:gd name="connsiteY24" fmla="*/ 99416 h 2254419"/>
+              <a:gd name="connsiteX25" fmla="*/ 63695 w 2170501"/>
+              <a:gd name="connsiteY25" fmla="*/ 13740 h 2254419"/>
+              <a:gd name="connsiteX26" fmla="*/ 68993 w 2170501"/>
+              <a:gd name="connsiteY26" fmla="*/ 13116 h 2254419"/>
+              <a:gd name="connsiteX27" fmla="*/ 536819 w 2170501"/>
+              <a:gd name="connsiteY27" fmla="*/ 15931 h 2254419"/>
+              <a:gd name="connsiteX28" fmla="*/ 565076 w 2170501"/>
+              <a:gd name="connsiteY28" fmla="*/ 25347 h 2254419"/>
+              <a:gd name="connsiteX29" fmla="*/ 1132468 w 2170501"/>
+              <a:gd name="connsiteY29" fmla="*/ 198602 h 2254419"/>
+              <a:gd name="connsiteX30" fmla="*/ 1521686 w 2170501"/>
+              <a:gd name="connsiteY30" fmla="*/ 458304 h 2254419"/>
+              <a:gd name="connsiteX31" fmla="*/ 1529659 w 2170501"/>
+              <a:gd name="connsiteY31" fmla="*/ 564078 h 2254419"/>
+              <a:gd name="connsiteX32" fmla="*/ 1472583 w 2170501"/>
+              <a:gd name="connsiteY32" fmla="*/ 590184 h 2254419"/>
+              <a:gd name="connsiteX33" fmla="*/ 1472245 w 2170501"/>
+              <a:gd name="connsiteY33" fmla="*/ 590184 h 2254419"/>
+              <a:gd name="connsiteX34" fmla="*/ 1423143 w 2170501"/>
+              <a:gd name="connsiteY34" fmla="*/ 572389 h 2254419"/>
+              <a:gd name="connsiteX35" fmla="*/ 1064896 w 2170501"/>
+              <a:gd name="connsiteY35" fmla="*/ 332846 h 2254419"/>
+              <a:gd name="connsiteX36" fmla="*/ 1031562 w 2170501"/>
+              <a:gd name="connsiteY36" fmla="*/ 231938 h 2254419"/>
+              <a:gd name="connsiteX37" fmla="*/ 1132468 w 2170501"/>
+              <a:gd name="connsiteY37" fmla="*/ 198602 h 2254419"/>
+            </a:gdLst>
+            <a:ahLst/>
+            <a:cxnLst>
+              <a:cxn ang="0">
+                <a:pos x="connsiteX0" y="connsiteY0"/>
+              </a:cxn>
+              <a:cxn ang="0">
+                <a:pos x="connsiteX1" y="connsiteY1"/>
+              </a:cxn>
+              <a:cxn ang="0">
+                <a:pos x="connsiteX2" y="connsiteY2"/>
+              </a:cxn>
+              <a:cxn ang="0">
+                <a:pos x="connsiteX3" y="connsiteY3"/>
+              </a:cxn>
+              <a:cxn ang="0">
+                <a:pos x="connsiteX4" y="connsiteY4"/>
+              </a:cxn>
+              <a:cxn ang="0">
+                <a:pos x="connsiteX5" y="connsiteY5"/>
+              </a:cxn>
+              <a:cxn ang="0">
+                <a:pos x="connsiteX6" y="connsiteY6"/>
+              </a:cxn>
+              <a:cxn ang="0">
+                <a:pos x="connsiteX7" y="connsiteY7"/>
+              </a:cxn>
+              <a:cxn ang="0">
+                <a:pos x="connsiteX8" y="connsiteY8"/>
+              </a:cxn>
+              <a:cxn ang="0">
+                <a:pos x="connsiteX9" y="connsiteY9"/>
+              </a:cxn>
+              <a:cxn ang="0">
+                <a:pos x="connsiteX10" y="connsiteY10"/>
+              </a:cxn>
+              <a:cxn ang="0">
+                <a:pos x="connsiteX11" y="connsiteY11"/>
+              </a:cxn>
+              <a:cxn ang="0">
+                <a:pos x="connsiteX12" y="connsiteY12"/>
+              </a:cxn>
+              <a:cxn ang="0">
+                <a:pos x="connsiteX13" y="connsiteY13"/>
+              </a:cxn>
+              <a:cxn ang="0">
+                <a:pos x="connsiteX14" y="connsiteY14"/>
+              </a:cxn>
+              <a:cxn ang="0">
+                <a:pos x="connsiteX15" y="connsiteY15"/>
+              </a:cxn>
+              <a:cxn ang="0">
+                <a:pos x="connsiteX16" y="connsiteY16"/>
+              </a:cxn>
+              <a:cxn ang="0">
+                <a:pos x="connsiteX17" y="connsiteY17"/>
+              </a:cxn>
+              <a:cxn ang="0">
+                <a:pos x="connsiteX18" y="connsiteY18"/>
+              </a:cxn>
+              <a:cxn ang="0">
+                <a:pos x="connsiteX19" y="connsiteY19"/>
+              </a:cxn>
+              <a:cxn ang="0">
+                <a:pos x="connsiteX20" y="connsiteY20"/>
+              </a:cxn>
+              <a:cxn ang="0">
+                <a:pos x="connsiteX21" y="connsiteY21"/>
+              </a:cxn>
+              <a:cxn ang="0">
+                <a:pos x="connsiteX22" y="connsiteY22"/>
+              </a:cxn>
+              <a:cxn ang="0">
+                <a:pos x="connsiteX23" y="connsiteY23"/>
+              </a:cxn>
+              <a:cxn ang="0">
+                <a:pos x="connsiteX24" y="connsiteY24"/>
+              </a:cxn>
+              <a:cxn ang="0">
+                <a:pos x="connsiteX25" y="connsiteY25"/>
+              </a:cxn>
+              <a:cxn ang="0">
+                <a:pos x="connsiteX26" y="connsiteY26"/>
+              </a:cxn>
+              <a:cxn ang="0">
+                <a:pos x="connsiteX27" y="connsiteY27"/>
+              </a:cxn>
+              <a:cxn ang="0">
+                <a:pos x="connsiteX28" y="connsiteY28"/>
+              </a:cxn>
+              <a:cxn ang="0">
+                <a:pos x="connsiteX29" y="connsiteY29"/>
+              </a:cxn>
+              <a:cxn ang="0">
+                <a:pos x="connsiteX30" y="connsiteY30"/>
+              </a:cxn>
+              <a:cxn ang="0">
+                <a:pos x="connsiteX31" y="connsiteY31"/>
+              </a:cxn>
+              <a:cxn ang="0">
+                <a:pos x="connsiteX32" y="connsiteY32"/>
+              </a:cxn>
+              <a:cxn ang="0">
+                <a:pos x="connsiteX33" y="connsiteY33"/>
+              </a:cxn>
+              <a:cxn ang="0">
+                <a:pos x="connsiteX34" y="connsiteY34"/>
+              </a:cxn>
+              <a:cxn ang="0">
+                <a:pos x="connsiteX35" y="connsiteY35"/>
+              </a:cxn>
+              <a:cxn ang="0">
+                <a:pos x="connsiteX36" y="connsiteY36"/>
+              </a:cxn>
+              <a:cxn ang="0">
+                <a:pos x="connsiteX37" y="connsiteY37"/>
+              </a:cxn>
+            </a:cxnLst>
+            <a:rect l="l" t="t" r="r" b="b"/>
+            <a:pathLst>
+              <a:path w="2170501" h="2254419">
+                <a:moveTo>
+                  <a:pt x="2129607" y="1918583"/>
+                </a:moveTo>
+                <a:cubicBezTo>
+                  <a:pt x="2154398" y="1931279"/>
+                  <a:pt x="2170966" y="1957258"/>
+                  <a:pt x="2170492" y="1986678"/>
+                </a:cubicBezTo>
+                <a:cubicBezTo>
+                  <a:pt x="2166208" y="2064866"/>
+                  <a:pt x="2157057" y="2142632"/>
+                  <a:pt x="2143122" y="2219532"/>
+                </a:cubicBezTo>
+                <a:lnTo>
+                  <a:pt x="2134528" y="2254419"/>
+                </a:lnTo>
+                <a:lnTo>
+                  <a:pt x="1992178" y="2205563"/>
+                </a:lnTo>
+                <a:lnTo>
+                  <a:pt x="1995353" y="2192695"/>
+                </a:lnTo>
+                <a:cubicBezTo>
+                  <a:pt x="2008198" y="2121944"/>
+                  <a:pt x="2016634" y="2050393"/>
+                  <a:pt x="2020595" y="1978457"/>
+                </a:cubicBezTo>
+                <a:cubicBezTo>
+                  <a:pt x="2024469" y="1937147"/>
+                  <a:pt x="2061092" y="1906808"/>
+                  <a:pt x="2102402" y="1910681"/>
+                </a:cubicBezTo>
+                <a:cubicBezTo>
+                  <a:pt x="2112167" y="1911596"/>
+                  <a:pt x="2121344" y="1914352"/>
+                  <a:pt x="2129607" y="1918583"/>
+                </a:cubicBezTo>
+                <a:close/>
+                <a:moveTo>
+                  <a:pt x="1874324" y="904226"/>
+                </a:moveTo>
+                <a:cubicBezTo>
+                  <a:pt x="1892306" y="908991"/>
+                  <a:pt x="1908526" y="920398"/>
+                  <a:pt x="1919011" y="937393"/>
+                </a:cubicBezTo>
+                <a:cubicBezTo>
+                  <a:pt x="1997699" y="1072785"/>
+                  <a:pt x="2059099" y="1217502"/>
+                  <a:pt x="2101793" y="1368166"/>
+                </a:cubicBezTo>
+                <a:cubicBezTo>
+                  <a:pt x="2113067" y="1408067"/>
+                  <a:pt x="2089878" y="1449546"/>
+                  <a:pt x="2049988" y="1460853"/>
+                </a:cubicBezTo>
+                <a:cubicBezTo>
+                  <a:pt x="2043310" y="1462643"/>
+                  <a:pt x="2036406" y="1463511"/>
+                  <a:pt x="2029492" y="1463442"/>
+                </a:cubicBezTo>
+                <a:lnTo>
+                  <a:pt x="2029492" y="1463668"/>
+                </a:lnTo>
+                <a:cubicBezTo>
+                  <a:pt x="1995920" y="1463668"/>
+                  <a:pt x="1966424" y="1441358"/>
+                  <a:pt x="1957302" y="1409047"/>
+                </a:cubicBezTo>
+                <a:cubicBezTo>
+                  <a:pt x="1918054" y="1270468"/>
+                  <a:pt x="1861564" y="1137362"/>
+                  <a:pt x="1789159" y="1012848"/>
+                </a:cubicBezTo>
+                <a:cubicBezTo>
+                  <a:pt x="1769270" y="976439"/>
+                  <a:pt x="1782660" y="930802"/>
+                  <a:pt x="1819072" y="910914"/>
+                </a:cubicBezTo>
+                <a:cubicBezTo>
+                  <a:pt x="1836601" y="901341"/>
+                  <a:pt x="1856343" y="899462"/>
+                  <a:pt x="1874324" y="904226"/>
+                </a:cubicBezTo>
+                <a:close/>
+                <a:moveTo>
+                  <a:pt x="565076" y="25347"/>
+                </a:moveTo>
+                <a:cubicBezTo>
+                  <a:pt x="590405" y="39934"/>
+                  <a:pt x="605899" y="68698"/>
+                  <a:pt x="602104" y="99534"/>
+                </a:cubicBezTo>
+                <a:cubicBezTo>
+                  <a:pt x="597454" y="137333"/>
+                  <a:pt x="565217" y="165647"/>
+                  <a:pt x="527134" y="165379"/>
+                </a:cubicBezTo>
+                <a:cubicBezTo>
+                  <a:pt x="523821" y="165412"/>
+                  <a:pt x="520510" y="165224"/>
+                  <a:pt x="517223" y="164816"/>
+                </a:cubicBezTo>
+                <a:cubicBezTo>
+                  <a:pt x="374328" y="146158"/>
+                  <a:pt x="229672" y="145287"/>
+                  <a:pt x="86562" y="162226"/>
+                </a:cubicBezTo>
+                <a:cubicBezTo>
+                  <a:pt x="45559" y="168541"/>
+                  <a:pt x="7201" y="140420"/>
+                  <a:pt x="886" y="99416"/>
+                </a:cubicBezTo>
+                <a:cubicBezTo>
+                  <a:pt x="-5428" y="58412"/>
+                  <a:pt x="22692" y="20054"/>
+                  <a:pt x="63695" y="13740"/>
+                </a:cubicBezTo>
+                <a:cubicBezTo>
+                  <a:pt x="65453" y="13470"/>
+                  <a:pt x="67220" y="13261"/>
+                  <a:pt x="68993" y="13116"/>
+                </a:cubicBezTo>
+                <a:cubicBezTo>
+                  <a:pt x="224454" y="-5269"/>
+                  <a:pt x="381592" y="-4323"/>
+                  <a:pt x="536819" y="15931"/>
+                </a:cubicBezTo>
+                <a:cubicBezTo>
+                  <a:pt x="547097" y="17195"/>
+                  <a:pt x="556633" y="20483"/>
+                  <a:pt x="565076" y="25347"/>
+                </a:cubicBezTo>
+                <a:close/>
+                <a:moveTo>
+                  <a:pt x="1132468" y="198602"/>
+                </a:moveTo>
+                <a:cubicBezTo>
+                  <a:pt x="1272445" y="268739"/>
+                  <a:pt x="1403185" y="355973"/>
+                  <a:pt x="1521686" y="458304"/>
+                </a:cubicBezTo>
+                <a:cubicBezTo>
+                  <a:pt x="1553095" y="485311"/>
+                  <a:pt x="1556665" y="532668"/>
+                  <a:pt x="1529659" y="564078"/>
+                </a:cubicBezTo>
+                <a:cubicBezTo>
+                  <a:pt x="1515367" y="580705"/>
+                  <a:pt x="1494511" y="590242"/>
+                  <a:pt x="1472583" y="590184"/>
+                </a:cubicBezTo>
+                <a:lnTo>
+                  <a:pt x="1472245" y="590184"/>
+                </a:lnTo>
+                <a:cubicBezTo>
+                  <a:pt x="1454271" y="590357"/>
+                  <a:pt x="1436837" y="584037"/>
+                  <a:pt x="1423143" y="572389"/>
+                </a:cubicBezTo>
+                <a:cubicBezTo>
+                  <a:pt x="1314092" y="478031"/>
+                  <a:pt x="1193758" y="397569"/>
+                  <a:pt x="1064896" y="332846"/>
+                </a:cubicBezTo>
+                <a:cubicBezTo>
+                  <a:pt x="1027826" y="314186"/>
+                  <a:pt x="1012901" y="269007"/>
+                  <a:pt x="1031562" y="231938"/>
+                </a:cubicBezTo>
+                <a:cubicBezTo>
+                  <a:pt x="1050220" y="194867"/>
+                  <a:pt x="1095399" y="179942"/>
+                  <a:pt x="1132468" y="198602"/>
+                </a:cubicBezTo>
+                <a:close/>
+              </a:path>
+            </a:pathLst>
+          </a:custGeom>
+          <a:solidFill>
+            <a:schemeClr val="accent4"/>
+          </a:solidFill>
+          <a:ln w="9525" cap="flat">
+            <a:noFill/>
+            <a:prstDash val="solid"/>
+            <a:miter/>
+          </a:ln>
+        </p:spPr>
+        <p:txBody>
+          <a:bodyPr wrap="square" rtlCol="0" anchor="ctr">
+            <a:noAutofit/>
+          </a:bodyPr>
+          <a:lstStyle/>
+          <a:p>
+            <a:endParaRPr lang="en-US"/>
+          </a:p>
+        </p:txBody>
+      </p:sp>
+      <p:sp>
+        <p:nvSpPr>
+          <p:cNvPr id="24" name="Freeform: Shape 23">
+            <a:extLst>
+              <a:ext uri="{FF2B5EF4-FFF2-40B4-BE49-F238E27FC236}">
+                <a16:creationId xmlns:a16="http://schemas.microsoft.com/office/drawing/2014/main" id="{33E49524-66B4-4DB0-AD09-DC8B9874E1B3}"/>
+              </a:ext>
+              <a:ext uri="{C183D7F6-B498-43B3-948B-1728B52AA6E4}">
+                <adec:decorative xmlns:adec="http://schemas.microsoft.com/office/drawing/2017/decorative" val="1"/>
+              </a:ext>
+            </a:extLst>
+          </p:cNvPr>
+          <p:cNvSpPr>
+            <a:spLocks noGrp="1" noRot="1" noChangeAspect="1" noMove="1" noResize="1" noEditPoints="1" noAdjustHandles="1" noChangeArrowheads="1" noChangeShapeType="1" noTextEdit="1"/>
+          </p:cNvSpPr>
+          <p:nvPr>
+            <p:extLst>
+              <p:ext uri="{386F3935-93C4-4BCD-93E2-E3B085C9AB24}">
+                <p16:designElem xmlns:p16="http://schemas.microsoft.com/office/powerpoint/2015/main" val="1"/>
+              </p:ext>
+            </p:extLst>
+          </p:nvPr>
+        </p:nvSpPr>
+        <p:spPr>
+          <a:xfrm>
+            <a:off x="6406092" y="6039059"/>
+            <a:ext cx="1978348" cy="818941"/>
+          </a:xfrm>
+          <a:custGeom>
+            <a:avLst/>
+            <a:gdLst>
+              <a:gd name="connsiteX0" fmla="*/ 995532 w 1991064"/>
+              <a:gd name="connsiteY0" fmla="*/ 0 h 824205"/>
+              <a:gd name="connsiteX1" fmla="*/ 1984823 w 1991064"/>
+              <a:gd name="connsiteY1" fmla="*/ 784423 h 824205"/>
+              <a:gd name="connsiteX2" fmla="*/ 1991064 w 1991064"/>
+              <a:gd name="connsiteY2" fmla="*/ 824205 h 824205"/>
+              <a:gd name="connsiteX3" fmla="*/ 0 w 1991064"/>
+              <a:gd name="connsiteY3" fmla="*/ 824205 h 824205"/>
+              <a:gd name="connsiteX4" fmla="*/ 6241 w 1991064"/>
+              <a:gd name="connsiteY4" fmla="*/ 784423 h 824205"/>
+              <a:gd name="connsiteX5" fmla="*/ 995532 w 1991064"/>
+              <a:gd name="connsiteY5" fmla="*/ 0 h 824205"/>
+            </a:gdLst>
+            <a:ahLst/>
+            <a:cxnLst>
+              <a:cxn ang="0">
+                <a:pos x="connsiteX0" y="connsiteY0"/>
+              </a:cxn>
+              <a:cxn ang="0">
+                <a:pos x="connsiteX1" y="connsiteY1"/>
+              </a:cxn>
+              <a:cxn ang="0">
+                <a:pos x="connsiteX2" y="connsiteY2"/>
+              </a:cxn>
+              <a:cxn ang="0">
+                <a:pos x="connsiteX3" y="connsiteY3"/>
+              </a:cxn>
+              <a:cxn ang="0">
+                <a:pos x="connsiteX4" y="connsiteY4"/>
+              </a:cxn>
+              <a:cxn ang="0">
+                <a:pos x="connsiteX5" y="connsiteY5"/>
+              </a:cxn>
+            </a:cxnLst>
+            <a:rect l="l" t="t" r="r" b="b"/>
+            <a:pathLst>
+              <a:path w="1991064" h="824205">
+                <a:moveTo>
+                  <a:pt x="995532" y="0"/>
+                </a:moveTo>
+                <a:cubicBezTo>
+                  <a:pt x="1483521" y="0"/>
+                  <a:pt x="1890663" y="336754"/>
+                  <a:pt x="1984823" y="784423"/>
+                </a:cubicBezTo>
+                <a:lnTo>
+                  <a:pt x="1991064" y="824205"/>
+                </a:lnTo>
+                <a:lnTo>
+                  <a:pt x="0" y="824205"/>
+                </a:lnTo>
+                <a:lnTo>
+                  <a:pt x="6241" y="784423"/>
+                </a:lnTo>
+                <a:cubicBezTo>
+                  <a:pt x="100402" y="336754"/>
+                  <a:pt x="507544" y="0"/>
+                  <a:pt x="995532" y="0"/>
+                </a:cubicBezTo>
+                <a:close/>
+              </a:path>
+            </a:pathLst>
+          </a:custGeom>
+          <a:solidFill>
+            <a:schemeClr val="accent2"/>
+          </a:solidFill>
+          <a:ln>
+            <a:noFill/>
+          </a:ln>
+        </p:spPr>
+        <p:style>
+          <a:lnRef idx="2">
+            <a:schemeClr val="accent1">
+              <a:shade val="50000"/>
+            </a:schemeClr>
+          </a:lnRef>
+          <a:fillRef idx="1">
+            <a:schemeClr val="accent1"/>
+          </a:fillRef>
+          <a:effectRef idx="0">
+            <a:schemeClr val="accent1"/>
+          </a:effectRef>
+          <a:fontRef idx="minor">
+            <a:schemeClr val="lt1"/>
+          </a:fontRef>
+        </p:style>
+        <p:txBody>
+          <a:bodyPr wrap="square" rtlCol="0" anchor="ctr">
+            <a:noAutofit/>
+          </a:bodyPr>
+          <a:lstStyle/>
+          <a:p>
+            <a:pPr algn="ctr"/>
+            <a:endParaRPr lang="en-US" dirty="0"/>
+          </a:p>
+        </p:txBody>
+      </p:sp>
+    </p:spTree>
+    <p:extLst>
+      <p:ext uri="{BB962C8B-B14F-4D97-AF65-F5344CB8AC3E}">
+        <p14:creationId xmlns:p14="http://schemas.microsoft.com/office/powerpoint/2010/main" val="1358944035"/>
+      </p:ext>
+    </p:extLst>
+  </p:cSld>
+  <p:clrMapOvr>
+    <a:masterClrMapping/>
+  </p:clrMapOvr>
+</p:sld>
+</file>
+
+<file path=ppt/slides/slide5.xml><?xml version="1.0" encoding="utf-8"?>
+<p:sld xmlns:a="http://schemas.openxmlformats.org/drawingml/2006/main" xmlns:r="http://schemas.openxmlformats.org/officeDocument/2006/relationships" xmlns:p="http://schemas.openxmlformats.org/presentationml/2006/main">
+  <p:cSld>
+    <p:bg>
+      <p:bgPr>
+        <a:solidFill>
+          <a:schemeClr val="bg1"/>
+        </a:solidFill>
+        <a:effectLst/>
+      </p:bgPr>
+    </p:bg>
+    <p:spTree>
+      <p:nvGrpSpPr>
+        <p:cNvPr id="1" name=""/>
+        <p:cNvGrpSpPr/>
+        <p:nvPr/>
+      </p:nvGrpSpPr>
+      <p:grpSpPr>
+        <a:xfrm>
+          <a:off x="0" y="0"/>
+          <a:ext cx="0" cy="0"/>
+          <a:chOff x="0" y="0"/>
+          <a:chExt cx="0" cy="0"/>
+        </a:xfrm>
+      </p:grpSpPr>
+      <p:sp useBgFill="1">
+        <p:nvSpPr>
+          <p:cNvPr id="45" name="Rectangle 44">
+            <a:extLst>
+              <a:ext uri="{FF2B5EF4-FFF2-40B4-BE49-F238E27FC236}">
+                <a16:creationId xmlns:a16="http://schemas.microsoft.com/office/drawing/2014/main" id="{A2679492-7988-4050-9056-542444452411}"/>
+              </a:ext>
+              <a:ext uri="{C183D7F6-B498-43B3-948B-1728B52AA6E4}">
+                <adec:decorative xmlns:adec="http://schemas.microsoft.com/office/drawing/2017/decorative" val="1"/>
+              </a:ext>
+            </a:extLst>
+          </p:cNvPr>
+          <p:cNvSpPr>
+            <a:spLocks noGrp="1" noRot="1" noChangeAspect="1" noMove="1" noResize="1" noEditPoints="1" noAdjustHandles="1" noChangeArrowheads="1" noChangeShapeType="1" noTextEdit="1"/>
+          </p:cNvSpPr>
+          <p:nvPr>
+            <p:extLst>
+              <p:ext uri="{386F3935-93C4-4BCD-93E2-E3B085C9AB24}">
+                <p16:designElem xmlns:p16="http://schemas.microsoft.com/office/powerpoint/2015/main" val="1"/>
+              </p:ext>
+            </p:extLst>
+          </p:nvPr>
+        </p:nvSpPr>
+        <p:spPr>
+          <a:xfrm>
+            <a:off x="0" y="0"/>
+            <a:ext cx="12192000" cy="6858000"/>
+          </a:xfrm>
+          <a:prstGeom prst="rect">
+            <a:avLst/>
+          </a:prstGeom>
+          <a:ln>
+            <a:noFill/>
+          </a:ln>
+        </p:spPr>
+        <p:style>
+          <a:lnRef idx="2">
+            <a:schemeClr val="accent1">
+              <a:shade val="50000"/>
+            </a:schemeClr>
+          </a:lnRef>
+          <a:fillRef idx="1">
+            <a:schemeClr val="accent1"/>
+          </a:fillRef>
+          <a:effectRef idx="0">
+            <a:schemeClr val="accent1"/>
+          </a:effectRef>
+          <a:fontRef idx="minor">
+            <a:schemeClr val="lt1"/>
+          </a:fontRef>
+        </p:style>
+        <p:txBody>
+          <a:bodyPr rtlCol="0" anchor="ctr"/>
+          <a:lstStyle/>
+          <a:p>
+            <a:pPr algn="ctr"/>
+            <a:endParaRPr lang="en-US"/>
+          </a:p>
+        </p:txBody>
+      </p:sp>
+      <p:sp>
+        <p:nvSpPr>
+          <p:cNvPr id="2" name="Title 1">
+            <a:extLst>
+              <a:ext uri="{FF2B5EF4-FFF2-40B4-BE49-F238E27FC236}">
+                <a16:creationId xmlns:a16="http://schemas.microsoft.com/office/drawing/2014/main" id="{635882B4-E4F7-4EF0-7B63-693D53A64829}"/>
+              </a:ext>
+            </a:extLst>
+          </p:cNvPr>
+          <p:cNvSpPr>
+            <a:spLocks noGrp="1"/>
+          </p:cNvSpPr>
+          <p:nvPr>
+            <p:ph type="title"/>
+          </p:nvPr>
+        </p:nvSpPr>
+        <p:spPr>
+          <a:xfrm>
+            <a:off x="6412091" y="501651"/>
+            <a:ext cx="4395340" cy="1716255"/>
+          </a:xfrm>
+        </p:spPr>
+        <p:txBody>
+          <a:bodyPr anchor="b">
+            <a:normAutofit/>
+          </a:bodyPr>
+          <a:lstStyle/>
+          <a:p>
+            <a:r>
+              <a:rPr lang="de-DE" sz="5600"/>
+              <a:t>Idea:</a:t>
+            </a:r>
+          </a:p>
+        </p:txBody>
+      </p:sp>
+      <p:sp>
+        <p:nvSpPr>
+          <p:cNvPr id="47" name="Rectangle 46">
+            <a:extLst>
+              <a:ext uri="{FF2B5EF4-FFF2-40B4-BE49-F238E27FC236}">
+                <a16:creationId xmlns:a16="http://schemas.microsoft.com/office/drawing/2014/main" id="{B091B163-7D61-4891-ABCF-5C13D9C418D0}"/>
+              </a:ext>
+              <a:ext uri="{C183D7F6-B498-43B3-948B-1728B52AA6E4}">
+                <adec:decorative xmlns:adec="http://schemas.microsoft.com/office/drawing/2017/decorative" val="1"/>
+              </a:ext>
+            </a:extLst>
+          </p:cNvPr>
+          <p:cNvSpPr>
+            <a:spLocks noGrp="1" noRot="1" noChangeAspect="1" noMove="1" noResize="1" noEditPoints="1" noAdjustHandles="1" noChangeArrowheads="1" noChangeShapeType="1" noTextEdit="1"/>
+          </p:cNvSpPr>
+          <p:nvPr>
+            <p:extLst>
+              <p:ext uri="{386F3935-93C4-4BCD-93E2-E3B085C9AB24}">
+                <p16:designElem xmlns:p16="http://schemas.microsoft.com/office/powerpoint/2015/main" val="1"/>
+              </p:ext>
+            </p:extLst>
+          </p:nvPr>
+        </p:nvSpPr>
+        <p:spPr>
+          <a:xfrm>
+            <a:off x="0" y="0"/>
+            <a:ext cx="5779911" cy="6858000"/>
+          </a:xfrm>
+          <a:prstGeom prst="rect">
+            <a:avLst/>
+          </a:prstGeom>
+          <a:gradFill flip="none" rotWithShape="1">
+            <a:gsLst>
+              <a:gs pos="0">
+                <a:schemeClr val="accent1"/>
+              </a:gs>
+              <a:gs pos="100000">
+                <a:schemeClr val="accent2"/>
+              </a:gs>
+            </a:gsLst>
+            <a:lin ang="2700000" scaled="1"/>
+            <a:tileRect/>
+          </a:gradFill>
+          <a:ln>
+            <a:noFill/>
+          </a:ln>
+        </p:spPr>
+        <p:style>
+          <a:lnRef idx="2">
+            <a:schemeClr val="accent1">
+              <a:shade val="50000"/>
+            </a:schemeClr>
+          </a:lnRef>
+          <a:fillRef idx="1">
+            <a:schemeClr val="accent1"/>
+          </a:fillRef>
+          <a:effectRef idx="0">
+            <a:schemeClr val="accent1"/>
+          </a:effectRef>
+          <a:fontRef idx="minor">
+            <a:schemeClr val="lt1"/>
+          </a:fontRef>
+        </p:style>
+        <p:txBody>
+          <a:bodyPr rtlCol="0" anchor="ctr"/>
+          <a:lstStyle/>
+          <a:p>
+            <a:pPr algn="ctr"/>
+            <a:endParaRPr lang="en-US"/>
+          </a:p>
+        </p:txBody>
+      </p:sp>
+      <p:sp>
+        <p:nvSpPr>
+          <p:cNvPr id="3" name="Content Placeholder 2">
+            <a:extLst>
+              <a:ext uri="{FF2B5EF4-FFF2-40B4-BE49-F238E27FC236}">
+                <a16:creationId xmlns:a16="http://schemas.microsoft.com/office/drawing/2014/main" id="{A0F9E74B-25AF-341B-56CF-DD1503AA3633}"/>
+              </a:ext>
+            </a:extLst>
+          </p:cNvPr>
+          <p:cNvSpPr>
+            <a:spLocks noGrp="1"/>
+          </p:cNvSpPr>
+          <p:nvPr>
+            <p:ph idx="1"/>
+          </p:nvPr>
+        </p:nvSpPr>
+        <p:spPr>
+          <a:xfrm>
+            <a:off x="6392583" y="2645922"/>
+            <a:ext cx="4434721" cy="3710427"/>
+          </a:xfrm>
+        </p:spPr>
+        <p:txBody>
+          <a:bodyPr anchor="t">
+            <a:normAutofit/>
+          </a:bodyPr>
+          <a:lstStyle/>
+          <a:p>
+            <a:r>
+              <a:rPr lang="en-US" sz="2000" dirty="0">
+                <a:solidFill>
+                  <a:schemeClr val="tx1">
+                    <a:alpha val="80000"/>
+                  </a:schemeClr>
+                </a:solidFill>
+              </a:rPr>
+              <a:t>different tables for each project</a:t>
+            </a:r>
+          </a:p>
+          <a:p>
+            <a:r>
+              <a:rPr lang="en-US" sz="2000" dirty="0" err="1">
+                <a:solidFill>
+                  <a:schemeClr val="tx1">
+                    <a:alpha val="80000"/>
+                  </a:schemeClr>
+                </a:solidFill>
+              </a:rPr>
+              <a:t>summarised</a:t>
+            </a:r>
+            <a:r>
+              <a:rPr lang="en-US" sz="2000" dirty="0">
+                <a:solidFill>
+                  <a:schemeClr val="tx1">
+                    <a:alpha val="80000"/>
+                  </a:schemeClr>
+                </a:solidFill>
+              </a:rPr>
+              <a:t> in an overview table</a:t>
+            </a:r>
+          </a:p>
+          <a:p>
+            <a:r>
+              <a:rPr lang="de-DE" sz="2000" dirty="0" err="1">
+                <a:solidFill>
+                  <a:schemeClr val="tx1">
+                    <a:alpha val="80000"/>
+                  </a:schemeClr>
+                </a:solidFill>
+              </a:rPr>
+              <a:t>create</a:t>
+            </a:r>
+            <a:r>
+              <a:rPr lang="de-DE" sz="2000" dirty="0">
+                <a:solidFill>
+                  <a:schemeClr val="tx1">
+                    <a:alpha val="80000"/>
+                  </a:schemeClr>
+                </a:solidFill>
+              </a:rPr>
+              <a:t> </a:t>
+            </a:r>
+            <a:r>
+              <a:rPr lang="de-DE" sz="2000" dirty="0" err="1">
+                <a:solidFill>
+                  <a:schemeClr val="tx1">
+                    <a:alpha val="80000"/>
+                  </a:schemeClr>
+                </a:solidFill>
+              </a:rPr>
+              <a:t>various</a:t>
+            </a:r>
+            <a:r>
+              <a:rPr lang="de-DE" sz="2000" dirty="0">
+                <a:solidFill>
+                  <a:schemeClr val="tx1">
+                    <a:alpha val="80000"/>
+                  </a:schemeClr>
+                </a:solidFill>
+              </a:rPr>
+              <a:t> informative </a:t>
+            </a:r>
+            <a:r>
+              <a:rPr lang="de-DE" sz="2000" dirty="0" err="1">
+                <a:solidFill>
+                  <a:schemeClr val="tx1">
+                    <a:alpha val="80000"/>
+                  </a:schemeClr>
+                </a:solidFill>
+              </a:rPr>
+              <a:t>graphs</a:t>
+            </a:r>
+            <a:endParaRPr lang="de-DE" sz="2000" dirty="0">
+              <a:solidFill>
+                <a:schemeClr val="tx1">
+                  <a:alpha val="80000"/>
+                </a:schemeClr>
+              </a:solidFill>
+            </a:endParaRPr>
+          </a:p>
+        </p:txBody>
+      </p:sp>
+      <p:cxnSp>
+        <p:nvCxnSpPr>
+          <p:cNvPr id="49" name="Straight Connector 48">
+            <a:extLst>
+              <a:ext uri="{FF2B5EF4-FFF2-40B4-BE49-F238E27FC236}">
+                <a16:creationId xmlns:a16="http://schemas.microsoft.com/office/drawing/2014/main" id="{C49DA8F6-BCC1-4447-B54C-57856834B94B}"/>
+              </a:ext>
+              <a:ext uri="{C183D7F6-B498-43B3-948B-1728B52AA6E4}">
+                <adec:decorative xmlns:adec="http://schemas.microsoft.com/office/drawing/2017/decorative" val="1"/>
+              </a:ext>
+            </a:extLst>
+          </p:cNvPr>
+          <p:cNvCxnSpPr>
+            <a:cxnSpLocks noGrp="1" noRot="1" noChangeAspect="1" noMove="1" noResize="1" noEditPoints="1" noAdjustHandles="1" noChangeArrowheads="1" noChangeShapeType="1"/>
+          </p:cNvCxnSpPr>
+          <p:nvPr>
+            <p:extLst>
+              <p:ext uri="{386F3935-93C4-4BCD-93E2-E3B085C9AB24}">
+                <p16:designElem xmlns:p16="http://schemas.microsoft.com/office/powerpoint/2015/main" val="1"/>
+              </p:ext>
+            </p:extLst>
+          </p:nvPr>
+        </p:nvCxnSpPr>
+        <p:spPr>
+          <a:xfrm>
+            <a:off x="11586162" y="3610394"/>
+            <a:ext cx="0" cy="3238728"/>
+          </a:xfrm>
+          <a:prstGeom prst="line">
+            <a:avLst/>
+          </a:prstGeom>
+          <a:ln w="25400" cap="sq">
+            <a:gradFill flip="none" rotWithShape="1">
+              <a:gsLst>
+                <a:gs pos="0">
+                  <a:schemeClr val="accent1"/>
+                </a:gs>
+                <a:gs pos="100000">
+                  <a:schemeClr val="accent2"/>
+                </a:gs>
+              </a:gsLst>
+              <a:lin ang="16200000" scaled="1"/>
+              <a:tileRect/>
+            </a:gradFill>
+            <a:bevel/>
+          </a:ln>
+        </p:spPr>
+        <p:style>
+          <a:lnRef idx="1">
+            <a:schemeClr val="accent1"/>
+          </a:lnRef>
+          <a:fillRef idx="0">
+            <a:schemeClr val="accent1"/>
+          </a:fillRef>
+          <a:effectRef idx="0">
+            <a:schemeClr val="accent1"/>
+          </a:effectRef>
+          <a:fontRef idx="minor">
+            <a:schemeClr val="tx1"/>
+          </a:fontRef>
+        </p:style>
+      </p:cxnSp>
+      <p:sp>
+        <p:nvSpPr>
+          <p:cNvPr id="41" name="Rectangle 40">
+            <a:extLst>
+              <a:ext uri="{FF2B5EF4-FFF2-40B4-BE49-F238E27FC236}">
+                <a16:creationId xmlns:a16="http://schemas.microsoft.com/office/drawing/2014/main" id="{3E0A75DE-99A2-E131-119C-C410DB628DB4}"/>
+              </a:ext>
+            </a:extLst>
+          </p:cNvPr>
+          <p:cNvSpPr/>
+          <p:nvPr/>
+        </p:nvSpPr>
+        <p:spPr>
+          <a:xfrm>
+            <a:off x="201168" y="2468643"/>
+            <a:ext cx="5432557" cy="1920714"/>
+          </a:xfrm>
+          <a:prstGeom prst="rect">
+            <a:avLst/>
+          </a:prstGeom>
+          <a:gradFill flip="none" rotWithShape="1">
+            <a:gsLst>
+              <a:gs pos="0">
+                <a:schemeClr val="accent1">
+                  <a:lumMod val="5000"/>
+                  <a:lumOff val="95000"/>
+                </a:schemeClr>
+              </a:gs>
+              <a:gs pos="100000">
+                <a:schemeClr val="bg1">
+                  <a:alpha val="25000"/>
+                </a:schemeClr>
+              </a:gs>
+            </a:gsLst>
+            <a:lin ang="18900000" scaled="1"/>
+            <a:tileRect/>
+          </a:gradFill>
+          <a:ln>
+            <a:noFill/>
+          </a:ln>
+        </p:spPr>
+        <p:style>
+          <a:lnRef idx="2">
+            <a:schemeClr val="accent1">
+              <a:shade val="15000"/>
+            </a:schemeClr>
+          </a:lnRef>
+          <a:fillRef idx="1">
+            <a:schemeClr val="accent1"/>
+          </a:fillRef>
+          <a:effectRef idx="0">
+            <a:schemeClr val="accent1"/>
+          </a:effectRef>
+          <a:fontRef idx="minor">
+            <a:schemeClr val="lt1"/>
+          </a:fontRef>
+        </p:style>
+        <p:txBody>
+          <a:bodyPr rtlCol="0" anchor="ctr"/>
+          <a:lstStyle/>
+          <a:p>
+            <a:pPr algn="ctr"/>
+            <a:endParaRPr lang="de-DE" dirty="0"/>
+          </a:p>
+        </p:txBody>
+      </p:sp>
+      <p:grpSp>
+        <p:nvGrpSpPr>
+          <p:cNvPr id="40" name="Group 39">
+            <a:extLst>
+              <a:ext uri="{FF2B5EF4-FFF2-40B4-BE49-F238E27FC236}">
+                <a16:creationId xmlns:a16="http://schemas.microsoft.com/office/drawing/2014/main" id="{2154A548-D551-BF25-2078-903DD0CDB1F0}"/>
+              </a:ext>
+            </a:extLst>
+          </p:cNvPr>
+          <p:cNvGrpSpPr/>
+          <p:nvPr/>
+        </p:nvGrpSpPr>
+        <p:grpSpPr>
+          <a:xfrm>
+            <a:off x="279143" y="2468643"/>
+            <a:ext cx="5221624" cy="1920714"/>
+            <a:chOff x="829888" y="3511296"/>
+            <a:chExt cx="7457624" cy="2743200"/>
+          </a:xfrm>
+        </p:grpSpPr>
+        <p:pic>
+          <p:nvPicPr>
+            <p:cNvPr id="8" name="Graphic 7" descr="Table with solid fill">
+              <a:extLst>
+                <a:ext uri="{FF2B5EF4-FFF2-40B4-BE49-F238E27FC236}">
+                  <a16:creationId xmlns:a16="http://schemas.microsoft.com/office/drawing/2014/main" id="{B2869F96-B484-6F72-5BA9-6A3C12C0C24A}"/>
+                </a:ext>
+              </a:extLst>
+            </p:cNvPr>
+            <p:cNvPicPr>
+              <a:picLocks noChangeAspect="1"/>
+            </p:cNvPicPr>
+            <p:nvPr/>
+          </p:nvPicPr>
+          <p:blipFill>
+            <a:blip r:embed="rId2">
+              <a:extLst>
+                <a:ext uri="{28A0092B-C50C-407E-A947-70E740481C1C}">
+                  <a14:useLocalDpi xmlns:a14="http://schemas.microsoft.com/office/drawing/2010/main" val="0"/>
+                </a:ext>
+                <a:ext uri="{96DAC541-7B7A-43D3-8B79-37D633B846F1}">
+                  <asvg:svgBlip xmlns:asvg="http://schemas.microsoft.com/office/drawing/2016/SVG/main" r:embed="rId3"/>
+                </a:ext>
+              </a:extLst>
+            </a:blip>
+            <a:stretch>
+              <a:fillRect/>
+            </a:stretch>
+          </p:blipFill>
+          <p:spPr>
+            <a:xfrm>
+              <a:off x="4602432" y="4022574"/>
+              <a:ext cx="1720643" cy="1720643"/>
+            </a:xfrm>
+            <a:prstGeom prst="rect">
+              <a:avLst/>
+            </a:prstGeom>
+          </p:spPr>
+        </p:pic>
+        <p:cxnSp>
+          <p:nvCxnSpPr>
+            <p:cNvPr id="12" name="Straight Arrow Connector 11">
+              <a:extLst>
+                <a:ext uri="{FF2B5EF4-FFF2-40B4-BE49-F238E27FC236}">
+                  <a16:creationId xmlns:a16="http://schemas.microsoft.com/office/drawing/2014/main" id="{9F4098FB-254A-C15C-3BB0-C1404B4944D2}"/>
+                </a:ext>
+              </a:extLst>
+            </p:cNvPr>
+            <p:cNvCxnSpPr>
+              <a:cxnSpLocks/>
+              <a:stCxn id="5" idx="3"/>
+            </p:cNvCxnSpPr>
+            <p:nvPr/>
+          </p:nvCxnSpPr>
+          <p:spPr>
+            <a:xfrm>
+              <a:off x="3012994" y="3968496"/>
+              <a:ext cx="1589438" cy="603504"/>
+            </a:xfrm>
+            <a:prstGeom prst="straightConnector1">
+              <a:avLst/>
+            </a:prstGeom>
+            <a:ln>
+              <a:tailEnd type="triangle"/>
+            </a:ln>
+          </p:spPr>
+          <p:style>
+            <a:lnRef idx="2">
+              <a:schemeClr val="accent1"/>
+            </a:lnRef>
+            <a:fillRef idx="0">
+              <a:schemeClr val="accent1"/>
+            </a:fillRef>
+            <a:effectRef idx="1">
+              <a:schemeClr val="accent1"/>
+            </a:effectRef>
+            <a:fontRef idx="minor">
+              <a:schemeClr val="tx1"/>
+            </a:fontRef>
+          </p:style>
+        </p:cxnSp>
+        <p:cxnSp>
+          <p:nvCxnSpPr>
+            <p:cNvPr id="17" name="Straight Arrow Connector 16">
+              <a:extLst>
+                <a:ext uri="{FF2B5EF4-FFF2-40B4-BE49-F238E27FC236}">
+                  <a16:creationId xmlns:a16="http://schemas.microsoft.com/office/drawing/2014/main" id="{0E26F883-1291-199F-5C11-0C7EF7D0F784}"/>
+                </a:ext>
+              </a:extLst>
+            </p:cNvPr>
+            <p:cNvCxnSpPr>
+              <a:cxnSpLocks/>
+              <a:stCxn id="6" idx="3"/>
+            </p:cNvCxnSpPr>
+            <p:nvPr/>
+          </p:nvCxnSpPr>
+          <p:spPr>
+            <a:xfrm flipV="1">
+              <a:off x="3012994" y="4867388"/>
+              <a:ext cx="1589438" cy="15508"/>
+            </a:xfrm>
+            <a:prstGeom prst="straightConnector1">
+              <a:avLst/>
+            </a:prstGeom>
+            <a:ln>
+              <a:tailEnd type="triangle"/>
+            </a:ln>
+          </p:spPr>
+          <p:style>
+            <a:lnRef idx="2">
+              <a:schemeClr val="accent1"/>
+            </a:lnRef>
+            <a:fillRef idx="0">
+              <a:schemeClr val="accent1"/>
+            </a:fillRef>
+            <a:effectRef idx="1">
+              <a:schemeClr val="accent1"/>
+            </a:effectRef>
+            <a:fontRef idx="minor">
+              <a:schemeClr val="tx1"/>
+            </a:fontRef>
+          </p:style>
+        </p:cxnSp>
+        <p:cxnSp>
+          <p:nvCxnSpPr>
+            <p:cNvPr id="19" name="Straight Arrow Connector 18">
+              <a:extLst>
+                <a:ext uri="{FF2B5EF4-FFF2-40B4-BE49-F238E27FC236}">
+                  <a16:creationId xmlns:a16="http://schemas.microsoft.com/office/drawing/2014/main" id="{810D6C8B-3FFD-3AAC-3D1E-DE8FCD1EFDA8}"/>
+                </a:ext>
+              </a:extLst>
+            </p:cNvPr>
+            <p:cNvCxnSpPr>
+              <a:cxnSpLocks/>
+            </p:cNvCxnSpPr>
+            <p:nvPr/>
+          </p:nvCxnSpPr>
+          <p:spPr>
+            <a:xfrm flipV="1">
+              <a:off x="3021306" y="5178284"/>
+              <a:ext cx="1581126" cy="619012"/>
+            </a:xfrm>
+            <a:prstGeom prst="straightConnector1">
+              <a:avLst/>
+            </a:prstGeom>
+            <a:ln>
+              <a:tailEnd type="triangle"/>
+            </a:ln>
+          </p:spPr>
+          <p:style>
+            <a:lnRef idx="2">
+              <a:schemeClr val="accent1"/>
+            </a:lnRef>
+            <a:fillRef idx="0">
+              <a:schemeClr val="accent1"/>
+            </a:fillRef>
+            <a:effectRef idx="1">
+              <a:schemeClr val="accent1"/>
+            </a:effectRef>
+            <a:fontRef idx="minor">
+              <a:schemeClr val="tx1"/>
+            </a:fontRef>
+          </p:style>
+        </p:cxnSp>
+        <p:grpSp>
+          <p:nvGrpSpPr>
+            <p:cNvPr id="23" name="Group 22">
+              <a:extLst>
+                <a:ext uri="{FF2B5EF4-FFF2-40B4-BE49-F238E27FC236}">
+                  <a16:creationId xmlns:a16="http://schemas.microsoft.com/office/drawing/2014/main" id="{49DF75FD-98F2-2BE2-1D2A-B0F2BC13BE10}"/>
+                </a:ext>
+              </a:extLst>
+            </p:cNvPr>
+            <p:cNvGrpSpPr/>
+            <p:nvPr/>
+          </p:nvGrpSpPr>
+          <p:grpSpPr>
+            <a:xfrm>
+              <a:off x="838200" y="3511296"/>
+              <a:ext cx="2174794" cy="914400"/>
+              <a:chOff x="838200" y="3511296"/>
+              <a:chExt cx="2174794" cy="914400"/>
+            </a:xfrm>
+          </p:grpSpPr>
+          <p:pic>
+            <p:nvPicPr>
+              <p:cNvPr id="5" name="Graphic 4" descr="Table with solid fill">
+                <a:extLst>
+                  <a:ext uri="{FF2B5EF4-FFF2-40B4-BE49-F238E27FC236}">
+                    <a16:creationId xmlns:a16="http://schemas.microsoft.com/office/drawing/2014/main" id="{380C7925-B294-4106-44DF-EE1ED6AD4E8F}"/>
+                  </a:ext>
+                </a:extLst>
+              </p:cNvPr>
+              <p:cNvPicPr>
+                <a:picLocks noChangeAspect="1"/>
+              </p:cNvPicPr>
+              <p:nvPr/>
+            </p:nvPicPr>
+            <p:blipFill>
+              <a:blip r:embed="rId2">
+                <a:extLst>
+                  <a:ext uri="{28A0092B-C50C-407E-A947-70E740481C1C}">
+                    <a14:useLocalDpi xmlns:a14="http://schemas.microsoft.com/office/drawing/2010/main" val="0"/>
+                  </a:ext>
+                  <a:ext uri="{96DAC541-7B7A-43D3-8B79-37D633B846F1}">
+                    <asvg:svgBlip xmlns:asvg="http://schemas.microsoft.com/office/drawing/2016/SVG/main" r:embed="rId3"/>
+                  </a:ext>
+                </a:extLst>
+              </a:blip>
+              <a:stretch>
+                <a:fillRect/>
+              </a:stretch>
+            </p:blipFill>
+            <p:spPr>
+              <a:xfrm>
+                <a:off x="2098594" y="3511296"/>
+                <a:ext cx="914400" cy="914400"/>
+              </a:xfrm>
+              <a:prstGeom prst="rect">
+                <a:avLst/>
+              </a:prstGeom>
+            </p:spPr>
+          </p:pic>
+          <p:sp>
+            <p:nvSpPr>
+              <p:cNvPr id="20" name="TextBox 19">
+                <a:extLst>
+                  <a:ext uri="{FF2B5EF4-FFF2-40B4-BE49-F238E27FC236}">
+                    <a16:creationId xmlns:a16="http://schemas.microsoft.com/office/drawing/2014/main" id="{6CB1A80F-3633-D883-61E0-1A0D03AC206F}"/>
+                  </a:ext>
+                </a:extLst>
+              </p:cNvPr>
+              <p:cNvSpPr txBox="1"/>
+              <p:nvPr/>
+            </p:nvSpPr>
+            <p:spPr>
+              <a:xfrm>
+                <a:off x="838200" y="3783830"/>
+                <a:ext cx="1260394" cy="369332"/>
+              </a:xfrm>
+              <a:prstGeom prst="rect">
+                <a:avLst/>
+              </a:prstGeom>
+              <a:noFill/>
+            </p:spPr>
+            <p:txBody>
+              <a:bodyPr wrap="square" rtlCol="0">
+                <a:spAutoFit/>
+              </a:bodyPr>
+              <a:lstStyle/>
+              <a:p>
+                <a:pPr defTabSz="640080">
+                  <a:spcAft>
+                    <a:spcPts val="600"/>
+                  </a:spcAft>
+                </a:pPr>
+                <a:r>
+                  <a:rPr lang="de-DE" sz="1260" kern="1200">
+                    <a:solidFill>
+                      <a:schemeClr val="tx1"/>
+                    </a:solidFill>
+                    <a:latin typeface="+mn-lt"/>
+                    <a:ea typeface="+mn-ea"/>
+                    <a:cs typeface="+mn-cs"/>
+                  </a:rPr>
+                  <a:t>Project 1</a:t>
+                </a:r>
+                <a:endParaRPr lang="de-DE"/>
+              </a:p>
+            </p:txBody>
+          </p:sp>
+        </p:grpSp>
+        <p:grpSp>
+          <p:nvGrpSpPr>
+            <p:cNvPr id="24" name="Group 23">
+              <a:extLst>
+                <a:ext uri="{FF2B5EF4-FFF2-40B4-BE49-F238E27FC236}">
+                  <a16:creationId xmlns:a16="http://schemas.microsoft.com/office/drawing/2014/main" id="{5ACEC62D-7EFB-6F1C-289C-08E9DEB7144F}"/>
+                </a:ext>
+              </a:extLst>
+            </p:cNvPr>
+            <p:cNvGrpSpPr/>
+            <p:nvPr/>
+          </p:nvGrpSpPr>
+          <p:grpSpPr>
+            <a:xfrm>
+              <a:off x="838200" y="4425696"/>
+              <a:ext cx="2174794" cy="914400"/>
+              <a:chOff x="838200" y="4425696"/>
+              <a:chExt cx="2174794" cy="914400"/>
+            </a:xfrm>
+          </p:grpSpPr>
+          <p:pic>
+            <p:nvPicPr>
+              <p:cNvPr id="6" name="Graphic 5" descr="Table with solid fill">
+                <a:extLst>
+                  <a:ext uri="{FF2B5EF4-FFF2-40B4-BE49-F238E27FC236}">
+                    <a16:creationId xmlns:a16="http://schemas.microsoft.com/office/drawing/2014/main" id="{2C4FCA9A-6501-1539-FDF1-8BB6A90923D0}"/>
+                  </a:ext>
+                </a:extLst>
+              </p:cNvPr>
+              <p:cNvPicPr>
+                <a:picLocks noChangeAspect="1"/>
+              </p:cNvPicPr>
+              <p:nvPr/>
+            </p:nvPicPr>
+            <p:blipFill>
+              <a:blip r:embed="rId2">
+                <a:extLst>
+                  <a:ext uri="{28A0092B-C50C-407E-A947-70E740481C1C}">
+                    <a14:useLocalDpi xmlns:a14="http://schemas.microsoft.com/office/drawing/2010/main" val="0"/>
+                  </a:ext>
+                  <a:ext uri="{96DAC541-7B7A-43D3-8B79-37D633B846F1}">
+                    <asvg:svgBlip xmlns:asvg="http://schemas.microsoft.com/office/drawing/2016/SVG/main" r:embed="rId3"/>
+                  </a:ext>
+                </a:extLst>
+              </a:blip>
+              <a:stretch>
+                <a:fillRect/>
+              </a:stretch>
+            </p:blipFill>
+            <p:spPr>
+              <a:xfrm>
+                <a:off x="2098594" y="4425696"/>
+                <a:ext cx="914400" cy="914400"/>
+              </a:xfrm>
+              <a:prstGeom prst="rect">
+                <a:avLst/>
+              </a:prstGeom>
+            </p:spPr>
+          </p:pic>
+          <p:sp>
+            <p:nvSpPr>
+              <p:cNvPr id="21" name="TextBox 20">
+                <a:extLst>
+                  <a:ext uri="{FF2B5EF4-FFF2-40B4-BE49-F238E27FC236}">
+                    <a16:creationId xmlns:a16="http://schemas.microsoft.com/office/drawing/2014/main" id="{D9E9FBF9-E038-27B1-4562-FB41108B3B0B}"/>
+                  </a:ext>
+                </a:extLst>
+              </p:cNvPr>
+              <p:cNvSpPr txBox="1"/>
+              <p:nvPr/>
+            </p:nvSpPr>
+            <p:spPr>
+              <a:xfrm>
+                <a:off x="838200" y="4698230"/>
+                <a:ext cx="1260394" cy="369332"/>
+              </a:xfrm>
+              <a:prstGeom prst="rect">
+                <a:avLst/>
+              </a:prstGeom>
+              <a:noFill/>
+            </p:spPr>
+            <p:txBody>
+              <a:bodyPr wrap="square" rtlCol="0">
+                <a:spAutoFit/>
+              </a:bodyPr>
+              <a:lstStyle/>
+              <a:p>
+                <a:pPr defTabSz="640080">
+                  <a:spcAft>
+                    <a:spcPts val="600"/>
+                  </a:spcAft>
+                </a:pPr>
+                <a:r>
+                  <a:rPr lang="de-DE" sz="1260" kern="1200">
+                    <a:solidFill>
+                      <a:schemeClr val="tx1"/>
+                    </a:solidFill>
+                    <a:latin typeface="+mn-lt"/>
+                    <a:ea typeface="+mn-ea"/>
+                    <a:cs typeface="+mn-cs"/>
+                  </a:rPr>
+                  <a:t>Project 2</a:t>
+                </a:r>
+                <a:endParaRPr lang="de-DE"/>
+              </a:p>
+            </p:txBody>
+          </p:sp>
+        </p:grpSp>
+        <p:grpSp>
+          <p:nvGrpSpPr>
+            <p:cNvPr id="25" name="Group 24">
+              <a:extLst>
+                <a:ext uri="{FF2B5EF4-FFF2-40B4-BE49-F238E27FC236}">
+                  <a16:creationId xmlns:a16="http://schemas.microsoft.com/office/drawing/2014/main" id="{0BB5B8D0-E827-0DAF-1E50-DFEBC622830A}"/>
+                </a:ext>
+              </a:extLst>
+            </p:cNvPr>
+            <p:cNvGrpSpPr/>
+            <p:nvPr/>
+          </p:nvGrpSpPr>
+          <p:grpSpPr>
+            <a:xfrm>
+              <a:off x="829888" y="5340096"/>
+              <a:ext cx="2183106" cy="914400"/>
+              <a:chOff x="829888" y="5340096"/>
+              <a:chExt cx="2183106" cy="914400"/>
+            </a:xfrm>
+          </p:grpSpPr>
+          <p:pic>
+            <p:nvPicPr>
+              <p:cNvPr id="7" name="Graphic 6" descr="Table with solid fill">
+                <a:extLst>
+                  <a:ext uri="{FF2B5EF4-FFF2-40B4-BE49-F238E27FC236}">
+                    <a16:creationId xmlns:a16="http://schemas.microsoft.com/office/drawing/2014/main" id="{D6860E38-5141-8D13-E649-8D13AFE620F8}"/>
+                  </a:ext>
+                </a:extLst>
+              </p:cNvPr>
+              <p:cNvPicPr>
+                <a:picLocks noChangeAspect="1"/>
+              </p:cNvPicPr>
+              <p:nvPr/>
+            </p:nvPicPr>
+            <p:blipFill>
+              <a:blip r:embed="rId2">
+                <a:extLst>
+                  <a:ext uri="{28A0092B-C50C-407E-A947-70E740481C1C}">
+                    <a14:useLocalDpi xmlns:a14="http://schemas.microsoft.com/office/drawing/2010/main" val="0"/>
+                  </a:ext>
+                  <a:ext uri="{96DAC541-7B7A-43D3-8B79-37D633B846F1}">
+                    <asvg:svgBlip xmlns:asvg="http://schemas.microsoft.com/office/drawing/2016/SVG/main" r:embed="rId3"/>
+                  </a:ext>
+                </a:extLst>
+              </a:blip>
+              <a:stretch>
+                <a:fillRect/>
+              </a:stretch>
+            </p:blipFill>
+            <p:spPr>
+              <a:xfrm>
+                <a:off x="2098594" y="5340096"/>
+                <a:ext cx="914400" cy="914400"/>
+              </a:xfrm>
+              <a:prstGeom prst="rect">
+                <a:avLst/>
+              </a:prstGeom>
+            </p:spPr>
+          </p:pic>
+          <p:sp>
+            <p:nvSpPr>
+              <p:cNvPr id="22" name="TextBox 21">
+                <a:extLst>
+                  <a:ext uri="{FF2B5EF4-FFF2-40B4-BE49-F238E27FC236}">
+                    <a16:creationId xmlns:a16="http://schemas.microsoft.com/office/drawing/2014/main" id="{090C00D9-FF1F-8DC5-BA40-C3E69848F819}"/>
+                  </a:ext>
+                </a:extLst>
+              </p:cNvPr>
+              <p:cNvSpPr txBox="1"/>
+              <p:nvPr/>
+            </p:nvSpPr>
+            <p:spPr>
+              <a:xfrm>
+                <a:off x="829888" y="5612630"/>
+                <a:ext cx="1260394" cy="369332"/>
+              </a:xfrm>
+              <a:prstGeom prst="rect">
+                <a:avLst/>
+              </a:prstGeom>
+              <a:noFill/>
+            </p:spPr>
+            <p:txBody>
+              <a:bodyPr wrap="square" rtlCol="0">
+                <a:spAutoFit/>
+              </a:bodyPr>
+              <a:lstStyle/>
+              <a:p>
+                <a:pPr defTabSz="640080">
+                  <a:spcAft>
+                    <a:spcPts val="600"/>
+                  </a:spcAft>
+                </a:pPr>
+                <a:r>
+                  <a:rPr lang="de-DE" sz="1260" kern="1200">
+                    <a:solidFill>
+                      <a:schemeClr val="tx1"/>
+                    </a:solidFill>
+                    <a:latin typeface="+mn-lt"/>
+                    <a:ea typeface="+mn-ea"/>
+                    <a:cs typeface="+mn-cs"/>
+                  </a:rPr>
+                  <a:t>Project 3</a:t>
+                </a:r>
+                <a:endParaRPr lang="de-DE"/>
+              </a:p>
+            </p:txBody>
+          </p:sp>
+        </p:grpSp>
+        <p:sp>
+          <p:nvSpPr>
+            <p:cNvPr id="31" name="TextBox 30">
+              <a:extLst>
+                <a:ext uri="{FF2B5EF4-FFF2-40B4-BE49-F238E27FC236}">
+                  <a16:creationId xmlns:a16="http://schemas.microsoft.com/office/drawing/2014/main" id="{F8D95751-F347-2F4A-343C-428103FD21DD}"/>
+                </a:ext>
+              </a:extLst>
+            </p:cNvPr>
+            <p:cNvSpPr txBox="1"/>
+            <p:nvPr/>
+          </p:nvSpPr>
+          <p:spPr>
+            <a:xfrm>
+              <a:off x="4420338" y="3900916"/>
+              <a:ext cx="2084832" cy="369332"/>
+            </a:xfrm>
+            <a:prstGeom prst="rect">
+              <a:avLst/>
+            </a:prstGeom>
+            <a:noFill/>
+          </p:spPr>
+          <p:txBody>
+            <a:bodyPr wrap="square" rtlCol="0">
+              <a:spAutoFit/>
+            </a:bodyPr>
+            <a:lstStyle/>
+            <a:p>
+              <a:pPr algn="ctr" defTabSz="640080">
+                <a:spcAft>
+                  <a:spcPts val="600"/>
+                </a:spcAft>
+              </a:pPr>
+              <a:r>
+                <a:rPr lang="de-DE" sz="1260" kern="1200" dirty="0" err="1">
+                  <a:solidFill>
+                    <a:schemeClr val="tx1"/>
+                  </a:solidFill>
+                  <a:latin typeface="+mn-lt"/>
+                  <a:ea typeface="+mn-ea"/>
+                  <a:cs typeface="+mn-cs"/>
+                </a:rPr>
+                <a:t>Overview</a:t>
+              </a:r>
+              <a:r>
+                <a:rPr lang="de-DE" sz="1260" kern="1200" dirty="0">
+                  <a:solidFill>
+                    <a:schemeClr val="tx1"/>
+                  </a:solidFill>
+                  <a:latin typeface="+mn-lt"/>
+                  <a:ea typeface="+mn-ea"/>
+                  <a:cs typeface="+mn-cs"/>
+                </a:rPr>
+                <a:t> </a:t>
+              </a:r>
+              <a:r>
+                <a:rPr lang="de-DE" sz="1260" kern="1200" dirty="0" err="1">
+                  <a:solidFill>
+                    <a:schemeClr val="tx1"/>
+                  </a:solidFill>
+                  <a:latin typeface="+mn-lt"/>
+                  <a:ea typeface="+mn-ea"/>
+                  <a:cs typeface="+mn-cs"/>
+                </a:rPr>
+                <a:t>table</a:t>
+              </a:r>
+              <a:endParaRPr lang="de-DE" dirty="0"/>
+            </a:p>
+          </p:txBody>
+        </p:sp>
+        <p:pic>
+          <p:nvPicPr>
+            <p:cNvPr id="33" name="Graphic 32" descr="Upward trend with solid fill">
+              <a:extLst>
+                <a:ext uri="{FF2B5EF4-FFF2-40B4-BE49-F238E27FC236}">
+                  <a16:creationId xmlns:a16="http://schemas.microsoft.com/office/drawing/2014/main" id="{C89B2F6D-C414-7BC5-B238-753CA3395268}"/>
+                </a:ext>
+              </a:extLst>
+            </p:cNvPr>
+            <p:cNvPicPr>
+              <a:picLocks noChangeAspect="1"/>
+            </p:cNvPicPr>
+            <p:nvPr/>
+          </p:nvPicPr>
+          <p:blipFill>
+            <a:blip r:embed="rId4">
+              <a:extLst>
+                <a:ext uri="{28A0092B-C50C-407E-A947-70E740481C1C}">
+                  <a14:useLocalDpi xmlns:a14="http://schemas.microsoft.com/office/drawing/2010/main" val="0"/>
+                </a:ext>
+                <a:ext uri="{96DAC541-7B7A-43D3-8B79-37D633B846F1}">
+                  <asvg:svgBlip xmlns:asvg="http://schemas.microsoft.com/office/drawing/2016/SVG/main" r:embed="rId5"/>
+                </a:ext>
+              </a:extLst>
+            </a:blip>
+            <a:stretch>
+              <a:fillRect/>
+            </a:stretch>
+          </p:blipFill>
+          <p:spPr>
+            <a:xfrm>
+              <a:off x="7373112" y="3968496"/>
+              <a:ext cx="914400" cy="914400"/>
+            </a:xfrm>
+            <a:prstGeom prst="rect">
+              <a:avLst/>
+            </a:prstGeom>
+          </p:spPr>
+        </p:pic>
+        <p:pic>
+          <p:nvPicPr>
+            <p:cNvPr id="35" name="Graphic 34" descr="Pie chart with solid fill">
+              <a:extLst>
+                <a:ext uri="{FF2B5EF4-FFF2-40B4-BE49-F238E27FC236}">
+                  <a16:creationId xmlns:a16="http://schemas.microsoft.com/office/drawing/2014/main" id="{4423B8A4-3C45-2ADB-86F5-94E88205F439}"/>
+                </a:ext>
+              </a:extLst>
+            </p:cNvPr>
+            <p:cNvPicPr>
+              <a:picLocks noChangeAspect="1"/>
+            </p:cNvPicPr>
+            <p:nvPr/>
+          </p:nvPicPr>
+          <p:blipFill>
+            <a:blip r:embed="rId6">
+              <a:extLst>
+                <a:ext uri="{28A0092B-C50C-407E-A947-70E740481C1C}">
+                  <a14:useLocalDpi xmlns:a14="http://schemas.microsoft.com/office/drawing/2010/main" val="0"/>
+                </a:ext>
+                <a:ext uri="{96DAC541-7B7A-43D3-8B79-37D633B846F1}">
+                  <asvg:svgBlip xmlns:asvg="http://schemas.microsoft.com/office/drawing/2016/SVG/main" r:embed="rId7"/>
+                </a:ext>
+              </a:extLst>
+            </a:blip>
+            <a:stretch>
+              <a:fillRect/>
+            </a:stretch>
+          </p:blipFill>
+          <p:spPr>
+            <a:xfrm>
+              <a:off x="7373112" y="4882896"/>
+              <a:ext cx="914400" cy="914400"/>
+            </a:xfrm>
+            <a:prstGeom prst="rect">
+              <a:avLst/>
+            </a:prstGeom>
+          </p:spPr>
+        </p:pic>
+        <p:cxnSp>
+          <p:nvCxnSpPr>
+            <p:cNvPr id="37" name="Straight Arrow Connector 36">
+              <a:extLst>
+                <a:ext uri="{FF2B5EF4-FFF2-40B4-BE49-F238E27FC236}">
+                  <a16:creationId xmlns:a16="http://schemas.microsoft.com/office/drawing/2014/main" id="{42B87C9D-31C0-0CFD-2805-E1580E35C600}"/>
+                </a:ext>
+              </a:extLst>
+            </p:cNvPr>
+            <p:cNvCxnSpPr>
+              <a:endCxn id="33" idx="1"/>
+            </p:cNvCxnSpPr>
+            <p:nvPr/>
+          </p:nvCxnSpPr>
+          <p:spPr>
+            <a:xfrm flipV="1">
+              <a:off x="6323075" y="4425696"/>
+              <a:ext cx="1050037" cy="449446"/>
+            </a:xfrm>
+            <a:prstGeom prst="straightConnector1">
+              <a:avLst/>
+            </a:prstGeom>
+            <a:ln>
+              <a:tailEnd type="triangle"/>
+            </a:ln>
+          </p:spPr>
+          <p:style>
+            <a:lnRef idx="2">
+              <a:schemeClr val="accent1"/>
+            </a:lnRef>
+            <a:fillRef idx="0">
+              <a:schemeClr val="accent1"/>
+            </a:fillRef>
+            <a:effectRef idx="1">
+              <a:schemeClr val="accent1"/>
+            </a:effectRef>
+            <a:fontRef idx="minor">
+              <a:schemeClr val="tx1"/>
+            </a:fontRef>
+          </p:style>
+        </p:cxnSp>
+        <p:cxnSp>
+          <p:nvCxnSpPr>
+            <p:cNvPr id="39" name="Straight Arrow Connector 38">
+              <a:extLst>
+                <a:ext uri="{FF2B5EF4-FFF2-40B4-BE49-F238E27FC236}">
+                  <a16:creationId xmlns:a16="http://schemas.microsoft.com/office/drawing/2014/main" id="{7316F6A2-F602-1AB4-5CD6-3489648E521A}"/>
+                </a:ext>
+              </a:extLst>
+            </p:cNvPr>
+            <p:cNvCxnSpPr>
+              <a:endCxn id="35" idx="1"/>
+            </p:cNvCxnSpPr>
+            <p:nvPr/>
+          </p:nvCxnSpPr>
+          <p:spPr>
+            <a:xfrm>
+              <a:off x="6323075" y="4867388"/>
+              <a:ext cx="1050037" cy="472708"/>
+            </a:xfrm>
+            <a:prstGeom prst="straightConnector1">
+              <a:avLst/>
+            </a:prstGeom>
+            <a:ln>
+              <a:tailEnd type="triangle"/>
+            </a:ln>
+          </p:spPr>
+          <p:style>
+            <a:lnRef idx="2">
+              <a:schemeClr val="accent1"/>
+            </a:lnRef>
+            <a:fillRef idx="0">
+              <a:schemeClr val="accent1"/>
+            </a:fillRef>
+            <a:effectRef idx="1">
+              <a:schemeClr val="accent1"/>
+            </a:effectRef>
+            <a:fontRef idx="minor">
+              <a:schemeClr val="tx1"/>
+            </a:fontRef>
+          </p:style>
+        </p:cxnSp>
+      </p:grpSp>
+    </p:spTree>
+    <p:extLst>
+      <p:ext uri="{BB962C8B-B14F-4D97-AF65-F5344CB8AC3E}">
+        <p14:creationId xmlns:p14="http://schemas.microsoft.com/office/powerpoint/2010/main" val="1918029659"/>
+      </p:ext>
+    </p:extLst>
+  </p:cSld>
+  <p:clrMapOvr>
+    <a:masterClrMapping/>
+  </p:clrMapOvr>
+</p:sld>
+</file>
+
 <file path=ppt/theme/theme1.xml><?xml version="1.0" encoding="utf-8"?>
 <a:theme xmlns:a="http://schemas.openxmlformats.org/drawingml/2006/main" name="Office Theme">
   <a:themeElements>

--- a/Time tracking.pptx
+++ b/Time tracking.pptx
@@ -10,6 +10,9 @@
     <p:sldId id="258" r:id="rId4"/>
     <p:sldId id="259" r:id="rId5"/>
     <p:sldId id="260" r:id="rId6"/>
+    <p:sldId id="261" r:id="rId7"/>
+    <p:sldId id="262" r:id="rId8"/>
+    <p:sldId id="263" r:id="rId9"/>
   </p:sldIdLst>
   <p:sldSz cx="12192000" cy="6858000"/>
   <p:notesSz cx="6858000" cy="9144000"/>
@@ -265,7 +268,7 @@
           <a:p>
             <a:fld id="{2EBAC6D9-C7A0-4642-A5CA-65FA4AF1E615}" type="datetimeFigureOut">
               <a:rPr lang="de-DE" smtClean="0"/>
-              <a:t>30.06.2024</a:t>
+              <a:t>03.08.2024</a:t>
             </a:fld>
             <a:endParaRPr lang="de-DE"/>
           </a:p>
@@ -465,7 +468,7 @@
           <a:p>
             <a:fld id="{2EBAC6D9-C7A0-4642-A5CA-65FA4AF1E615}" type="datetimeFigureOut">
               <a:rPr lang="de-DE" smtClean="0"/>
-              <a:t>30.06.2024</a:t>
+              <a:t>03.08.2024</a:t>
             </a:fld>
             <a:endParaRPr lang="de-DE"/>
           </a:p>
@@ -675,7 +678,7 @@
           <a:p>
             <a:fld id="{2EBAC6D9-C7A0-4642-A5CA-65FA4AF1E615}" type="datetimeFigureOut">
               <a:rPr lang="de-DE" smtClean="0"/>
-              <a:t>30.06.2024</a:t>
+              <a:t>03.08.2024</a:t>
             </a:fld>
             <a:endParaRPr lang="de-DE"/>
           </a:p>
@@ -875,7 +878,7 @@
           <a:p>
             <a:fld id="{2EBAC6D9-C7A0-4642-A5CA-65FA4AF1E615}" type="datetimeFigureOut">
               <a:rPr lang="de-DE" smtClean="0"/>
-              <a:t>30.06.2024</a:t>
+              <a:t>03.08.2024</a:t>
             </a:fld>
             <a:endParaRPr lang="de-DE"/>
           </a:p>
@@ -1151,7 +1154,7 @@
           <a:p>
             <a:fld id="{2EBAC6D9-C7A0-4642-A5CA-65FA4AF1E615}" type="datetimeFigureOut">
               <a:rPr lang="de-DE" smtClean="0"/>
-              <a:t>30.06.2024</a:t>
+              <a:t>03.08.2024</a:t>
             </a:fld>
             <a:endParaRPr lang="de-DE"/>
           </a:p>
@@ -1419,7 +1422,7 @@
           <a:p>
             <a:fld id="{2EBAC6D9-C7A0-4642-A5CA-65FA4AF1E615}" type="datetimeFigureOut">
               <a:rPr lang="de-DE" smtClean="0"/>
-              <a:t>30.06.2024</a:t>
+              <a:t>03.08.2024</a:t>
             </a:fld>
             <a:endParaRPr lang="de-DE"/>
           </a:p>
@@ -1834,7 +1837,7 @@
           <a:p>
             <a:fld id="{2EBAC6D9-C7A0-4642-A5CA-65FA4AF1E615}" type="datetimeFigureOut">
               <a:rPr lang="de-DE" smtClean="0"/>
-              <a:t>30.06.2024</a:t>
+              <a:t>03.08.2024</a:t>
             </a:fld>
             <a:endParaRPr lang="de-DE"/>
           </a:p>
@@ -1976,7 +1979,7 @@
           <a:p>
             <a:fld id="{2EBAC6D9-C7A0-4642-A5CA-65FA4AF1E615}" type="datetimeFigureOut">
               <a:rPr lang="de-DE" smtClean="0"/>
-              <a:t>30.06.2024</a:t>
+              <a:t>03.08.2024</a:t>
             </a:fld>
             <a:endParaRPr lang="de-DE"/>
           </a:p>
@@ -2089,7 +2092,7 @@
           <a:p>
             <a:fld id="{2EBAC6D9-C7A0-4642-A5CA-65FA4AF1E615}" type="datetimeFigureOut">
               <a:rPr lang="de-DE" smtClean="0"/>
-              <a:t>30.06.2024</a:t>
+              <a:t>03.08.2024</a:t>
             </a:fld>
             <a:endParaRPr lang="de-DE"/>
           </a:p>
@@ -2402,7 +2405,7 @@
           <a:p>
             <a:fld id="{2EBAC6D9-C7A0-4642-A5CA-65FA4AF1E615}" type="datetimeFigureOut">
               <a:rPr lang="de-DE" smtClean="0"/>
-              <a:t>30.06.2024</a:t>
+              <a:t>03.08.2024</a:t>
             </a:fld>
             <a:endParaRPr lang="de-DE"/>
           </a:p>
@@ -2691,7 +2694,7 @@
           <a:p>
             <a:fld id="{2EBAC6D9-C7A0-4642-A5CA-65FA4AF1E615}" type="datetimeFigureOut">
               <a:rPr lang="de-DE" smtClean="0"/>
-              <a:t>30.06.2024</a:t>
+              <a:t>03.08.2024</a:t>
             </a:fld>
             <a:endParaRPr lang="de-DE"/>
           </a:p>
@@ -2934,7 +2937,7 @@
           <a:p>
             <a:fld id="{2EBAC6D9-C7A0-4642-A5CA-65FA4AF1E615}" type="datetimeFigureOut">
               <a:rPr lang="de-DE" smtClean="0"/>
-              <a:t>30.06.2024</a:t>
+              <a:t>03.08.2024</a:t>
             </a:fld>
             <a:endParaRPr lang="de-DE"/>
           </a:p>
@@ -9059,6 +9062,3266 @@
 </p:sld>
 </file>
 
+<file path=ppt/slides/slide6.xml><?xml version="1.0" encoding="utf-8"?>
+<p:sld xmlns:a="http://schemas.openxmlformats.org/drawingml/2006/main" xmlns:r="http://schemas.openxmlformats.org/officeDocument/2006/relationships" xmlns:p="http://schemas.openxmlformats.org/presentationml/2006/main">
+  <p:cSld>
+    <p:bg>
+      <p:bgPr>
+        <a:solidFill>
+          <a:schemeClr val="bg1"/>
+        </a:solidFill>
+        <a:effectLst/>
+      </p:bgPr>
+    </p:bg>
+    <p:spTree>
+      <p:nvGrpSpPr>
+        <p:cNvPr id="1" name=""/>
+        <p:cNvGrpSpPr/>
+        <p:nvPr/>
+      </p:nvGrpSpPr>
+      <p:grpSpPr>
+        <a:xfrm>
+          <a:off x="0" y="0"/>
+          <a:ext cx="0" cy="0"/>
+          <a:chOff x="0" y="0"/>
+          <a:chExt cx="0" cy="0"/>
+        </a:xfrm>
+      </p:grpSpPr>
+      <p:sp useBgFill="1">
+        <p:nvSpPr>
+          <p:cNvPr id="14" name="Rectangle 13">
+            <a:extLst>
+              <a:ext uri="{FF2B5EF4-FFF2-40B4-BE49-F238E27FC236}">
+                <a16:creationId xmlns:a16="http://schemas.microsoft.com/office/drawing/2014/main" id="{EF8C1CD2-E59C-42CC-91D0-39F8E0CF1653}"/>
+              </a:ext>
+              <a:ext uri="{C183D7F6-B498-43B3-948B-1728B52AA6E4}">
+                <adec:decorative xmlns:adec="http://schemas.microsoft.com/office/drawing/2017/decorative" val="1"/>
+              </a:ext>
+            </a:extLst>
+          </p:cNvPr>
+          <p:cNvSpPr>
+            <a:spLocks noGrp="1" noRot="1" noChangeAspect="1" noMove="1" noResize="1" noEditPoints="1" noAdjustHandles="1" noChangeArrowheads="1" noChangeShapeType="1" noTextEdit="1"/>
+          </p:cNvSpPr>
+          <p:nvPr>
+            <p:extLst>
+              <p:ext uri="{386F3935-93C4-4BCD-93E2-E3B085C9AB24}">
+                <p16:designElem xmlns:p16="http://schemas.microsoft.com/office/powerpoint/2015/main" val="1"/>
+              </p:ext>
+            </p:extLst>
+          </p:nvPr>
+        </p:nvSpPr>
+        <p:spPr>
+          <a:xfrm>
+            <a:off x="0" y="0"/>
+            <a:ext cx="12188952" cy="6858000"/>
+          </a:xfrm>
+          <a:prstGeom prst="rect">
+            <a:avLst/>
+          </a:prstGeom>
+          <a:ln>
+            <a:noFill/>
+          </a:ln>
+        </p:spPr>
+        <p:style>
+          <a:lnRef idx="2">
+            <a:schemeClr val="accent1">
+              <a:shade val="50000"/>
+            </a:schemeClr>
+          </a:lnRef>
+          <a:fillRef idx="1">
+            <a:schemeClr val="accent1"/>
+          </a:fillRef>
+          <a:effectRef idx="0">
+            <a:schemeClr val="accent1"/>
+          </a:effectRef>
+          <a:fontRef idx="minor">
+            <a:schemeClr val="lt1"/>
+          </a:fontRef>
+        </p:style>
+        <p:txBody>
+          <a:bodyPr rtlCol="0" anchor="ctr"/>
+          <a:lstStyle/>
+          <a:p>
+            <a:pPr algn="ctr"/>
+            <a:endParaRPr lang="en-US"/>
+          </a:p>
+        </p:txBody>
+      </p:sp>
+      <p:sp>
+        <p:nvSpPr>
+          <p:cNvPr id="2" name="Title 1">
+            <a:extLst>
+              <a:ext uri="{FF2B5EF4-FFF2-40B4-BE49-F238E27FC236}">
+                <a16:creationId xmlns:a16="http://schemas.microsoft.com/office/drawing/2014/main" id="{EF9D9A39-7198-901D-4F6C-5BE07F9BA333}"/>
+              </a:ext>
+            </a:extLst>
+          </p:cNvPr>
+          <p:cNvSpPr>
+            <a:spLocks noGrp="1"/>
+          </p:cNvSpPr>
+          <p:nvPr>
+            <p:ph type="ctrTitle"/>
+          </p:nvPr>
+        </p:nvSpPr>
+        <p:spPr>
+          <a:xfrm>
+            <a:off x="643466" y="753626"/>
+            <a:ext cx="5081925" cy="3004145"/>
+          </a:xfrm>
+        </p:spPr>
+        <p:txBody>
+          <a:bodyPr>
+            <a:normAutofit/>
+          </a:bodyPr>
+          <a:lstStyle/>
+          <a:p>
+            <a:r>
+              <a:rPr lang="de-DE" sz="4200" dirty="0"/>
+              <a:t>Time </a:t>
+            </a:r>
+            <a:r>
+              <a:rPr lang="de-DE" sz="4200" dirty="0" err="1"/>
+              <a:t>tracking</a:t>
+            </a:r>
+            <a:r>
+              <a:rPr lang="de-DE" sz="4200" dirty="0"/>
+              <a:t>/</a:t>
+            </a:r>
+            <a:r>
+              <a:rPr lang="de-DE" sz="4200" dirty="0" err="1"/>
+              <a:t>scheduling</a:t>
+            </a:r>
+            <a:r>
+              <a:rPr lang="de-DE" sz="4200" dirty="0"/>
+              <a:t> </a:t>
+            </a:r>
+            <a:r>
+              <a:rPr lang="de-DE" sz="4200" dirty="0" err="1"/>
+              <a:t>for</a:t>
+            </a:r>
+            <a:r>
+              <a:rPr lang="de-DE" sz="4200" dirty="0"/>
+              <a:t> </a:t>
+            </a:r>
+            <a:r>
+              <a:rPr lang="de-DE" sz="4200" dirty="0" err="1"/>
+              <a:t>working</a:t>
+            </a:r>
+            <a:r>
+              <a:rPr lang="de-DE" sz="4200" dirty="0"/>
+              <a:t>, </a:t>
+            </a:r>
+            <a:r>
+              <a:rPr lang="de-DE" sz="4200" dirty="0" err="1"/>
+              <a:t>studying</a:t>
+            </a:r>
+            <a:r>
+              <a:rPr lang="de-DE" sz="4200" dirty="0"/>
+              <a:t> and </a:t>
+            </a:r>
+            <a:r>
+              <a:rPr lang="de-DE" sz="4200" dirty="0" err="1"/>
+              <a:t>freetime</a:t>
+            </a:r>
+            <a:r>
+              <a:rPr lang="de-DE" sz="4200" dirty="0"/>
+              <a:t> </a:t>
+            </a:r>
+            <a:r>
+              <a:rPr lang="de-DE" sz="4200" dirty="0" err="1"/>
+              <a:t>projects</a:t>
+            </a:r>
+            <a:endParaRPr lang="de-DE" sz="4200" dirty="0"/>
+          </a:p>
+        </p:txBody>
+      </p:sp>
+      <p:sp>
+        <p:nvSpPr>
+          <p:cNvPr id="3" name="Subtitle 2">
+            <a:extLst>
+              <a:ext uri="{FF2B5EF4-FFF2-40B4-BE49-F238E27FC236}">
+                <a16:creationId xmlns:a16="http://schemas.microsoft.com/office/drawing/2014/main" id="{9347BECB-4A5F-EEBF-DFC2-246CB7B92A8F}"/>
+              </a:ext>
+            </a:extLst>
+          </p:cNvPr>
+          <p:cNvSpPr>
+            <a:spLocks noGrp="1"/>
+          </p:cNvSpPr>
+          <p:nvPr>
+            <p:ph type="subTitle" idx="1"/>
+          </p:nvPr>
+        </p:nvSpPr>
+        <p:spPr>
+          <a:xfrm>
+            <a:off x="643466" y="3849845"/>
+            <a:ext cx="5081926" cy="2189214"/>
+          </a:xfrm>
+        </p:spPr>
+        <p:txBody>
+          <a:bodyPr>
+            <a:normAutofit/>
+          </a:bodyPr>
+          <a:lstStyle/>
+          <a:p>
+            <a:r>
+              <a:rPr lang="de-DE" dirty="0"/>
+              <a:t>Episode 3</a:t>
+            </a:r>
+          </a:p>
+          <a:p>
+            <a:r>
+              <a:rPr lang="de-DE" dirty="0"/>
+              <a:t>The Weekly </a:t>
+            </a:r>
+            <a:r>
+              <a:rPr lang="de-DE" dirty="0" err="1"/>
+              <a:t>Overview</a:t>
+            </a:r>
+            <a:r>
+              <a:rPr lang="de-DE" dirty="0"/>
+              <a:t> Table</a:t>
+            </a:r>
+          </a:p>
+        </p:txBody>
+      </p:sp>
+      <p:sp>
+        <p:nvSpPr>
+          <p:cNvPr id="16" name="Freeform: Shape 15">
+            <a:extLst>
+              <a:ext uri="{FF2B5EF4-FFF2-40B4-BE49-F238E27FC236}">
+                <a16:creationId xmlns:a16="http://schemas.microsoft.com/office/drawing/2014/main" id="{07062BB1-E215-424E-80C4-7E1CF179A357}"/>
+              </a:ext>
+              <a:ext uri="{C183D7F6-B498-43B3-948B-1728B52AA6E4}">
+                <adec:decorative xmlns:adec="http://schemas.microsoft.com/office/drawing/2017/decorative" val="1"/>
+              </a:ext>
+            </a:extLst>
+          </p:cNvPr>
+          <p:cNvSpPr>
+            <a:spLocks noGrp="1" noRot="1" noChangeAspect="1" noMove="1" noResize="1" noEditPoints="1" noAdjustHandles="1" noChangeArrowheads="1" noChangeShapeType="1" noTextEdit="1"/>
+          </p:cNvSpPr>
+          <p:nvPr>
+            <p:extLst>
+              <p:ext uri="{386F3935-93C4-4BCD-93E2-E3B085C9AB24}">
+                <p16:designElem xmlns:p16="http://schemas.microsoft.com/office/powerpoint/2015/main" val="1"/>
+              </p:ext>
+            </p:extLst>
+          </p:nvPr>
+        </p:nvSpPr>
+        <p:spPr>
+          <a:xfrm>
+            <a:off x="6406092" y="0"/>
+            <a:ext cx="2066948" cy="1621879"/>
+          </a:xfrm>
+          <a:custGeom>
+            <a:avLst/>
+            <a:gdLst>
+              <a:gd name="connsiteX0" fmla="*/ 0 w 2066948"/>
+              <a:gd name="connsiteY0" fmla="*/ 0 h 1621879"/>
+              <a:gd name="connsiteX1" fmla="*/ 123825 w 2066948"/>
+              <a:gd name="connsiteY1" fmla="*/ 0 h 1621879"/>
+              <a:gd name="connsiteX2" fmla="*/ 123825 w 2066948"/>
+              <a:gd name="connsiteY2" fmla="*/ 1452620 h 1621879"/>
+              <a:gd name="connsiteX3" fmla="*/ 1881378 w 2066948"/>
+              <a:gd name="connsiteY3" fmla="*/ 436017 h 1621879"/>
+              <a:gd name="connsiteX4" fmla="*/ 1127572 w 2066948"/>
+              <a:gd name="connsiteY4" fmla="*/ 0 h 1621879"/>
+              <a:gd name="connsiteX5" fmla="*/ 1374887 w 2066948"/>
+              <a:gd name="connsiteY5" fmla="*/ 0 h 1621879"/>
+              <a:gd name="connsiteX6" fmla="*/ 2035969 w 2066948"/>
+              <a:gd name="connsiteY6" fmla="*/ 382391 h 1621879"/>
+              <a:gd name="connsiteX7" fmla="*/ 2058648 w 2066948"/>
+              <a:gd name="connsiteY7" fmla="*/ 466963 h 1621879"/>
+              <a:gd name="connsiteX8" fmla="*/ 2035969 w 2066948"/>
+              <a:gd name="connsiteY8" fmla="*/ 489642 h 1621879"/>
+              <a:gd name="connsiteX9" fmla="*/ 92869 w 2066948"/>
+              <a:gd name="connsiteY9" fmla="*/ 1613592 h 1621879"/>
+              <a:gd name="connsiteX10" fmla="*/ 61913 w 2066948"/>
+              <a:gd name="connsiteY10" fmla="*/ 1621879 h 1621879"/>
+              <a:gd name="connsiteX11" fmla="*/ 0 w 2066948"/>
+              <a:gd name="connsiteY11" fmla="*/ 1559967 h 1621879"/>
+            </a:gdLst>
+            <a:ahLst/>
+            <a:cxnLst>
+              <a:cxn ang="0">
+                <a:pos x="connsiteX0" y="connsiteY0"/>
+              </a:cxn>
+              <a:cxn ang="0">
+                <a:pos x="connsiteX1" y="connsiteY1"/>
+              </a:cxn>
+              <a:cxn ang="0">
+                <a:pos x="connsiteX2" y="connsiteY2"/>
+              </a:cxn>
+              <a:cxn ang="0">
+                <a:pos x="connsiteX3" y="connsiteY3"/>
+              </a:cxn>
+              <a:cxn ang="0">
+                <a:pos x="connsiteX4" y="connsiteY4"/>
+              </a:cxn>
+              <a:cxn ang="0">
+                <a:pos x="connsiteX5" y="connsiteY5"/>
+              </a:cxn>
+              <a:cxn ang="0">
+                <a:pos x="connsiteX6" y="connsiteY6"/>
+              </a:cxn>
+              <a:cxn ang="0">
+                <a:pos x="connsiteX7" y="connsiteY7"/>
+              </a:cxn>
+              <a:cxn ang="0">
+                <a:pos x="connsiteX8" y="connsiteY8"/>
+              </a:cxn>
+              <a:cxn ang="0">
+                <a:pos x="connsiteX9" y="connsiteY9"/>
+              </a:cxn>
+              <a:cxn ang="0">
+                <a:pos x="connsiteX10" y="connsiteY10"/>
+              </a:cxn>
+              <a:cxn ang="0">
+                <a:pos x="connsiteX11" y="connsiteY11"/>
+              </a:cxn>
+            </a:cxnLst>
+            <a:rect l="l" t="t" r="r" b="b"/>
+            <a:pathLst>
+              <a:path w="2066948" h="1621879">
+                <a:moveTo>
+                  <a:pt x="0" y="0"/>
+                </a:moveTo>
+                <a:lnTo>
+                  <a:pt x="123825" y="0"/>
+                </a:lnTo>
+                <a:lnTo>
+                  <a:pt x="123825" y="1452620"/>
+                </a:lnTo>
+                <a:lnTo>
+                  <a:pt x="1881378" y="436017"/>
+                </a:lnTo>
+                <a:lnTo>
+                  <a:pt x="1127572" y="0"/>
+                </a:lnTo>
+                <a:lnTo>
+                  <a:pt x="1374887" y="0"/>
+                </a:lnTo>
+                <a:lnTo>
+                  <a:pt x="2035969" y="382391"/>
+                </a:lnTo>
+                <a:cubicBezTo>
+                  <a:pt x="2065582" y="399479"/>
+                  <a:pt x="2075745" y="437340"/>
+                  <a:pt x="2058648" y="466963"/>
+                </a:cubicBezTo>
+                <a:cubicBezTo>
+                  <a:pt x="2053219" y="476384"/>
+                  <a:pt x="2045389" y="484204"/>
+                  <a:pt x="2035969" y="489642"/>
+                </a:cubicBezTo>
+                <a:lnTo>
+                  <a:pt x="92869" y="1613592"/>
+                </a:lnTo>
+                <a:cubicBezTo>
+                  <a:pt x="83458" y="1619031"/>
+                  <a:pt x="72780" y="1621889"/>
+                  <a:pt x="61913" y="1621879"/>
+                </a:cubicBezTo>
+                <a:cubicBezTo>
+                  <a:pt x="27719" y="1621879"/>
+                  <a:pt x="0" y="1594161"/>
+                  <a:pt x="0" y="1559967"/>
+                </a:cubicBezTo>
+                <a:close/>
+              </a:path>
+            </a:pathLst>
+          </a:custGeom>
+          <a:solidFill>
+            <a:schemeClr val="accent6"/>
+          </a:solidFill>
+          <a:ln w="9525" cap="flat">
+            <a:noFill/>
+            <a:prstDash val="solid"/>
+            <a:miter/>
+          </a:ln>
+        </p:spPr>
+        <p:txBody>
+          <a:bodyPr rtlCol="0" anchor="ctr"/>
+          <a:lstStyle/>
+          <a:p>
+            <a:endParaRPr lang="en-US"/>
+          </a:p>
+        </p:txBody>
+      </p:sp>
+      <p:pic>
+        <p:nvPicPr>
+          <p:cNvPr id="7" name="Graphic 6" descr="Pie chart with solid fill">
+            <a:extLst>
+              <a:ext uri="{FF2B5EF4-FFF2-40B4-BE49-F238E27FC236}">
+                <a16:creationId xmlns:a16="http://schemas.microsoft.com/office/drawing/2014/main" id="{1D01B98D-E413-E8AF-8314-41669BC0C768}"/>
+              </a:ext>
+            </a:extLst>
+          </p:cNvPr>
+          <p:cNvPicPr>
+            <a:picLocks noChangeAspect="1"/>
+          </p:cNvPicPr>
+          <p:nvPr/>
+        </p:nvPicPr>
+        <p:blipFill>
+          <a:blip r:embed="rId2">
+            <a:extLst>
+              <a:ext uri="{28A0092B-C50C-407E-A947-70E740481C1C}">
+                <a14:useLocalDpi xmlns:a14="http://schemas.microsoft.com/office/drawing/2010/main" val="0"/>
+              </a:ext>
+              <a:ext uri="{96DAC541-7B7A-43D3-8B79-37D633B846F1}">
+                <asvg:svgBlip xmlns:asvg="http://schemas.microsoft.com/office/drawing/2016/SVG/main" r:embed="rId3"/>
+              </a:ext>
+            </a:extLst>
+          </a:blip>
+          <a:stretch>
+            <a:fillRect/>
+          </a:stretch>
+        </p:blipFill>
+        <p:spPr>
+          <a:xfrm>
+            <a:off x="6406092" y="2106287"/>
+            <a:ext cx="2480088" cy="2480088"/>
+          </a:xfrm>
+          <a:custGeom>
+            <a:avLst/>
+            <a:gdLst/>
+            <a:ahLst/>
+            <a:cxnLst/>
+            <a:rect l="l" t="t" r="r" b="b"/>
+            <a:pathLst>
+              <a:path w="1964763" h="1856167">
+                <a:moveTo>
+                  <a:pt x="34265" y="0"/>
+                </a:moveTo>
+                <a:lnTo>
+                  <a:pt x="1930498" y="0"/>
+                </a:lnTo>
+                <a:cubicBezTo>
+                  <a:pt x="1949422" y="0"/>
+                  <a:pt x="1964763" y="15341"/>
+                  <a:pt x="1964763" y="34265"/>
+                </a:cubicBezTo>
+                <a:lnTo>
+                  <a:pt x="1964763" y="1821902"/>
+                </a:lnTo>
+                <a:cubicBezTo>
+                  <a:pt x="1964763" y="1840826"/>
+                  <a:pt x="1949422" y="1856167"/>
+                  <a:pt x="1930498" y="1856167"/>
+                </a:cubicBezTo>
+                <a:lnTo>
+                  <a:pt x="34265" y="1856167"/>
+                </a:lnTo>
+                <a:cubicBezTo>
+                  <a:pt x="15341" y="1856167"/>
+                  <a:pt x="0" y="1840826"/>
+                  <a:pt x="0" y="1821902"/>
+                </a:cubicBezTo>
+                <a:lnTo>
+                  <a:pt x="0" y="34265"/>
+                </a:lnTo>
+                <a:cubicBezTo>
+                  <a:pt x="0" y="15341"/>
+                  <a:pt x="15341" y="0"/>
+                  <a:pt x="34265" y="0"/>
+                </a:cubicBezTo>
+                <a:close/>
+              </a:path>
+            </a:pathLst>
+          </a:custGeom>
+        </p:spPr>
+      </p:pic>
+      <p:pic>
+        <p:nvPicPr>
+          <p:cNvPr id="9" name="Graphic 8" descr="Table with solid fill">
+            <a:extLst>
+              <a:ext uri="{FF2B5EF4-FFF2-40B4-BE49-F238E27FC236}">
+                <a16:creationId xmlns:a16="http://schemas.microsoft.com/office/drawing/2014/main" id="{CAB5DC06-8A72-A29F-9CFD-9D68D814CB28}"/>
+              </a:ext>
+            </a:extLst>
+          </p:cNvPr>
+          <p:cNvPicPr>
+            <a:picLocks noChangeAspect="1"/>
+          </p:cNvPicPr>
+          <p:nvPr/>
+        </p:nvPicPr>
+        <p:blipFill>
+          <a:blip r:embed="rId4">
+            <a:extLst>
+              <a:ext uri="{28A0092B-C50C-407E-A947-70E740481C1C}">
+                <a14:useLocalDpi xmlns:a14="http://schemas.microsoft.com/office/drawing/2010/main" val="0"/>
+              </a:ext>
+              <a:ext uri="{96DAC541-7B7A-43D3-8B79-37D633B846F1}">
+                <asvg:svgBlip xmlns:asvg="http://schemas.microsoft.com/office/drawing/2016/SVG/main" r:embed="rId5"/>
+              </a:ext>
+            </a:extLst>
+          </a:blip>
+          <a:stretch>
+            <a:fillRect/>
+          </a:stretch>
+        </p:blipFill>
+        <p:spPr>
+          <a:xfrm>
+            <a:off x="9609611" y="146615"/>
+            <a:ext cx="2161997" cy="2161997"/>
+          </a:xfrm>
+          <a:custGeom>
+            <a:avLst/>
+            <a:gdLst/>
+            <a:ahLst/>
+            <a:cxnLst/>
+            <a:rect l="l" t="t" r="r" b="b"/>
+            <a:pathLst>
+              <a:path w="1964763" h="1856167">
+                <a:moveTo>
+                  <a:pt x="34265" y="0"/>
+                </a:moveTo>
+                <a:lnTo>
+                  <a:pt x="1930498" y="0"/>
+                </a:lnTo>
+                <a:cubicBezTo>
+                  <a:pt x="1949422" y="0"/>
+                  <a:pt x="1964763" y="15341"/>
+                  <a:pt x="1964763" y="34265"/>
+                </a:cubicBezTo>
+                <a:lnTo>
+                  <a:pt x="1964763" y="1821902"/>
+                </a:lnTo>
+                <a:cubicBezTo>
+                  <a:pt x="1964763" y="1840826"/>
+                  <a:pt x="1949422" y="1856167"/>
+                  <a:pt x="1930498" y="1856167"/>
+                </a:cubicBezTo>
+                <a:lnTo>
+                  <a:pt x="34265" y="1856167"/>
+                </a:lnTo>
+                <a:cubicBezTo>
+                  <a:pt x="15341" y="1856167"/>
+                  <a:pt x="0" y="1840826"/>
+                  <a:pt x="0" y="1821902"/>
+                </a:cubicBezTo>
+                <a:lnTo>
+                  <a:pt x="0" y="34265"/>
+                </a:lnTo>
+                <a:cubicBezTo>
+                  <a:pt x="0" y="15341"/>
+                  <a:pt x="15341" y="0"/>
+                  <a:pt x="34265" y="0"/>
+                </a:cubicBezTo>
+                <a:close/>
+              </a:path>
+            </a:pathLst>
+          </a:custGeom>
+        </p:spPr>
+      </p:pic>
+      <p:sp>
+        <p:nvSpPr>
+          <p:cNvPr id="18" name="Oval 17">
+            <a:extLst>
+              <a:ext uri="{FF2B5EF4-FFF2-40B4-BE49-F238E27FC236}">
+                <a16:creationId xmlns:a16="http://schemas.microsoft.com/office/drawing/2014/main" id="{6FD0FBFA-B43E-40C1-A6E4-B88234171E7A}"/>
+              </a:ext>
+              <a:ext uri="{C183D7F6-B498-43B3-948B-1728B52AA6E4}">
+                <adec:decorative xmlns:adec="http://schemas.microsoft.com/office/drawing/2017/decorative" val="1"/>
+              </a:ext>
+            </a:extLst>
+          </p:cNvPr>
+          <p:cNvSpPr>
+            <a:spLocks noGrp="1" noRot="1" noChangeAspect="1" noMove="1" noResize="1" noEditPoints="1" noAdjustHandles="1" noChangeArrowheads="1" noChangeShapeType="1" noTextEdit="1"/>
+          </p:cNvSpPr>
+          <p:nvPr>
+            <p:extLst>
+              <p:ext uri="{386F3935-93C4-4BCD-93E2-E3B085C9AB24}">
+                <p16:designElem xmlns:p16="http://schemas.microsoft.com/office/powerpoint/2015/main" val="1"/>
+              </p:ext>
+            </p:extLst>
+          </p:nvPr>
+        </p:nvSpPr>
+        <p:spPr>
+          <a:xfrm>
+            <a:off x="9423287" y="3391544"/>
+            <a:ext cx="569514" cy="569514"/>
+          </a:xfrm>
+          <a:prstGeom prst="ellipse">
+            <a:avLst/>
+          </a:prstGeom>
+          <a:noFill/>
+          <a:ln w="127000">
+            <a:solidFill>
+              <a:schemeClr val="accent5"/>
+            </a:solidFill>
+          </a:ln>
+        </p:spPr>
+        <p:style>
+          <a:lnRef idx="2">
+            <a:schemeClr val="accent1">
+              <a:shade val="50000"/>
+            </a:schemeClr>
+          </a:lnRef>
+          <a:fillRef idx="1">
+            <a:schemeClr val="accent1"/>
+          </a:fillRef>
+          <a:effectRef idx="0">
+            <a:schemeClr val="accent1"/>
+          </a:effectRef>
+          <a:fontRef idx="minor">
+            <a:schemeClr val="lt1"/>
+          </a:fontRef>
+        </p:style>
+        <p:txBody>
+          <a:bodyPr rtlCol="0" anchor="ctr"/>
+          <a:lstStyle/>
+          <a:p>
+            <a:pPr algn="ctr"/>
+            <a:endParaRPr lang="en-US" dirty="0"/>
+          </a:p>
+        </p:txBody>
+      </p:sp>
+      <p:sp>
+        <p:nvSpPr>
+          <p:cNvPr id="20" name="Freeform: Shape 19">
+            <a:extLst>
+              <a:ext uri="{FF2B5EF4-FFF2-40B4-BE49-F238E27FC236}">
+                <a16:creationId xmlns:a16="http://schemas.microsoft.com/office/drawing/2014/main" id="{B368E167-B2D7-4904-BB6B-AE0486A2C6F8}"/>
+              </a:ext>
+              <a:ext uri="{C183D7F6-B498-43B3-948B-1728B52AA6E4}">
+                <adec:decorative xmlns:adec="http://schemas.microsoft.com/office/drawing/2017/decorative" val="1"/>
+              </a:ext>
+            </a:extLst>
+          </p:cNvPr>
+          <p:cNvSpPr>
+            <a:spLocks noGrp="1" noRot="1" noChangeAspect="1" noMove="1" noResize="1" noEditPoints="1" noAdjustHandles="1" noChangeArrowheads="1" noChangeShapeType="1" noTextEdit="1"/>
+          </p:cNvSpPr>
+          <p:nvPr>
+            <p:extLst>
+              <p:ext uri="{386F3935-93C4-4BCD-93E2-E3B085C9AB24}">
+                <p16:designElem xmlns:p16="http://schemas.microsoft.com/office/powerpoint/2015/main" val="1"/>
+              </p:ext>
+            </p:extLst>
+          </p:nvPr>
+        </p:nvSpPr>
+        <p:spPr>
+          <a:xfrm>
+            <a:off x="11162258" y="2429507"/>
+            <a:ext cx="1029742" cy="1346076"/>
+          </a:xfrm>
+          <a:custGeom>
+            <a:avLst/>
+            <a:gdLst>
+              <a:gd name="connsiteX0" fmla="*/ 824347 w 1261243"/>
+              <a:gd name="connsiteY0" fmla="*/ 0 h 1648694"/>
+              <a:gd name="connsiteX1" fmla="*/ 1145220 w 1261243"/>
+              <a:gd name="connsiteY1" fmla="*/ 64781 h 1648694"/>
+              <a:gd name="connsiteX2" fmla="*/ 1261243 w 1261243"/>
+              <a:gd name="connsiteY2" fmla="*/ 127757 h 1648694"/>
+              <a:gd name="connsiteX3" fmla="*/ 1261243 w 1261243"/>
+              <a:gd name="connsiteY3" fmla="*/ 1520938 h 1648694"/>
+              <a:gd name="connsiteX4" fmla="*/ 1145220 w 1261243"/>
+              <a:gd name="connsiteY4" fmla="*/ 1583913 h 1648694"/>
+              <a:gd name="connsiteX5" fmla="*/ 824347 w 1261243"/>
+              <a:gd name="connsiteY5" fmla="*/ 1648694 h 1648694"/>
+              <a:gd name="connsiteX6" fmla="*/ 0 w 1261243"/>
+              <a:gd name="connsiteY6" fmla="*/ 824347 h 1648694"/>
+              <a:gd name="connsiteX7" fmla="*/ 824347 w 1261243"/>
+              <a:gd name="connsiteY7" fmla="*/ 0 h 1648694"/>
+            </a:gdLst>
+            <a:ahLst/>
+            <a:cxnLst>
+              <a:cxn ang="0">
+                <a:pos x="connsiteX0" y="connsiteY0"/>
+              </a:cxn>
+              <a:cxn ang="0">
+                <a:pos x="connsiteX1" y="connsiteY1"/>
+              </a:cxn>
+              <a:cxn ang="0">
+                <a:pos x="connsiteX2" y="connsiteY2"/>
+              </a:cxn>
+              <a:cxn ang="0">
+                <a:pos x="connsiteX3" y="connsiteY3"/>
+              </a:cxn>
+              <a:cxn ang="0">
+                <a:pos x="connsiteX4" y="connsiteY4"/>
+              </a:cxn>
+              <a:cxn ang="0">
+                <a:pos x="connsiteX5" y="connsiteY5"/>
+              </a:cxn>
+              <a:cxn ang="0">
+                <a:pos x="connsiteX6" y="connsiteY6"/>
+              </a:cxn>
+              <a:cxn ang="0">
+                <a:pos x="connsiteX7" y="connsiteY7"/>
+              </a:cxn>
+            </a:cxnLst>
+            <a:rect l="l" t="t" r="r" b="b"/>
+            <a:pathLst>
+              <a:path w="1261243" h="1648694">
+                <a:moveTo>
+                  <a:pt x="824347" y="0"/>
+                </a:moveTo>
+                <a:cubicBezTo>
+                  <a:pt x="938165" y="0"/>
+                  <a:pt x="1046596" y="23067"/>
+                  <a:pt x="1145220" y="64781"/>
+                </a:cubicBezTo>
+                <a:lnTo>
+                  <a:pt x="1261243" y="127757"/>
+                </a:lnTo>
+                <a:lnTo>
+                  <a:pt x="1261243" y="1520938"/>
+                </a:lnTo>
+                <a:lnTo>
+                  <a:pt x="1145220" y="1583913"/>
+                </a:lnTo>
+                <a:cubicBezTo>
+                  <a:pt x="1046596" y="1625627"/>
+                  <a:pt x="938165" y="1648694"/>
+                  <a:pt x="824347" y="1648694"/>
+                </a:cubicBezTo>
+                <a:cubicBezTo>
+                  <a:pt x="369073" y="1648694"/>
+                  <a:pt x="0" y="1279621"/>
+                  <a:pt x="0" y="824347"/>
+                </a:cubicBezTo>
+                <a:cubicBezTo>
+                  <a:pt x="0" y="369073"/>
+                  <a:pt x="369073" y="0"/>
+                  <a:pt x="824347" y="0"/>
+                </a:cubicBezTo>
+                <a:close/>
+              </a:path>
+            </a:pathLst>
+          </a:custGeom>
+          <a:solidFill>
+            <a:schemeClr val="accent2"/>
+          </a:solidFill>
+          <a:ln w="127000">
+            <a:noFill/>
+          </a:ln>
+        </p:spPr>
+        <p:style>
+          <a:lnRef idx="2">
+            <a:schemeClr val="accent1">
+              <a:shade val="50000"/>
+            </a:schemeClr>
+          </a:lnRef>
+          <a:fillRef idx="1">
+            <a:schemeClr val="accent1"/>
+          </a:fillRef>
+          <a:effectRef idx="0">
+            <a:schemeClr val="accent1"/>
+          </a:effectRef>
+          <a:fontRef idx="minor">
+            <a:schemeClr val="lt1"/>
+          </a:fontRef>
+        </p:style>
+        <p:txBody>
+          <a:bodyPr wrap="square" rtlCol="0" anchor="ctr">
+            <a:noAutofit/>
+          </a:bodyPr>
+          <a:lstStyle/>
+          <a:p>
+            <a:pPr algn="ctr"/>
+            <a:endParaRPr lang="en-US"/>
+          </a:p>
+        </p:txBody>
+      </p:sp>
+      <p:pic>
+        <p:nvPicPr>
+          <p:cNvPr id="5" name="Graphic 4" descr="Stopwatch with solid fill">
+            <a:extLst>
+              <a:ext uri="{FF2B5EF4-FFF2-40B4-BE49-F238E27FC236}">
+                <a16:creationId xmlns:a16="http://schemas.microsoft.com/office/drawing/2014/main" id="{AB126BD6-D431-7A62-865F-75D732884B31}"/>
+              </a:ext>
+            </a:extLst>
+          </p:cNvPr>
+          <p:cNvPicPr>
+            <a:picLocks noChangeAspect="1"/>
+          </p:cNvPicPr>
+          <p:nvPr/>
+        </p:nvPicPr>
+        <p:blipFill>
+          <a:blip r:embed="rId6">
+            <a:extLst>
+              <a:ext uri="{28A0092B-C50C-407E-A947-70E740481C1C}">
+                <a14:useLocalDpi xmlns:a14="http://schemas.microsoft.com/office/drawing/2010/main" val="0"/>
+              </a:ext>
+              <a:ext uri="{96DAC541-7B7A-43D3-8B79-37D633B846F1}">
+                <asvg:svgBlip xmlns:asvg="http://schemas.microsoft.com/office/drawing/2016/SVG/main" r:embed="rId7"/>
+              </a:ext>
+            </a:extLst>
+          </a:blip>
+          <a:stretch>
+            <a:fillRect/>
+          </a:stretch>
+        </p:blipFill>
+        <p:spPr>
+          <a:xfrm>
+            <a:off x="9708044" y="4184262"/>
+            <a:ext cx="2161997" cy="2161997"/>
+          </a:xfrm>
+          <a:custGeom>
+            <a:avLst/>
+            <a:gdLst/>
+            <a:ahLst/>
+            <a:cxnLst/>
+            <a:rect l="l" t="t" r="r" b="b"/>
+            <a:pathLst>
+              <a:path w="2565029" h="2588972">
+                <a:moveTo>
+                  <a:pt x="69897" y="0"/>
+                </a:moveTo>
+                <a:lnTo>
+                  <a:pt x="2495132" y="0"/>
+                </a:lnTo>
+                <a:cubicBezTo>
+                  <a:pt x="2533735" y="0"/>
+                  <a:pt x="2565029" y="31294"/>
+                  <a:pt x="2565029" y="69897"/>
+                </a:cubicBezTo>
+                <a:lnTo>
+                  <a:pt x="2565029" y="2519075"/>
+                </a:lnTo>
+                <a:cubicBezTo>
+                  <a:pt x="2565029" y="2557678"/>
+                  <a:pt x="2533735" y="2588972"/>
+                  <a:pt x="2495132" y="2588972"/>
+                </a:cubicBezTo>
+                <a:lnTo>
+                  <a:pt x="69897" y="2588972"/>
+                </a:lnTo>
+                <a:cubicBezTo>
+                  <a:pt x="31294" y="2588972"/>
+                  <a:pt x="0" y="2557678"/>
+                  <a:pt x="0" y="2519075"/>
+                </a:cubicBezTo>
+                <a:lnTo>
+                  <a:pt x="0" y="69897"/>
+                </a:lnTo>
+                <a:cubicBezTo>
+                  <a:pt x="0" y="31294"/>
+                  <a:pt x="31294" y="0"/>
+                  <a:pt x="69897" y="0"/>
+                </a:cubicBezTo>
+                <a:close/>
+              </a:path>
+            </a:pathLst>
+          </a:custGeom>
+        </p:spPr>
+      </p:pic>
+      <p:sp>
+        <p:nvSpPr>
+          <p:cNvPr id="22" name="Freeform: Shape 21">
+            <a:extLst>
+              <a:ext uri="{FF2B5EF4-FFF2-40B4-BE49-F238E27FC236}">
+                <a16:creationId xmlns:a16="http://schemas.microsoft.com/office/drawing/2014/main" id="{E97546D8-565E-45FE-8079-058CAED5A07C}"/>
+              </a:ext>
+              <a:ext uri="{C183D7F6-B498-43B3-948B-1728B52AA6E4}">
+                <adec:decorative xmlns:adec="http://schemas.microsoft.com/office/drawing/2017/decorative" val="1"/>
+              </a:ext>
+            </a:extLst>
+          </p:cNvPr>
+          <p:cNvSpPr>
+            <a:spLocks noGrp="1" noRot="1" noChangeAspect="1" noMove="1" noResize="1" noEditPoints="1" noAdjustHandles="1" noChangeArrowheads="1" noChangeShapeType="1" noTextEdit="1"/>
+          </p:cNvSpPr>
+          <p:nvPr>
+            <p:extLst>
+              <p:ext uri="{386F3935-93C4-4BCD-93E2-E3B085C9AB24}">
+                <p16:designElem xmlns:p16="http://schemas.microsoft.com/office/powerpoint/2015/main" val="1"/>
+              </p:ext>
+            </p:extLst>
+          </p:nvPr>
+        </p:nvSpPr>
+        <p:spPr>
+          <a:xfrm rot="20463438">
+            <a:off x="6710830" y="5005247"/>
+            <a:ext cx="2170501" cy="2254419"/>
+          </a:xfrm>
+          <a:custGeom>
+            <a:avLst/>
+            <a:gdLst>
+              <a:gd name="connsiteX0" fmla="*/ 2129607 w 2170501"/>
+              <a:gd name="connsiteY0" fmla="*/ 1918583 h 2254419"/>
+              <a:gd name="connsiteX1" fmla="*/ 2170492 w 2170501"/>
+              <a:gd name="connsiteY1" fmla="*/ 1986678 h 2254419"/>
+              <a:gd name="connsiteX2" fmla="*/ 2143122 w 2170501"/>
+              <a:gd name="connsiteY2" fmla="*/ 2219532 h 2254419"/>
+              <a:gd name="connsiteX3" fmla="*/ 2134528 w 2170501"/>
+              <a:gd name="connsiteY3" fmla="*/ 2254419 h 2254419"/>
+              <a:gd name="connsiteX4" fmla="*/ 1992178 w 2170501"/>
+              <a:gd name="connsiteY4" fmla="*/ 2205563 h 2254419"/>
+              <a:gd name="connsiteX5" fmla="*/ 1995353 w 2170501"/>
+              <a:gd name="connsiteY5" fmla="*/ 2192695 h 2254419"/>
+              <a:gd name="connsiteX6" fmla="*/ 2020595 w 2170501"/>
+              <a:gd name="connsiteY6" fmla="*/ 1978457 h 2254419"/>
+              <a:gd name="connsiteX7" fmla="*/ 2102402 w 2170501"/>
+              <a:gd name="connsiteY7" fmla="*/ 1910681 h 2254419"/>
+              <a:gd name="connsiteX8" fmla="*/ 2129607 w 2170501"/>
+              <a:gd name="connsiteY8" fmla="*/ 1918583 h 2254419"/>
+              <a:gd name="connsiteX9" fmla="*/ 1874324 w 2170501"/>
+              <a:gd name="connsiteY9" fmla="*/ 904226 h 2254419"/>
+              <a:gd name="connsiteX10" fmla="*/ 1919011 w 2170501"/>
+              <a:gd name="connsiteY10" fmla="*/ 937393 h 2254419"/>
+              <a:gd name="connsiteX11" fmla="*/ 2101793 w 2170501"/>
+              <a:gd name="connsiteY11" fmla="*/ 1368166 h 2254419"/>
+              <a:gd name="connsiteX12" fmla="*/ 2049988 w 2170501"/>
+              <a:gd name="connsiteY12" fmla="*/ 1460853 h 2254419"/>
+              <a:gd name="connsiteX13" fmla="*/ 2029492 w 2170501"/>
+              <a:gd name="connsiteY13" fmla="*/ 1463442 h 2254419"/>
+              <a:gd name="connsiteX14" fmla="*/ 2029492 w 2170501"/>
+              <a:gd name="connsiteY14" fmla="*/ 1463668 h 2254419"/>
+              <a:gd name="connsiteX15" fmla="*/ 1957302 w 2170501"/>
+              <a:gd name="connsiteY15" fmla="*/ 1409047 h 2254419"/>
+              <a:gd name="connsiteX16" fmla="*/ 1789159 w 2170501"/>
+              <a:gd name="connsiteY16" fmla="*/ 1012848 h 2254419"/>
+              <a:gd name="connsiteX17" fmla="*/ 1819072 w 2170501"/>
+              <a:gd name="connsiteY17" fmla="*/ 910914 h 2254419"/>
+              <a:gd name="connsiteX18" fmla="*/ 1874324 w 2170501"/>
+              <a:gd name="connsiteY18" fmla="*/ 904226 h 2254419"/>
+              <a:gd name="connsiteX19" fmla="*/ 565076 w 2170501"/>
+              <a:gd name="connsiteY19" fmla="*/ 25347 h 2254419"/>
+              <a:gd name="connsiteX20" fmla="*/ 602104 w 2170501"/>
+              <a:gd name="connsiteY20" fmla="*/ 99534 h 2254419"/>
+              <a:gd name="connsiteX21" fmla="*/ 527134 w 2170501"/>
+              <a:gd name="connsiteY21" fmla="*/ 165379 h 2254419"/>
+              <a:gd name="connsiteX22" fmla="*/ 517223 w 2170501"/>
+              <a:gd name="connsiteY22" fmla="*/ 164816 h 2254419"/>
+              <a:gd name="connsiteX23" fmla="*/ 86562 w 2170501"/>
+              <a:gd name="connsiteY23" fmla="*/ 162226 h 2254419"/>
+              <a:gd name="connsiteX24" fmla="*/ 886 w 2170501"/>
+              <a:gd name="connsiteY24" fmla="*/ 99416 h 2254419"/>
+              <a:gd name="connsiteX25" fmla="*/ 63695 w 2170501"/>
+              <a:gd name="connsiteY25" fmla="*/ 13740 h 2254419"/>
+              <a:gd name="connsiteX26" fmla="*/ 68993 w 2170501"/>
+              <a:gd name="connsiteY26" fmla="*/ 13116 h 2254419"/>
+              <a:gd name="connsiteX27" fmla="*/ 536819 w 2170501"/>
+              <a:gd name="connsiteY27" fmla="*/ 15931 h 2254419"/>
+              <a:gd name="connsiteX28" fmla="*/ 565076 w 2170501"/>
+              <a:gd name="connsiteY28" fmla="*/ 25347 h 2254419"/>
+              <a:gd name="connsiteX29" fmla="*/ 1132468 w 2170501"/>
+              <a:gd name="connsiteY29" fmla="*/ 198602 h 2254419"/>
+              <a:gd name="connsiteX30" fmla="*/ 1521686 w 2170501"/>
+              <a:gd name="connsiteY30" fmla="*/ 458304 h 2254419"/>
+              <a:gd name="connsiteX31" fmla="*/ 1529659 w 2170501"/>
+              <a:gd name="connsiteY31" fmla="*/ 564078 h 2254419"/>
+              <a:gd name="connsiteX32" fmla="*/ 1472583 w 2170501"/>
+              <a:gd name="connsiteY32" fmla="*/ 590184 h 2254419"/>
+              <a:gd name="connsiteX33" fmla="*/ 1472245 w 2170501"/>
+              <a:gd name="connsiteY33" fmla="*/ 590184 h 2254419"/>
+              <a:gd name="connsiteX34" fmla="*/ 1423143 w 2170501"/>
+              <a:gd name="connsiteY34" fmla="*/ 572389 h 2254419"/>
+              <a:gd name="connsiteX35" fmla="*/ 1064896 w 2170501"/>
+              <a:gd name="connsiteY35" fmla="*/ 332846 h 2254419"/>
+              <a:gd name="connsiteX36" fmla="*/ 1031562 w 2170501"/>
+              <a:gd name="connsiteY36" fmla="*/ 231938 h 2254419"/>
+              <a:gd name="connsiteX37" fmla="*/ 1132468 w 2170501"/>
+              <a:gd name="connsiteY37" fmla="*/ 198602 h 2254419"/>
+            </a:gdLst>
+            <a:ahLst/>
+            <a:cxnLst>
+              <a:cxn ang="0">
+                <a:pos x="connsiteX0" y="connsiteY0"/>
+              </a:cxn>
+              <a:cxn ang="0">
+                <a:pos x="connsiteX1" y="connsiteY1"/>
+              </a:cxn>
+              <a:cxn ang="0">
+                <a:pos x="connsiteX2" y="connsiteY2"/>
+              </a:cxn>
+              <a:cxn ang="0">
+                <a:pos x="connsiteX3" y="connsiteY3"/>
+              </a:cxn>
+              <a:cxn ang="0">
+                <a:pos x="connsiteX4" y="connsiteY4"/>
+              </a:cxn>
+              <a:cxn ang="0">
+                <a:pos x="connsiteX5" y="connsiteY5"/>
+              </a:cxn>
+              <a:cxn ang="0">
+                <a:pos x="connsiteX6" y="connsiteY6"/>
+              </a:cxn>
+              <a:cxn ang="0">
+                <a:pos x="connsiteX7" y="connsiteY7"/>
+              </a:cxn>
+              <a:cxn ang="0">
+                <a:pos x="connsiteX8" y="connsiteY8"/>
+              </a:cxn>
+              <a:cxn ang="0">
+                <a:pos x="connsiteX9" y="connsiteY9"/>
+              </a:cxn>
+              <a:cxn ang="0">
+                <a:pos x="connsiteX10" y="connsiteY10"/>
+              </a:cxn>
+              <a:cxn ang="0">
+                <a:pos x="connsiteX11" y="connsiteY11"/>
+              </a:cxn>
+              <a:cxn ang="0">
+                <a:pos x="connsiteX12" y="connsiteY12"/>
+              </a:cxn>
+              <a:cxn ang="0">
+                <a:pos x="connsiteX13" y="connsiteY13"/>
+              </a:cxn>
+              <a:cxn ang="0">
+                <a:pos x="connsiteX14" y="connsiteY14"/>
+              </a:cxn>
+              <a:cxn ang="0">
+                <a:pos x="connsiteX15" y="connsiteY15"/>
+              </a:cxn>
+              <a:cxn ang="0">
+                <a:pos x="connsiteX16" y="connsiteY16"/>
+              </a:cxn>
+              <a:cxn ang="0">
+                <a:pos x="connsiteX17" y="connsiteY17"/>
+              </a:cxn>
+              <a:cxn ang="0">
+                <a:pos x="connsiteX18" y="connsiteY18"/>
+              </a:cxn>
+              <a:cxn ang="0">
+                <a:pos x="connsiteX19" y="connsiteY19"/>
+              </a:cxn>
+              <a:cxn ang="0">
+                <a:pos x="connsiteX20" y="connsiteY20"/>
+              </a:cxn>
+              <a:cxn ang="0">
+                <a:pos x="connsiteX21" y="connsiteY21"/>
+              </a:cxn>
+              <a:cxn ang="0">
+                <a:pos x="connsiteX22" y="connsiteY22"/>
+              </a:cxn>
+              <a:cxn ang="0">
+                <a:pos x="connsiteX23" y="connsiteY23"/>
+              </a:cxn>
+              <a:cxn ang="0">
+                <a:pos x="connsiteX24" y="connsiteY24"/>
+              </a:cxn>
+              <a:cxn ang="0">
+                <a:pos x="connsiteX25" y="connsiteY25"/>
+              </a:cxn>
+              <a:cxn ang="0">
+                <a:pos x="connsiteX26" y="connsiteY26"/>
+              </a:cxn>
+              <a:cxn ang="0">
+                <a:pos x="connsiteX27" y="connsiteY27"/>
+              </a:cxn>
+              <a:cxn ang="0">
+                <a:pos x="connsiteX28" y="connsiteY28"/>
+              </a:cxn>
+              <a:cxn ang="0">
+                <a:pos x="connsiteX29" y="connsiteY29"/>
+              </a:cxn>
+              <a:cxn ang="0">
+                <a:pos x="connsiteX30" y="connsiteY30"/>
+              </a:cxn>
+              <a:cxn ang="0">
+                <a:pos x="connsiteX31" y="connsiteY31"/>
+              </a:cxn>
+              <a:cxn ang="0">
+                <a:pos x="connsiteX32" y="connsiteY32"/>
+              </a:cxn>
+              <a:cxn ang="0">
+                <a:pos x="connsiteX33" y="connsiteY33"/>
+              </a:cxn>
+              <a:cxn ang="0">
+                <a:pos x="connsiteX34" y="connsiteY34"/>
+              </a:cxn>
+              <a:cxn ang="0">
+                <a:pos x="connsiteX35" y="connsiteY35"/>
+              </a:cxn>
+              <a:cxn ang="0">
+                <a:pos x="connsiteX36" y="connsiteY36"/>
+              </a:cxn>
+              <a:cxn ang="0">
+                <a:pos x="connsiteX37" y="connsiteY37"/>
+              </a:cxn>
+            </a:cxnLst>
+            <a:rect l="l" t="t" r="r" b="b"/>
+            <a:pathLst>
+              <a:path w="2170501" h="2254419">
+                <a:moveTo>
+                  <a:pt x="2129607" y="1918583"/>
+                </a:moveTo>
+                <a:cubicBezTo>
+                  <a:pt x="2154398" y="1931279"/>
+                  <a:pt x="2170966" y="1957258"/>
+                  <a:pt x="2170492" y="1986678"/>
+                </a:cubicBezTo>
+                <a:cubicBezTo>
+                  <a:pt x="2166208" y="2064866"/>
+                  <a:pt x="2157057" y="2142632"/>
+                  <a:pt x="2143122" y="2219532"/>
+                </a:cubicBezTo>
+                <a:lnTo>
+                  <a:pt x="2134528" y="2254419"/>
+                </a:lnTo>
+                <a:lnTo>
+                  <a:pt x="1992178" y="2205563"/>
+                </a:lnTo>
+                <a:lnTo>
+                  <a:pt x="1995353" y="2192695"/>
+                </a:lnTo>
+                <a:cubicBezTo>
+                  <a:pt x="2008198" y="2121944"/>
+                  <a:pt x="2016634" y="2050393"/>
+                  <a:pt x="2020595" y="1978457"/>
+                </a:cubicBezTo>
+                <a:cubicBezTo>
+                  <a:pt x="2024469" y="1937147"/>
+                  <a:pt x="2061092" y="1906808"/>
+                  <a:pt x="2102402" y="1910681"/>
+                </a:cubicBezTo>
+                <a:cubicBezTo>
+                  <a:pt x="2112167" y="1911596"/>
+                  <a:pt x="2121344" y="1914352"/>
+                  <a:pt x="2129607" y="1918583"/>
+                </a:cubicBezTo>
+                <a:close/>
+                <a:moveTo>
+                  <a:pt x="1874324" y="904226"/>
+                </a:moveTo>
+                <a:cubicBezTo>
+                  <a:pt x="1892306" y="908991"/>
+                  <a:pt x="1908526" y="920398"/>
+                  <a:pt x="1919011" y="937393"/>
+                </a:cubicBezTo>
+                <a:cubicBezTo>
+                  <a:pt x="1997699" y="1072785"/>
+                  <a:pt x="2059099" y="1217502"/>
+                  <a:pt x="2101793" y="1368166"/>
+                </a:cubicBezTo>
+                <a:cubicBezTo>
+                  <a:pt x="2113067" y="1408067"/>
+                  <a:pt x="2089878" y="1449546"/>
+                  <a:pt x="2049988" y="1460853"/>
+                </a:cubicBezTo>
+                <a:cubicBezTo>
+                  <a:pt x="2043310" y="1462643"/>
+                  <a:pt x="2036406" y="1463511"/>
+                  <a:pt x="2029492" y="1463442"/>
+                </a:cubicBezTo>
+                <a:lnTo>
+                  <a:pt x="2029492" y="1463668"/>
+                </a:lnTo>
+                <a:cubicBezTo>
+                  <a:pt x="1995920" y="1463668"/>
+                  <a:pt x="1966424" y="1441358"/>
+                  <a:pt x="1957302" y="1409047"/>
+                </a:cubicBezTo>
+                <a:cubicBezTo>
+                  <a:pt x="1918054" y="1270468"/>
+                  <a:pt x="1861564" y="1137362"/>
+                  <a:pt x="1789159" y="1012848"/>
+                </a:cubicBezTo>
+                <a:cubicBezTo>
+                  <a:pt x="1769270" y="976439"/>
+                  <a:pt x="1782660" y="930802"/>
+                  <a:pt x="1819072" y="910914"/>
+                </a:cubicBezTo>
+                <a:cubicBezTo>
+                  <a:pt x="1836601" y="901341"/>
+                  <a:pt x="1856343" y="899462"/>
+                  <a:pt x="1874324" y="904226"/>
+                </a:cubicBezTo>
+                <a:close/>
+                <a:moveTo>
+                  <a:pt x="565076" y="25347"/>
+                </a:moveTo>
+                <a:cubicBezTo>
+                  <a:pt x="590405" y="39934"/>
+                  <a:pt x="605899" y="68698"/>
+                  <a:pt x="602104" y="99534"/>
+                </a:cubicBezTo>
+                <a:cubicBezTo>
+                  <a:pt x="597454" y="137333"/>
+                  <a:pt x="565217" y="165647"/>
+                  <a:pt x="527134" y="165379"/>
+                </a:cubicBezTo>
+                <a:cubicBezTo>
+                  <a:pt x="523821" y="165412"/>
+                  <a:pt x="520510" y="165224"/>
+                  <a:pt x="517223" y="164816"/>
+                </a:cubicBezTo>
+                <a:cubicBezTo>
+                  <a:pt x="374328" y="146158"/>
+                  <a:pt x="229672" y="145287"/>
+                  <a:pt x="86562" y="162226"/>
+                </a:cubicBezTo>
+                <a:cubicBezTo>
+                  <a:pt x="45559" y="168541"/>
+                  <a:pt x="7201" y="140420"/>
+                  <a:pt x="886" y="99416"/>
+                </a:cubicBezTo>
+                <a:cubicBezTo>
+                  <a:pt x="-5428" y="58412"/>
+                  <a:pt x="22692" y="20054"/>
+                  <a:pt x="63695" y="13740"/>
+                </a:cubicBezTo>
+                <a:cubicBezTo>
+                  <a:pt x="65453" y="13470"/>
+                  <a:pt x="67220" y="13261"/>
+                  <a:pt x="68993" y="13116"/>
+                </a:cubicBezTo>
+                <a:cubicBezTo>
+                  <a:pt x="224454" y="-5269"/>
+                  <a:pt x="381592" y="-4323"/>
+                  <a:pt x="536819" y="15931"/>
+                </a:cubicBezTo>
+                <a:cubicBezTo>
+                  <a:pt x="547097" y="17195"/>
+                  <a:pt x="556633" y="20483"/>
+                  <a:pt x="565076" y="25347"/>
+                </a:cubicBezTo>
+                <a:close/>
+                <a:moveTo>
+                  <a:pt x="1132468" y="198602"/>
+                </a:moveTo>
+                <a:cubicBezTo>
+                  <a:pt x="1272445" y="268739"/>
+                  <a:pt x="1403185" y="355973"/>
+                  <a:pt x="1521686" y="458304"/>
+                </a:cubicBezTo>
+                <a:cubicBezTo>
+                  <a:pt x="1553095" y="485311"/>
+                  <a:pt x="1556665" y="532668"/>
+                  <a:pt x="1529659" y="564078"/>
+                </a:cubicBezTo>
+                <a:cubicBezTo>
+                  <a:pt x="1515367" y="580705"/>
+                  <a:pt x="1494511" y="590242"/>
+                  <a:pt x="1472583" y="590184"/>
+                </a:cubicBezTo>
+                <a:lnTo>
+                  <a:pt x="1472245" y="590184"/>
+                </a:lnTo>
+                <a:cubicBezTo>
+                  <a:pt x="1454271" y="590357"/>
+                  <a:pt x="1436837" y="584037"/>
+                  <a:pt x="1423143" y="572389"/>
+                </a:cubicBezTo>
+                <a:cubicBezTo>
+                  <a:pt x="1314092" y="478031"/>
+                  <a:pt x="1193758" y="397569"/>
+                  <a:pt x="1064896" y="332846"/>
+                </a:cubicBezTo>
+                <a:cubicBezTo>
+                  <a:pt x="1027826" y="314186"/>
+                  <a:pt x="1012901" y="269007"/>
+                  <a:pt x="1031562" y="231938"/>
+                </a:cubicBezTo>
+                <a:cubicBezTo>
+                  <a:pt x="1050220" y="194867"/>
+                  <a:pt x="1095399" y="179942"/>
+                  <a:pt x="1132468" y="198602"/>
+                </a:cubicBezTo>
+                <a:close/>
+              </a:path>
+            </a:pathLst>
+          </a:custGeom>
+          <a:solidFill>
+            <a:schemeClr val="accent4"/>
+          </a:solidFill>
+          <a:ln w="9525" cap="flat">
+            <a:noFill/>
+            <a:prstDash val="solid"/>
+            <a:miter/>
+          </a:ln>
+        </p:spPr>
+        <p:txBody>
+          <a:bodyPr wrap="square" rtlCol="0" anchor="ctr">
+            <a:noAutofit/>
+          </a:bodyPr>
+          <a:lstStyle/>
+          <a:p>
+            <a:endParaRPr lang="en-US"/>
+          </a:p>
+        </p:txBody>
+      </p:sp>
+      <p:sp>
+        <p:nvSpPr>
+          <p:cNvPr id="24" name="Freeform: Shape 23">
+            <a:extLst>
+              <a:ext uri="{FF2B5EF4-FFF2-40B4-BE49-F238E27FC236}">
+                <a16:creationId xmlns:a16="http://schemas.microsoft.com/office/drawing/2014/main" id="{33E49524-66B4-4DB0-AD09-DC8B9874E1B3}"/>
+              </a:ext>
+              <a:ext uri="{C183D7F6-B498-43B3-948B-1728B52AA6E4}">
+                <adec:decorative xmlns:adec="http://schemas.microsoft.com/office/drawing/2017/decorative" val="1"/>
+              </a:ext>
+            </a:extLst>
+          </p:cNvPr>
+          <p:cNvSpPr>
+            <a:spLocks noGrp="1" noRot="1" noChangeAspect="1" noMove="1" noResize="1" noEditPoints="1" noAdjustHandles="1" noChangeArrowheads="1" noChangeShapeType="1" noTextEdit="1"/>
+          </p:cNvSpPr>
+          <p:nvPr>
+            <p:extLst>
+              <p:ext uri="{386F3935-93C4-4BCD-93E2-E3B085C9AB24}">
+                <p16:designElem xmlns:p16="http://schemas.microsoft.com/office/powerpoint/2015/main" val="1"/>
+              </p:ext>
+            </p:extLst>
+          </p:nvPr>
+        </p:nvSpPr>
+        <p:spPr>
+          <a:xfrm>
+            <a:off x="6406092" y="6039059"/>
+            <a:ext cx="1978348" cy="818941"/>
+          </a:xfrm>
+          <a:custGeom>
+            <a:avLst/>
+            <a:gdLst>
+              <a:gd name="connsiteX0" fmla="*/ 995532 w 1991064"/>
+              <a:gd name="connsiteY0" fmla="*/ 0 h 824205"/>
+              <a:gd name="connsiteX1" fmla="*/ 1984823 w 1991064"/>
+              <a:gd name="connsiteY1" fmla="*/ 784423 h 824205"/>
+              <a:gd name="connsiteX2" fmla="*/ 1991064 w 1991064"/>
+              <a:gd name="connsiteY2" fmla="*/ 824205 h 824205"/>
+              <a:gd name="connsiteX3" fmla="*/ 0 w 1991064"/>
+              <a:gd name="connsiteY3" fmla="*/ 824205 h 824205"/>
+              <a:gd name="connsiteX4" fmla="*/ 6241 w 1991064"/>
+              <a:gd name="connsiteY4" fmla="*/ 784423 h 824205"/>
+              <a:gd name="connsiteX5" fmla="*/ 995532 w 1991064"/>
+              <a:gd name="connsiteY5" fmla="*/ 0 h 824205"/>
+            </a:gdLst>
+            <a:ahLst/>
+            <a:cxnLst>
+              <a:cxn ang="0">
+                <a:pos x="connsiteX0" y="connsiteY0"/>
+              </a:cxn>
+              <a:cxn ang="0">
+                <a:pos x="connsiteX1" y="connsiteY1"/>
+              </a:cxn>
+              <a:cxn ang="0">
+                <a:pos x="connsiteX2" y="connsiteY2"/>
+              </a:cxn>
+              <a:cxn ang="0">
+                <a:pos x="connsiteX3" y="connsiteY3"/>
+              </a:cxn>
+              <a:cxn ang="0">
+                <a:pos x="connsiteX4" y="connsiteY4"/>
+              </a:cxn>
+              <a:cxn ang="0">
+                <a:pos x="connsiteX5" y="connsiteY5"/>
+              </a:cxn>
+            </a:cxnLst>
+            <a:rect l="l" t="t" r="r" b="b"/>
+            <a:pathLst>
+              <a:path w="1991064" h="824205">
+                <a:moveTo>
+                  <a:pt x="995532" y="0"/>
+                </a:moveTo>
+                <a:cubicBezTo>
+                  <a:pt x="1483521" y="0"/>
+                  <a:pt x="1890663" y="336754"/>
+                  <a:pt x="1984823" y="784423"/>
+                </a:cubicBezTo>
+                <a:lnTo>
+                  <a:pt x="1991064" y="824205"/>
+                </a:lnTo>
+                <a:lnTo>
+                  <a:pt x="0" y="824205"/>
+                </a:lnTo>
+                <a:lnTo>
+                  <a:pt x="6241" y="784423"/>
+                </a:lnTo>
+                <a:cubicBezTo>
+                  <a:pt x="100402" y="336754"/>
+                  <a:pt x="507544" y="0"/>
+                  <a:pt x="995532" y="0"/>
+                </a:cubicBezTo>
+                <a:close/>
+              </a:path>
+            </a:pathLst>
+          </a:custGeom>
+          <a:solidFill>
+            <a:schemeClr val="accent2"/>
+          </a:solidFill>
+          <a:ln>
+            <a:noFill/>
+          </a:ln>
+        </p:spPr>
+        <p:style>
+          <a:lnRef idx="2">
+            <a:schemeClr val="accent1">
+              <a:shade val="50000"/>
+            </a:schemeClr>
+          </a:lnRef>
+          <a:fillRef idx="1">
+            <a:schemeClr val="accent1"/>
+          </a:fillRef>
+          <a:effectRef idx="0">
+            <a:schemeClr val="accent1"/>
+          </a:effectRef>
+          <a:fontRef idx="minor">
+            <a:schemeClr val="lt1"/>
+          </a:fontRef>
+        </p:style>
+        <p:txBody>
+          <a:bodyPr wrap="square" rtlCol="0" anchor="ctr">
+            <a:noAutofit/>
+          </a:bodyPr>
+          <a:lstStyle/>
+          <a:p>
+            <a:pPr algn="ctr"/>
+            <a:endParaRPr lang="en-US" dirty="0"/>
+          </a:p>
+        </p:txBody>
+      </p:sp>
+    </p:spTree>
+    <p:extLst>
+      <p:ext uri="{BB962C8B-B14F-4D97-AF65-F5344CB8AC3E}">
+        <p14:creationId xmlns:p14="http://schemas.microsoft.com/office/powerpoint/2010/main" val="3391410613"/>
+      </p:ext>
+    </p:extLst>
+  </p:cSld>
+  <p:clrMapOvr>
+    <a:masterClrMapping/>
+  </p:clrMapOvr>
+</p:sld>
+</file>
+
+<file path=ppt/slides/slide7.xml><?xml version="1.0" encoding="utf-8"?>
+<p:sld xmlns:a="http://schemas.openxmlformats.org/drawingml/2006/main" xmlns:r="http://schemas.openxmlformats.org/officeDocument/2006/relationships" xmlns:p="http://schemas.openxmlformats.org/presentationml/2006/main">
+  <p:cSld>
+    <p:bg>
+      <p:bgPr>
+        <a:solidFill>
+          <a:schemeClr val="bg1"/>
+        </a:solidFill>
+        <a:effectLst/>
+      </p:bgPr>
+    </p:bg>
+    <p:spTree>
+      <p:nvGrpSpPr>
+        <p:cNvPr id="1" name=""/>
+        <p:cNvGrpSpPr/>
+        <p:nvPr/>
+      </p:nvGrpSpPr>
+      <p:grpSpPr>
+        <a:xfrm>
+          <a:off x="0" y="0"/>
+          <a:ext cx="0" cy="0"/>
+          <a:chOff x="0" y="0"/>
+          <a:chExt cx="0" cy="0"/>
+        </a:xfrm>
+      </p:grpSpPr>
+      <p:sp useBgFill="1">
+        <p:nvSpPr>
+          <p:cNvPr id="45" name="Rectangle 44">
+            <a:extLst>
+              <a:ext uri="{FF2B5EF4-FFF2-40B4-BE49-F238E27FC236}">
+                <a16:creationId xmlns:a16="http://schemas.microsoft.com/office/drawing/2014/main" id="{A2679492-7988-4050-9056-542444452411}"/>
+              </a:ext>
+              <a:ext uri="{C183D7F6-B498-43B3-948B-1728B52AA6E4}">
+                <adec:decorative xmlns:adec="http://schemas.microsoft.com/office/drawing/2017/decorative" val="1"/>
+              </a:ext>
+            </a:extLst>
+          </p:cNvPr>
+          <p:cNvSpPr>
+            <a:spLocks noGrp="1" noRot="1" noChangeAspect="1" noMove="1" noResize="1" noEditPoints="1" noAdjustHandles="1" noChangeArrowheads="1" noChangeShapeType="1" noTextEdit="1"/>
+          </p:cNvSpPr>
+          <p:nvPr>
+            <p:extLst>
+              <p:ext uri="{386F3935-93C4-4BCD-93E2-E3B085C9AB24}">
+                <p16:designElem xmlns:p16="http://schemas.microsoft.com/office/powerpoint/2015/main" val="1"/>
+              </p:ext>
+            </p:extLst>
+          </p:nvPr>
+        </p:nvSpPr>
+        <p:spPr>
+          <a:xfrm>
+            <a:off x="0" y="0"/>
+            <a:ext cx="12192000" cy="6858000"/>
+          </a:xfrm>
+          <a:prstGeom prst="rect">
+            <a:avLst/>
+          </a:prstGeom>
+          <a:ln>
+            <a:noFill/>
+          </a:ln>
+        </p:spPr>
+        <p:style>
+          <a:lnRef idx="2">
+            <a:schemeClr val="accent1">
+              <a:shade val="50000"/>
+            </a:schemeClr>
+          </a:lnRef>
+          <a:fillRef idx="1">
+            <a:schemeClr val="accent1"/>
+          </a:fillRef>
+          <a:effectRef idx="0">
+            <a:schemeClr val="accent1"/>
+          </a:effectRef>
+          <a:fontRef idx="minor">
+            <a:schemeClr val="lt1"/>
+          </a:fontRef>
+        </p:style>
+        <p:txBody>
+          <a:bodyPr rtlCol="0" anchor="ctr"/>
+          <a:lstStyle/>
+          <a:p>
+            <a:pPr algn="ctr"/>
+            <a:endParaRPr lang="en-US"/>
+          </a:p>
+        </p:txBody>
+      </p:sp>
+      <p:sp>
+        <p:nvSpPr>
+          <p:cNvPr id="2" name="Title 1">
+            <a:extLst>
+              <a:ext uri="{FF2B5EF4-FFF2-40B4-BE49-F238E27FC236}">
+                <a16:creationId xmlns:a16="http://schemas.microsoft.com/office/drawing/2014/main" id="{635882B4-E4F7-4EF0-7B63-693D53A64829}"/>
+              </a:ext>
+            </a:extLst>
+          </p:cNvPr>
+          <p:cNvSpPr>
+            <a:spLocks noGrp="1"/>
+          </p:cNvSpPr>
+          <p:nvPr>
+            <p:ph type="title"/>
+          </p:nvPr>
+        </p:nvSpPr>
+        <p:spPr>
+          <a:xfrm>
+            <a:off x="6412091" y="501651"/>
+            <a:ext cx="4395340" cy="1716255"/>
+          </a:xfrm>
+        </p:spPr>
+        <p:txBody>
+          <a:bodyPr anchor="b">
+            <a:normAutofit/>
+          </a:bodyPr>
+          <a:lstStyle/>
+          <a:p>
+            <a:r>
+              <a:rPr lang="de-DE" sz="5600" dirty="0" err="1"/>
+              <a:t>Idea</a:t>
+            </a:r>
+            <a:r>
+              <a:rPr lang="de-DE" sz="5600" dirty="0"/>
+              <a:t>:</a:t>
+            </a:r>
+          </a:p>
+        </p:txBody>
+      </p:sp>
+      <p:sp>
+        <p:nvSpPr>
+          <p:cNvPr id="47" name="Rectangle 46">
+            <a:extLst>
+              <a:ext uri="{FF2B5EF4-FFF2-40B4-BE49-F238E27FC236}">
+                <a16:creationId xmlns:a16="http://schemas.microsoft.com/office/drawing/2014/main" id="{B091B163-7D61-4891-ABCF-5C13D9C418D0}"/>
+              </a:ext>
+              <a:ext uri="{C183D7F6-B498-43B3-948B-1728B52AA6E4}">
+                <adec:decorative xmlns:adec="http://schemas.microsoft.com/office/drawing/2017/decorative" val="1"/>
+              </a:ext>
+            </a:extLst>
+          </p:cNvPr>
+          <p:cNvSpPr>
+            <a:spLocks noGrp="1" noRot="1" noChangeAspect="1" noMove="1" noResize="1" noEditPoints="1" noAdjustHandles="1" noChangeArrowheads="1" noChangeShapeType="1" noTextEdit="1"/>
+          </p:cNvSpPr>
+          <p:nvPr>
+            <p:extLst>
+              <p:ext uri="{386F3935-93C4-4BCD-93E2-E3B085C9AB24}">
+                <p16:designElem xmlns:p16="http://schemas.microsoft.com/office/powerpoint/2015/main" val="1"/>
+              </p:ext>
+            </p:extLst>
+          </p:nvPr>
+        </p:nvSpPr>
+        <p:spPr>
+          <a:xfrm>
+            <a:off x="0" y="0"/>
+            <a:ext cx="5779911" cy="6858000"/>
+          </a:xfrm>
+          <a:prstGeom prst="rect">
+            <a:avLst/>
+          </a:prstGeom>
+          <a:gradFill flip="none" rotWithShape="1">
+            <a:gsLst>
+              <a:gs pos="0">
+                <a:schemeClr val="accent1"/>
+              </a:gs>
+              <a:gs pos="100000">
+                <a:schemeClr val="accent2"/>
+              </a:gs>
+            </a:gsLst>
+            <a:lin ang="2700000" scaled="1"/>
+            <a:tileRect/>
+          </a:gradFill>
+          <a:ln>
+            <a:noFill/>
+          </a:ln>
+        </p:spPr>
+        <p:style>
+          <a:lnRef idx="2">
+            <a:schemeClr val="accent1">
+              <a:shade val="50000"/>
+            </a:schemeClr>
+          </a:lnRef>
+          <a:fillRef idx="1">
+            <a:schemeClr val="accent1"/>
+          </a:fillRef>
+          <a:effectRef idx="0">
+            <a:schemeClr val="accent1"/>
+          </a:effectRef>
+          <a:fontRef idx="minor">
+            <a:schemeClr val="lt1"/>
+          </a:fontRef>
+        </p:style>
+        <p:txBody>
+          <a:bodyPr rtlCol="0" anchor="ctr"/>
+          <a:lstStyle/>
+          <a:p>
+            <a:pPr algn="ctr"/>
+            <a:endParaRPr lang="en-US"/>
+          </a:p>
+        </p:txBody>
+      </p:sp>
+      <p:sp>
+        <p:nvSpPr>
+          <p:cNvPr id="3" name="Content Placeholder 2">
+            <a:extLst>
+              <a:ext uri="{FF2B5EF4-FFF2-40B4-BE49-F238E27FC236}">
+                <a16:creationId xmlns:a16="http://schemas.microsoft.com/office/drawing/2014/main" id="{A0F9E74B-25AF-341B-56CF-DD1503AA3633}"/>
+              </a:ext>
+            </a:extLst>
+          </p:cNvPr>
+          <p:cNvSpPr>
+            <a:spLocks noGrp="1"/>
+          </p:cNvSpPr>
+          <p:nvPr>
+            <p:ph idx="1"/>
+          </p:nvPr>
+        </p:nvSpPr>
+        <p:spPr>
+          <a:xfrm>
+            <a:off x="6392583" y="2645922"/>
+            <a:ext cx="4434721" cy="3710427"/>
+          </a:xfrm>
+        </p:spPr>
+        <p:txBody>
+          <a:bodyPr anchor="t">
+            <a:normAutofit/>
+          </a:bodyPr>
+          <a:lstStyle/>
+          <a:p>
+            <a:r>
+              <a:rPr lang="de-DE" sz="2000" dirty="0" err="1">
+                <a:solidFill>
+                  <a:schemeClr val="tx1">
+                    <a:alpha val="80000"/>
+                  </a:schemeClr>
+                </a:solidFill>
+              </a:rPr>
+              <a:t>Summarise</a:t>
+            </a:r>
+            <a:r>
+              <a:rPr lang="de-DE" sz="2000" dirty="0">
+                <a:solidFill>
+                  <a:schemeClr val="tx1">
+                    <a:alpha val="80000"/>
+                  </a:schemeClr>
+                </a:solidFill>
+              </a:rPr>
+              <a:t> </a:t>
+            </a:r>
+            <a:r>
+              <a:rPr lang="de-DE" sz="2000" dirty="0" err="1">
+                <a:solidFill>
+                  <a:schemeClr val="tx1">
+                    <a:alpha val="80000"/>
+                  </a:schemeClr>
+                </a:solidFill>
+              </a:rPr>
+              <a:t>working</a:t>
+            </a:r>
+            <a:r>
+              <a:rPr lang="de-DE" sz="2000" dirty="0">
+                <a:solidFill>
+                  <a:schemeClr val="tx1">
+                    <a:alpha val="80000"/>
+                  </a:schemeClr>
+                </a:solidFill>
+              </a:rPr>
+              <a:t> </a:t>
+            </a:r>
+            <a:r>
+              <a:rPr lang="de-DE" sz="2000" dirty="0" err="1">
+                <a:solidFill>
+                  <a:schemeClr val="tx1">
+                    <a:alpha val="80000"/>
+                  </a:schemeClr>
+                </a:solidFill>
+              </a:rPr>
+              <a:t>hours</a:t>
+            </a:r>
+            <a:r>
+              <a:rPr lang="de-DE" sz="2000" dirty="0">
+                <a:solidFill>
+                  <a:schemeClr val="tx1">
+                    <a:alpha val="80000"/>
+                  </a:schemeClr>
+                </a:solidFill>
+              </a:rPr>
+              <a:t> per </a:t>
+            </a:r>
+            <a:r>
+              <a:rPr lang="de-DE" sz="2000" dirty="0" err="1">
+                <a:solidFill>
+                  <a:schemeClr val="tx1">
+                    <a:alpha val="80000"/>
+                  </a:schemeClr>
+                </a:solidFill>
+              </a:rPr>
+              <a:t>week</a:t>
+            </a:r>
+            <a:endParaRPr lang="de-DE" sz="2000" dirty="0">
+              <a:solidFill>
+                <a:schemeClr val="tx1">
+                  <a:alpha val="80000"/>
+                </a:schemeClr>
+              </a:solidFill>
+            </a:endParaRPr>
+          </a:p>
+          <a:p>
+            <a:r>
+              <a:rPr lang="en-US" sz="2000" dirty="0">
+                <a:solidFill>
+                  <a:schemeClr val="tx1">
+                    <a:alpha val="80000"/>
+                  </a:schemeClr>
+                </a:solidFill>
+              </a:rPr>
+              <a:t>Better overview for leisure/hobby objects</a:t>
+            </a:r>
+          </a:p>
+          <a:p>
+            <a:r>
+              <a:rPr lang="en-US" sz="2000" dirty="0">
+                <a:solidFill>
+                  <a:schemeClr val="tx1">
+                    <a:alpha val="80000"/>
+                  </a:schemeClr>
+                </a:solidFill>
+              </a:rPr>
+              <a:t>Also conceivable as a monthly overview</a:t>
+            </a:r>
+            <a:endParaRPr lang="de-DE" sz="2000" dirty="0">
+              <a:solidFill>
+                <a:schemeClr val="tx1">
+                  <a:alpha val="80000"/>
+                </a:schemeClr>
+              </a:solidFill>
+            </a:endParaRPr>
+          </a:p>
+        </p:txBody>
+      </p:sp>
+      <p:cxnSp>
+        <p:nvCxnSpPr>
+          <p:cNvPr id="49" name="Straight Connector 48">
+            <a:extLst>
+              <a:ext uri="{FF2B5EF4-FFF2-40B4-BE49-F238E27FC236}">
+                <a16:creationId xmlns:a16="http://schemas.microsoft.com/office/drawing/2014/main" id="{C49DA8F6-BCC1-4447-B54C-57856834B94B}"/>
+              </a:ext>
+              <a:ext uri="{C183D7F6-B498-43B3-948B-1728B52AA6E4}">
+                <adec:decorative xmlns:adec="http://schemas.microsoft.com/office/drawing/2017/decorative" val="1"/>
+              </a:ext>
+            </a:extLst>
+          </p:cNvPr>
+          <p:cNvCxnSpPr>
+            <a:cxnSpLocks noGrp="1" noRot="1" noChangeAspect="1" noMove="1" noResize="1" noEditPoints="1" noAdjustHandles="1" noChangeArrowheads="1" noChangeShapeType="1"/>
+          </p:cNvCxnSpPr>
+          <p:nvPr>
+            <p:extLst>
+              <p:ext uri="{386F3935-93C4-4BCD-93E2-E3B085C9AB24}">
+                <p16:designElem xmlns:p16="http://schemas.microsoft.com/office/powerpoint/2015/main" val="1"/>
+              </p:ext>
+            </p:extLst>
+          </p:nvPr>
+        </p:nvCxnSpPr>
+        <p:spPr>
+          <a:xfrm>
+            <a:off x="11586162" y="3610394"/>
+            <a:ext cx="0" cy="3238728"/>
+          </a:xfrm>
+          <a:prstGeom prst="line">
+            <a:avLst/>
+          </a:prstGeom>
+          <a:ln w="25400" cap="sq">
+            <a:gradFill flip="none" rotWithShape="1">
+              <a:gsLst>
+                <a:gs pos="0">
+                  <a:schemeClr val="accent1"/>
+                </a:gs>
+                <a:gs pos="100000">
+                  <a:schemeClr val="accent2"/>
+                </a:gs>
+              </a:gsLst>
+              <a:lin ang="16200000" scaled="1"/>
+              <a:tileRect/>
+            </a:gradFill>
+            <a:bevel/>
+          </a:ln>
+        </p:spPr>
+        <p:style>
+          <a:lnRef idx="1">
+            <a:schemeClr val="accent1"/>
+          </a:lnRef>
+          <a:fillRef idx="0">
+            <a:schemeClr val="accent1"/>
+          </a:fillRef>
+          <a:effectRef idx="0">
+            <a:schemeClr val="accent1"/>
+          </a:effectRef>
+          <a:fontRef idx="minor">
+            <a:schemeClr val="tx1"/>
+          </a:fontRef>
+        </p:style>
+      </p:cxnSp>
+      <p:sp>
+        <p:nvSpPr>
+          <p:cNvPr id="41" name="Rectangle 40">
+            <a:extLst>
+              <a:ext uri="{FF2B5EF4-FFF2-40B4-BE49-F238E27FC236}">
+                <a16:creationId xmlns:a16="http://schemas.microsoft.com/office/drawing/2014/main" id="{3E0A75DE-99A2-E131-119C-C410DB628DB4}"/>
+              </a:ext>
+            </a:extLst>
+          </p:cNvPr>
+          <p:cNvSpPr/>
+          <p:nvPr/>
+        </p:nvSpPr>
+        <p:spPr>
+          <a:xfrm>
+            <a:off x="201168" y="2468643"/>
+            <a:ext cx="5432557" cy="1920714"/>
+          </a:xfrm>
+          <a:prstGeom prst="rect">
+            <a:avLst/>
+          </a:prstGeom>
+          <a:gradFill flip="none" rotWithShape="1">
+            <a:gsLst>
+              <a:gs pos="0">
+                <a:schemeClr val="accent1">
+                  <a:lumMod val="5000"/>
+                  <a:lumOff val="95000"/>
+                </a:schemeClr>
+              </a:gs>
+              <a:gs pos="100000">
+                <a:schemeClr val="bg1">
+                  <a:alpha val="25000"/>
+                </a:schemeClr>
+              </a:gs>
+            </a:gsLst>
+            <a:lin ang="18900000" scaled="1"/>
+            <a:tileRect/>
+          </a:gradFill>
+          <a:ln>
+            <a:noFill/>
+          </a:ln>
+        </p:spPr>
+        <p:style>
+          <a:lnRef idx="2">
+            <a:schemeClr val="accent1">
+              <a:shade val="15000"/>
+            </a:schemeClr>
+          </a:lnRef>
+          <a:fillRef idx="1">
+            <a:schemeClr val="accent1"/>
+          </a:fillRef>
+          <a:effectRef idx="0">
+            <a:schemeClr val="accent1"/>
+          </a:effectRef>
+          <a:fontRef idx="minor">
+            <a:schemeClr val="lt1"/>
+          </a:fontRef>
+        </p:style>
+        <p:txBody>
+          <a:bodyPr rtlCol="0" anchor="ctr"/>
+          <a:lstStyle/>
+          <a:p>
+            <a:pPr algn="ctr"/>
+            <a:endParaRPr lang="de-DE" dirty="0"/>
+          </a:p>
+        </p:txBody>
+      </p:sp>
+      <p:grpSp>
+        <p:nvGrpSpPr>
+          <p:cNvPr id="48" name="Group 47">
+            <a:extLst>
+              <a:ext uri="{FF2B5EF4-FFF2-40B4-BE49-F238E27FC236}">
+                <a16:creationId xmlns:a16="http://schemas.microsoft.com/office/drawing/2014/main" id="{75B02930-BED2-E0B5-5EA3-63CE42F1899D}"/>
+              </a:ext>
+            </a:extLst>
+          </p:cNvPr>
+          <p:cNvGrpSpPr/>
+          <p:nvPr/>
+        </p:nvGrpSpPr>
+        <p:grpSpPr>
+          <a:xfrm>
+            <a:off x="201168" y="2468643"/>
+            <a:ext cx="5221624" cy="1920714"/>
+            <a:chOff x="5981079" y="4105419"/>
+            <a:chExt cx="5221624" cy="1920714"/>
+          </a:xfrm>
+        </p:grpSpPr>
+        <p:pic>
+          <p:nvPicPr>
+            <p:cNvPr id="9" name="Graphic 8" descr="Monthly calendar with solid fill">
+              <a:extLst>
+                <a:ext uri="{FF2B5EF4-FFF2-40B4-BE49-F238E27FC236}">
+                  <a16:creationId xmlns:a16="http://schemas.microsoft.com/office/drawing/2014/main" id="{C3760EB6-34C0-B9F3-DCA0-FDCA31F4C999}"/>
+                </a:ext>
+              </a:extLst>
+            </p:cNvPr>
+            <p:cNvPicPr>
+              <a:picLocks noChangeAspect="1"/>
+            </p:cNvPicPr>
+            <p:nvPr/>
+          </p:nvPicPr>
+          <p:blipFill>
+            <a:blip r:embed="rId2">
+              <a:extLst>
+                <a:ext uri="{96DAC541-7B7A-43D3-8B79-37D633B846F1}">
+                  <asvg:svgBlip xmlns:asvg="http://schemas.microsoft.com/office/drawing/2016/SVG/main" r:embed="rId3"/>
+                </a:ext>
+              </a:extLst>
+            </a:blip>
+            <a:stretch>
+              <a:fillRect/>
+            </a:stretch>
+          </p:blipFill>
+          <p:spPr>
+            <a:xfrm>
+              <a:off x="8563786" y="4471112"/>
+              <a:ext cx="1315270" cy="1315270"/>
+            </a:xfrm>
+            <a:prstGeom prst="rect">
+              <a:avLst/>
+            </a:prstGeom>
+          </p:spPr>
+        </p:pic>
+        <p:cxnSp>
+          <p:nvCxnSpPr>
+            <p:cNvPr id="13" name="Straight Arrow Connector 12">
+              <a:extLst>
+                <a:ext uri="{FF2B5EF4-FFF2-40B4-BE49-F238E27FC236}">
+                  <a16:creationId xmlns:a16="http://schemas.microsoft.com/office/drawing/2014/main" id="{68EC7928-3136-13FC-8FA4-D6B5DD033142}"/>
+                </a:ext>
+              </a:extLst>
+            </p:cNvPr>
+            <p:cNvCxnSpPr>
+              <a:cxnSpLocks/>
+              <a:stCxn id="43" idx="3"/>
+            </p:cNvCxnSpPr>
+            <p:nvPr/>
+          </p:nvCxnSpPr>
+          <p:spPr>
+            <a:xfrm>
+              <a:off x="7509630" y="4425538"/>
+              <a:ext cx="1112881" cy="422557"/>
+            </a:xfrm>
+            <a:prstGeom prst="straightConnector1">
+              <a:avLst/>
+            </a:prstGeom>
+            <a:ln>
+              <a:tailEnd type="triangle"/>
+            </a:ln>
+          </p:spPr>
+          <p:style>
+            <a:lnRef idx="2">
+              <a:schemeClr val="accent1"/>
+            </a:lnRef>
+            <a:fillRef idx="0">
+              <a:schemeClr val="accent1"/>
+            </a:fillRef>
+            <a:effectRef idx="1">
+              <a:schemeClr val="accent1"/>
+            </a:effectRef>
+            <a:fontRef idx="minor">
+              <a:schemeClr val="tx1"/>
+            </a:fontRef>
+          </p:style>
+        </p:cxnSp>
+        <p:cxnSp>
+          <p:nvCxnSpPr>
+            <p:cNvPr id="14" name="Straight Arrow Connector 13">
+              <a:extLst>
+                <a:ext uri="{FF2B5EF4-FFF2-40B4-BE49-F238E27FC236}">
+                  <a16:creationId xmlns:a16="http://schemas.microsoft.com/office/drawing/2014/main" id="{DD258481-2D34-3594-DF86-460597E6D7B3}"/>
+                </a:ext>
+              </a:extLst>
+            </p:cNvPr>
+            <p:cNvCxnSpPr>
+              <a:cxnSpLocks/>
+              <a:stCxn id="38" idx="3"/>
+            </p:cNvCxnSpPr>
+            <p:nvPr/>
+          </p:nvCxnSpPr>
+          <p:spPr>
+            <a:xfrm flipV="1">
+              <a:off x="7509630" y="5054918"/>
+              <a:ext cx="1112881" cy="10858"/>
+            </a:xfrm>
+            <a:prstGeom prst="straightConnector1">
+              <a:avLst/>
+            </a:prstGeom>
+            <a:ln>
+              <a:tailEnd type="triangle"/>
+            </a:ln>
+          </p:spPr>
+          <p:style>
+            <a:lnRef idx="2">
+              <a:schemeClr val="accent1"/>
+            </a:lnRef>
+            <a:fillRef idx="0">
+              <a:schemeClr val="accent1"/>
+            </a:fillRef>
+            <a:effectRef idx="1">
+              <a:schemeClr val="accent1"/>
+            </a:effectRef>
+            <a:fontRef idx="minor">
+              <a:schemeClr val="tx1"/>
+            </a:fontRef>
+          </p:style>
+        </p:cxnSp>
+        <p:cxnSp>
+          <p:nvCxnSpPr>
+            <p:cNvPr id="15" name="Straight Arrow Connector 14">
+              <a:extLst>
+                <a:ext uri="{FF2B5EF4-FFF2-40B4-BE49-F238E27FC236}">
+                  <a16:creationId xmlns:a16="http://schemas.microsoft.com/office/drawing/2014/main" id="{10FCBA43-56C3-5C62-5CB2-2A0D0EE1330F}"/>
+                </a:ext>
+              </a:extLst>
+            </p:cNvPr>
+            <p:cNvCxnSpPr>
+              <a:cxnSpLocks/>
+            </p:cNvCxnSpPr>
+            <p:nvPr/>
+          </p:nvCxnSpPr>
+          <p:spPr>
+            <a:xfrm flipV="1">
+              <a:off x="7515450" y="5272599"/>
+              <a:ext cx="1107061" cy="433415"/>
+            </a:xfrm>
+            <a:prstGeom prst="straightConnector1">
+              <a:avLst/>
+            </a:prstGeom>
+            <a:ln>
+              <a:tailEnd type="triangle"/>
+            </a:ln>
+          </p:spPr>
+          <p:style>
+            <a:lnRef idx="2">
+              <a:schemeClr val="accent1"/>
+            </a:lnRef>
+            <a:fillRef idx="0">
+              <a:schemeClr val="accent1"/>
+            </a:fillRef>
+            <a:effectRef idx="1">
+              <a:schemeClr val="accent1"/>
+            </a:effectRef>
+            <a:fontRef idx="minor">
+              <a:schemeClr val="tx1"/>
+            </a:fontRef>
+          </p:style>
+        </p:cxnSp>
+        <p:grpSp>
+          <p:nvGrpSpPr>
+            <p:cNvPr id="16" name="Group 15">
+              <a:extLst>
+                <a:ext uri="{FF2B5EF4-FFF2-40B4-BE49-F238E27FC236}">
+                  <a16:creationId xmlns:a16="http://schemas.microsoft.com/office/drawing/2014/main" id="{66B6C379-DAB5-D4EA-85F6-1236C570367E}"/>
+                </a:ext>
+              </a:extLst>
+            </p:cNvPr>
+            <p:cNvGrpSpPr/>
+            <p:nvPr/>
+          </p:nvGrpSpPr>
+          <p:grpSpPr>
+            <a:xfrm>
+              <a:off x="5986899" y="4105419"/>
+              <a:ext cx="1522731" cy="640238"/>
+              <a:chOff x="838200" y="3511296"/>
+              <a:chExt cx="2174794" cy="914400"/>
+            </a:xfrm>
+          </p:grpSpPr>
+          <p:pic>
+            <p:nvPicPr>
+              <p:cNvPr id="43" name="Graphic 42" descr="Table with solid fill">
+                <a:extLst>
+                  <a:ext uri="{FF2B5EF4-FFF2-40B4-BE49-F238E27FC236}">
+                    <a16:creationId xmlns:a16="http://schemas.microsoft.com/office/drawing/2014/main" id="{BF0A97CF-07CD-06D1-52DB-65EF62A690AE}"/>
+                  </a:ext>
+                </a:extLst>
+              </p:cNvPr>
+              <p:cNvPicPr>
+                <a:picLocks noChangeAspect="1"/>
+              </p:cNvPicPr>
+              <p:nvPr/>
+            </p:nvPicPr>
+            <p:blipFill>
+              <a:blip r:embed="rId4">
+                <a:extLst>
+                  <a:ext uri="{28A0092B-C50C-407E-A947-70E740481C1C}">
+                    <a14:useLocalDpi xmlns:a14="http://schemas.microsoft.com/office/drawing/2010/main" val="0"/>
+                  </a:ext>
+                  <a:ext uri="{96DAC541-7B7A-43D3-8B79-37D633B846F1}">
+                    <asvg:svgBlip xmlns:asvg="http://schemas.microsoft.com/office/drawing/2016/SVG/main" r:embed="rId5"/>
+                  </a:ext>
+                </a:extLst>
+              </a:blip>
+              <a:stretch>
+                <a:fillRect/>
+              </a:stretch>
+            </p:blipFill>
+            <p:spPr>
+              <a:xfrm>
+                <a:off x="2098594" y="3511296"/>
+                <a:ext cx="914400" cy="914400"/>
+              </a:xfrm>
+              <a:prstGeom prst="rect">
+                <a:avLst/>
+              </a:prstGeom>
+            </p:spPr>
+          </p:pic>
+          <p:sp>
+            <p:nvSpPr>
+              <p:cNvPr id="44" name="TextBox 43">
+                <a:extLst>
+                  <a:ext uri="{FF2B5EF4-FFF2-40B4-BE49-F238E27FC236}">
+                    <a16:creationId xmlns:a16="http://schemas.microsoft.com/office/drawing/2014/main" id="{209D1455-09EB-ACEE-1456-175E8A8B6B5C}"/>
+                  </a:ext>
+                </a:extLst>
+              </p:cNvPr>
+              <p:cNvSpPr txBox="1"/>
+              <p:nvPr/>
+            </p:nvSpPr>
+            <p:spPr>
+              <a:xfrm>
+                <a:off x="838200" y="3783830"/>
+                <a:ext cx="1260394" cy="369332"/>
+              </a:xfrm>
+              <a:prstGeom prst="rect">
+                <a:avLst/>
+              </a:prstGeom>
+              <a:noFill/>
+            </p:spPr>
+            <p:txBody>
+              <a:bodyPr wrap="square" rtlCol="0">
+                <a:spAutoFit/>
+              </a:bodyPr>
+              <a:lstStyle/>
+              <a:p>
+                <a:pPr defTabSz="640080">
+                  <a:spcAft>
+                    <a:spcPts val="600"/>
+                  </a:spcAft>
+                </a:pPr>
+                <a:r>
+                  <a:rPr lang="de-DE" sz="1260" kern="1200">
+                    <a:solidFill>
+                      <a:schemeClr val="tx1"/>
+                    </a:solidFill>
+                    <a:latin typeface="+mn-lt"/>
+                    <a:ea typeface="+mn-ea"/>
+                    <a:cs typeface="+mn-cs"/>
+                  </a:rPr>
+                  <a:t>Project 1</a:t>
+                </a:r>
+                <a:endParaRPr lang="de-DE"/>
+              </a:p>
+            </p:txBody>
+          </p:sp>
+        </p:grpSp>
+        <p:grpSp>
+          <p:nvGrpSpPr>
+            <p:cNvPr id="18" name="Group 17">
+              <a:extLst>
+                <a:ext uri="{FF2B5EF4-FFF2-40B4-BE49-F238E27FC236}">
+                  <a16:creationId xmlns:a16="http://schemas.microsoft.com/office/drawing/2014/main" id="{D6918E45-3535-D224-CF59-EF3661A8D37A}"/>
+                </a:ext>
+              </a:extLst>
+            </p:cNvPr>
+            <p:cNvGrpSpPr/>
+            <p:nvPr/>
+          </p:nvGrpSpPr>
+          <p:grpSpPr>
+            <a:xfrm>
+              <a:off x="5986899" y="4745657"/>
+              <a:ext cx="1522731" cy="640238"/>
+              <a:chOff x="838200" y="4425696"/>
+              <a:chExt cx="2174794" cy="914400"/>
+            </a:xfrm>
+          </p:grpSpPr>
+          <p:pic>
+            <p:nvPicPr>
+              <p:cNvPr id="38" name="Graphic 37" descr="Table with solid fill">
+                <a:extLst>
+                  <a:ext uri="{FF2B5EF4-FFF2-40B4-BE49-F238E27FC236}">
+                    <a16:creationId xmlns:a16="http://schemas.microsoft.com/office/drawing/2014/main" id="{B306C5A2-C3B5-B6B2-A4AD-7F26EA0394CE}"/>
+                  </a:ext>
+                </a:extLst>
+              </p:cNvPr>
+              <p:cNvPicPr>
+                <a:picLocks noChangeAspect="1"/>
+              </p:cNvPicPr>
+              <p:nvPr/>
+            </p:nvPicPr>
+            <p:blipFill>
+              <a:blip r:embed="rId4">
+                <a:extLst>
+                  <a:ext uri="{28A0092B-C50C-407E-A947-70E740481C1C}">
+                    <a14:useLocalDpi xmlns:a14="http://schemas.microsoft.com/office/drawing/2010/main" val="0"/>
+                  </a:ext>
+                  <a:ext uri="{96DAC541-7B7A-43D3-8B79-37D633B846F1}">
+                    <asvg:svgBlip xmlns:asvg="http://schemas.microsoft.com/office/drawing/2016/SVG/main" r:embed="rId5"/>
+                  </a:ext>
+                </a:extLst>
+              </a:blip>
+              <a:stretch>
+                <a:fillRect/>
+              </a:stretch>
+            </p:blipFill>
+            <p:spPr>
+              <a:xfrm>
+                <a:off x="2098594" y="4425696"/>
+                <a:ext cx="914400" cy="914400"/>
+              </a:xfrm>
+              <a:prstGeom prst="rect">
+                <a:avLst/>
+              </a:prstGeom>
+            </p:spPr>
+          </p:pic>
+          <p:sp>
+            <p:nvSpPr>
+              <p:cNvPr id="42" name="TextBox 41">
+                <a:extLst>
+                  <a:ext uri="{FF2B5EF4-FFF2-40B4-BE49-F238E27FC236}">
+                    <a16:creationId xmlns:a16="http://schemas.microsoft.com/office/drawing/2014/main" id="{56BCB4BB-75D7-E03D-7179-FBB4469C92F4}"/>
+                  </a:ext>
+                </a:extLst>
+              </p:cNvPr>
+              <p:cNvSpPr txBox="1"/>
+              <p:nvPr/>
+            </p:nvSpPr>
+            <p:spPr>
+              <a:xfrm>
+                <a:off x="838200" y="4698230"/>
+                <a:ext cx="1260394" cy="369332"/>
+              </a:xfrm>
+              <a:prstGeom prst="rect">
+                <a:avLst/>
+              </a:prstGeom>
+              <a:noFill/>
+            </p:spPr>
+            <p:txBody>
+              <a:bodyPr wrap="square" rtlCol="0">
+                <a:spAutoFit/>
+              </a:bodyPr>
+              <a:lstStyle/>
+              <a:p>
+                <a:pPr defTabSz="640080">
+                  <a:spcAft>
+                    <a:spcPts val="600"/>
+                  </a:spcAft>
+                </a:pPr>
+                <a:r>
+                  <a:rPr lang="de-DE" sz="1260" kern="1200">
+                    <a:solidFill>
+                      <a:schemeClr val="tx1"/>
+                    </a:solidFill>
+                    <a:latin typeface="+mn-lt"/>
+                    <a:ea typeface="+mn-ea"/>
+                    <a:cs typeface="+mn-cs"/>
+                  </a:rPr>
+                  <a:t>Project 2</a:t>
+                </a:r>
+                <a:endParaRPr lang="de-DE"/>
+              </a:p>
+            </p:txBody>
+          </p:sp>
+        </p:grpSp>
+        <p:grpSp>
+          <p:nvGrpSpPr>
+            <p:cNvPr id="26" name="Group 25">
+              <a:extLst>
+                <a:ext uri="{FF2B5EF4-FFF2-40B4-BE49-F238E27FC236}">
+                  <a16:creationId xmlns:a16="http://schemas.microsoft.com/office/drawing/2014/main" id="{1861AEAD-9DD6-37DA-CBC2-8E46D060C46E}"/>
+                </a:ext>
+              </a:extLst>
+            </p:cNvPr>
+            <p:cNvGrpSpPr/>
+            <p:nvPr/>
+          </p:nvGrpSpPr>
+          <p:grpSpPr>
+            <a:xfrm>
+              <a:off x="5981079" y="5385895"/>
+              <a:ext cx="1528551" cy="640238"/>
+              <a:chOff x="829888" y="5340096"/>
+              <a:chExt cx="2183106" cy="914400"/>
+            </a:xfrm>
+          </p:grpSpPr>
+          <p:pic>
+            <p:nvPicPr>
+              <p:cNvPr id="34" name="Graphic 33" descr="Table with solid fill">
+                <a:extLst>
+                  <a:ext uri="{FF2B5EF4-FFF2-40B4-BE49-F238E27FC236}">
+                    <a16:creationId xmlns:a16="http://schemas.microsoft.com/office/drawing/2014/main" id="{06DC1332-1514-5FC3-A4D5-2C4D17124E24}"/>
+                  </a:ext>
+                </a:extLst>
+              </p:cNvPr>
+              <p:cNvPicPr>
+                <a:picLocks noChangeAspect="1"/>
+              </p:cNvPicPr>
+              <p:nvPr/>
+            </p:nvPicPr>
+            <p:blipFill>
+              <a:blip r:embed="rId4">
+                <a:extLst>
+                  <a:ext uri="{28A0092B-C50C-407E-A947-70E740481C1C}">
+                    <a14:useLocalDpi xmlns:a14="http://schemas.microsoft.com/office/drawing/2010/main" val="0"/>
+                  </a:ext>
+                  <a:ext uri="{96DAC541-7B7A-43D3-8B79-37D633B846F1}">
+                    <asvg:svgBlip xmlns:asvg="http://schemas.microsoft.com/office/drawing/2016/SVG/main" r:embed="rId5"/>
+                  </a:ext>
+                </a:extLst>
+              </a:blip>
+              <a:stretch>
+                <a:fillRect/>
+              </a:stretch>
+            </p:blipFill>
+            <p:spPr>
+              <a:xfrm>
+                <a:off x="2098594" y="5340096"/>
+                <a:ext cx="914400" cy="914400"/>
+              </a:xfrm>
+              <a:prstGeom prst="rect">
+                <a:avLst/>
+              </a:prstGeom>
+            </p:spPr>
+          </p:pic>
+          <p:sp>
+            <p:nvSpPr>
+              <p:cNvPr id="36" name="TextBox 35">
+                <a:extLst>
+                  <a:ext uri="{FF2B5EF4-FFF2-40B4-BE49-F238E27FC236}">
+                    <a16:creationId xmlns:a16="http://schemas.microsoft.com/office/drawing/2014/main" id="{6D058E9A-4252-EBDD-2F0B-33B3FE69F0AC}"/>
+                  </a:ext>
+                </a:extLst>
+              </p:cNvPr>
+              <p:cNvSpPr txBox="1"/>
+              <p:nvPr/>
+            </p:nvSpPr>
+            <p:spPr>
+              <a:xfrm>
+                <a:off x="829888" y="5612630"/>
+                <a:ext cx="1260394" cy="369332"/>
+              </a:xfrm>
+              <a:prstGeom prst="rect">
+                <a:avLst/>
+              </a:prstGeom>
+              <a:noFill/>
+            </p:spPr>
+            <p:txBody>
+              <a:bodyPr wrap="square" rtlCol="0">
+                <a:spAutoFit/>
+              </a:bodyPr>
+              <a:lstStyle/>
+              <a:p>
+                <a:pPr defTabSz="640080">
+                  <a:spcAft>
+                    <a:spcPts val="600"/>
+                  </a:spcAft>
+                </a:pPr>
+                <a:r>
+                  <a:rPr lang="de-DE" sz="1260" kern="1200">
+                    <a:solidFill>
+                      <a:schemeClr val="tx1"/>
+                    </a:solidFill>
+                    <a:latin typeface="+mn-lt"/>
+                    <a:ea typeface="+mn-ea"/>
+                    <a:cs typeface="+mn-cs"/>
+                  </a:rPr>
+                  <a:t>Project 3</a:t>
+                </a:r>
+                <a:endParaRPr lang="de-DE"/>
+              </a:p>
+            </p:txBody>
+          </p:sp>
+        </p:grpSp>
+        <p:sp>
+          <p:nvSpPr>
+            <p:cNvPr id="27" name="TextBox 26">
+              <a:extLst>
+                <a:ext uri="{FF2B5EF4-FFF2-40B4-BE49-F238E27FC236}">
+                  <a16:creationId xmlns:a16="http://schemas.microsoft.com/office/drawing/2014/main" id="{B3F1E3C9-968F-604C-FC08-8A545F5AD7D6}"/>
+                </a:ext>
+              </a:extLst>
+            </p:cNvPr>
+            <p:cNvSpPr txBox="1"/>
+            <p:nvPr/>
+          </p:nvSpPr>
+          <p:spPr>
+            <a:xfrm>
+              <a:off x="8495014" y="4378220"/>
+              <a:ext cx="1459742" cy="258596"/>
+            </a:xfrm>
+            <a:prstGeom prst="rect">
+              <a:avLst/>
+            </a:prstGeom>
+            <a:noFill/>
+          </p:spPr>
+          <p:txBody>
+            <a:bodyPr wrap="square" rtlCol="0">
+              <a:spAutoFit/>
+            </a:bodyPr>
+            <a:lstStyle/>
+            <a:p>
+              <a:pPr algn="ctr" defTabSz="640080">
+                <a:spcAft>
+                  <a:spcPts val="600"/>
+                </a:spcAft>
+              </a:pPr>
+              <a:r>
+                <a:rPr lang="de-DE" sz="1260" kern="1200" dirty="0" err="1">
+                  <a:solidFill>
+                    <a:schemeClr val="tx1"/>
+                  </a:solidFill>
+                  <a:latin typeface="+mn-lt"/>
+                  <a:ea typeface="+mn-ea"/>
+                  <a:cs typeface="+mn-cs"/>
+                </a:rPr>
+                <a:t>Overview</a:t>
+              </a:r>
+              <a:r>
+                <a:rPr lang="de-DE" sz="1260" kern="1200" dirty="0">
+                  <a:solidFill>
+                    <a:schemeClr val="tx1"/>
+                  </a:solidFill>
+                  <a:latin typeface="+mn-lt"/>
+                  <a:ea typeface="+mn-ea"/>
+                  <a:cs typeface="+mn-cs"/>
+                </a:rPr>
+                <a:t> </a:t>
+              </a:r>
+              <a:r>
+                <a:rPr lang="de-DE" sz="1260" kern="1200" dirty="0" err="1">
+                  <a:solidFill>
+                    <a:schemeClr val="tx1"/>
+                  </a:solidFill>
+                  <a:latin typeface="+mn-lt"/>
+                  <a:ea typeface="+mn-ea"/>
+                  <a:cs typeface="+mn-cs"/>
+                </a:rPr>
+                <a:t>table</a:t>
+              </a:r>
+              <a:endParaRPr lang="de-DE" dirty="0"/>
+            </a:p>
+          </p:txBody>
+        </p:sp>
+        <p:pic>
+          <p:nvPicPr>
+            <p:cNvPr id="28" name="Graphic 27" descr="Upward trend with solid fill">
+              <a:extLst>
+                <a:ext uri="{FF2B5EF4-FFF2-40B4-BE49-F238E27FC236}">
+                  <a16:creationId xmlns:a16="http://schemas.microsoft.com/office/drawing/2014/main" id="{F10292FE-D0EA-3F44-88C7-7F4D8A168B0C}"/>
+                </a:ext>
+              </a:extLst>
+            </p:cNvPr>
+            <p:cNvPicPr>
+              <a:picLocks noChangeAspect="1"/>
+            </p:cNvPicPr>
+            <p:nvPr/>
+          </p:nvPicPr>
+          <p:blipFill>
+            <a:blip r:embed="rId6">
+              <a:extLst>
+                <a:ext uri="{28A0092B-C50C-407E-A947-70E740481C1C}">
+                  <a14:useLocalDpi xmlns:a14="http://schemas.microsoft.com/office/drawing/2010/main" val="0"/>
+                </a:ext>
+                <a:ext uri="{96DAC541-7B7A-43D3-8B79-37D633B846F1}">
+                  <asvg:svgBlip xmlns:asvg="http://schemas.microsoft.com/office/drawing/2016/SVG/main" r:embed="rId7"/>
+                </a:ext>
+              </a:extLst>
+            </a:blip>
+            <a:stretch>
+              <a:fillRect/>
+            </a:stretch>
+          </p:blipFill>
+          <p:spPr>
+            <a:xfrm>
+              <a:off x="10562465" y="4425538"/>
+              <a:ext cx="640238" cy="640238"/>
+            </a:xfrm>
+            <a:prstGeom prst="rect">
+              <a:avLst/>
+            </a:prstGeom>
+          </p:spPr>
+        </p:pic>
+        <p:pic>
+          <p:nvPicPr>
+            <p:cNvPr id="29" name="Graphic 28" descr="Pie chart with solid fill">
+              <a:extLst>
+                <a:ext uri="{FF2B5EF4-FFF2-40B4-BE49-F238E27FC236}">
+                  <a16:creationId xmlns:a16="http://schemas.microsoft.com/office/drawing/2014/main" id="{584953B7-2354-7713-BFD0-4C88095146EC}"/>
+                </a:ext>
+              </a:extLst>
+            </p:cNvPr>
+            <p:cNvPicPr>
+              <a:picLocks noChangeAspect="1"/>
+            </p:cNvPicPr>
+            <p:nvPr/>
+          </p:nvPicPr>
+          <p:blipFill>
+            <a:blip r:embed="rId8">
+              <a:extLst>
+                <a:ext uri="{28A0092B-C50C-407E-A947-70E740481C1C}">
+                  <a14:useLocalDpi xmlns:a14="http://schemas.microsoft.com/office/drawing/2010/main" val="0"/>
+                </a:ext>
+                <a:ext uri="{96DAC541-7B7A-43D3-8B79-37D633B846F1}">
+                  <asvg:svgBlip xmlns:asvg="http://schemas.microsoft.com/office/drawing/2016/SVG/main" r:embed="rId9"/>
+                </a:ext>
+              </a:extLst>
+            </a:blip>
+            <a:stretch>
+              <a:fillRect/>
+            </a:stretch>
+          </p:blipFill>
+          <p:spPr>
+            <a:xfrm>
+              <a:off x="10562465" y="5065776"/>
+              <a:ext cx="640238" cy="640238"/>
+            </a:xfrm>
+            <a:prstGeom prst="rect">
+              <a:avLst/>
+            </a:prstGeom>
+          </p:spPr>
+        </p:pic>
+        <p:cxnSp>
+          <p:nvCxnSpPr>
+            <p:cNvPr id="30" name="Straight Arrow Connector 29">
+              <a:extLst>
+                <a:ext uri="{FF2B5EF4-FFF2-40B4-BE49-F238E27FC236}">
+                  <a16:creationId xmlns:a16="http://schemas.microsoft.com/office/drawing/2014/main" id="{31336F9B-7055-2A39-7ECD-CFC214656E1A}"/>
+                </a:ext>
+              </a:extLst>
+            </p:cNvPr>
+            <p:cNvCxnSpPr>
+              <a:cxnSpLocks/>
+              <a:endCxn id="28" idx="1"/>
+            </p:cNvCxnSpPr>
+            <p:nvPr/>
+          </p:nvCxnSpPr>
+          <p:spPr>
+            <a:xfrm flipV="1">
+              <a:off x="9827258" y="4745657"/>
+              <a:ext cx="735207" cy="314690"/>
+            </a:xfrm>
+            <a:prstGeom prst="straightConnector1">
+              <a:avLst/>
+            </a:prstGeom>
+            <a:ln>
+              <a:tailEnd type="triangle"/>
+            </a:ln>
+          </p:spPr>
+          <p:style>
+            <a:lnRef idx="2">
+              <a:schemeClr val="accent1"/>
+            </a:lnRef>
+            <a:fillRef idx="0">
+              <a:schemeClr val="accent1"/>
+            </a:fillRef>
+            <a:effectRef idx="1">
+              <a:schemeClr val="accent1"/>
+            </a:effectRef>
+            <a:fontRef idx="minor">
+              <a:schemeClr val="tx1"/>
+            </a:fontRef>
+          </p:style>
+        </p:cxnSp>
+        <p:cxnSp>
+          <p:nvCxnSpPr>
+            <p:cNvPr id="32" name="Straight Arrow Connector 31">
+              <a:extLst>
+                <a:ext uri="{FF2B5EF4-FFF2-40B4-BE49-F238E27FC236}">
+                  <a16:creationId xmlns:a16="http://schemas.microsoft.com/office/drawing/2014/main" id="{E685B7E6-94CA-7151-ACA4-FDC32CCBEB69}"/>
+                </a:ext>
+              </a:extLst>
+            </p:cNvPr>
+            <p:cNvCxnSpPr>
+              <a:cxnSpLocks/>
+              <a:endCxn id="29" idx="1"/>
+            </p:cNvCxnSpPr>
+            <p:nvPr/>
+          </p:nvCxnSpPr>
+          <p:spPr>
+            <a:xfrm>
+              <a:off x="9827258" y="5054918"/>
+              <a:ext cx="735207" cy="330977"/>
+            </a:xfrm>
+            <a:prstGeom prst="straightConnector1">
+              <a:avLst/>
+            </a:prstGeom>
+            <a:ln>
+              <a:tailEnd type="triangle"/>
+            </a:ln>
+          </p:spPr>
+          <p:style>
+            <a:lnRef idx="2">
+              <a:schemeClr val="accent1"/>
+            </a:lnRef>
+            <a:fillRef idx="0">
+              <a:schemeClr val="accent1"/>
+            </a:fillRef>
+            <a:effectRef idx="1">
+              <a:schemeClr val="accent1"/>
+            </a:effectRef>
+            <a:fontRef idx="minor">
+              <a:schemeClr val="tx1"/>
+            </a:fontRef>
+          </p:style>
+        </p:cxnSp>
+      </p:grpSp>
+    </p:spTree>
+    <p:extLst>
+      <p:ext uri="{BB962C8B-B14F-4D97-AF65-F5344CB8AC3E}">
+        <p14:creationId xmlns:p14="http://schemas.microsoft.com/office/powerpoint/2010/main" val="1576982224"/>
+      </p:ext>
+    </p:extLst>
+  </p:cSld>
+  <p:clrMapOvr>
+    <a:masterClrMapping/>
+  </p:clrMapOvr>
+</p:sld>
+</file>
+
+<file path=ppt/slides/slide8.xml><?xml version="1.0" encoding="utf-8"?>
+<p:sld xmlns:a="http://schemas.openxmlformats.org/drawingml/2006/main" xmlns:r="http://schemas.openxmlformats.org/officeDocument/2006/relationships" xmlns:p="http://schemas.openxmlformats.org/presentationml/2006/main">
+  <p:cSld>
+    <p:bg>
+      <p:bgPr>
+        <a:solidFill>
+          <a:schemeClr val="bg1"/>
+        </a:solidFill>
+        <a:effectLst/>
+      </p:bgPr>
+    </p:bg>
+    <p:spTree>
+      <p:nvGrpSpPr>
+        <p:cNvPr id="1" name=""/>
+        <p:cNvGrpSpPr/>
+        <p:nvPr/>
+      </p:nvGrpSpPr>
+      <p:grpSpPr>
+        <a:xfrm>
+          <a:off x="0" y="0"/>
+          <a:ext cx="0" cy="0"/>
+          <a:chOff x="0" y="0"/>
+          <a:chExt cx="0" cy="0"/>
+        </a:xfrm>
+      </p:grpSpPr>
+      <p:sp useBgFill="1">
+        <p:nvSpPr>
+          <p:cNvPr id="45" name="Rectangle 44">
+            <a:extLst>
+              <a:ext uri="{FF2B5EF4-FFF2-40B4-BE49-F238E27FC236}">
+                <a16:creationId xmlns:a16="http://schemas.microsoft.com/office/drawing/2014/main" id="{A2679492-7988-4050-9056-542444452411}"/>
+              </a:ext>
+              <a:ext uri="{C183D7F6-B498-43B3-948B-1728B52AA6E4}">
+                <adec:decorative xmlns:adec="http://schemas.microsoft.com/office/drawing/2017/decorative" val="1"/>
+              </a:ext>
+            </a:extLst>
+          </p:cNvPr>
+          <p:cNvSpPr>
+            <a:spLocks noGrp="1" noRot="1" noChangeAspect="1" noMove="1" noResize="1" noEditPoints="1" noAdjustHandles="1" noChangeArrowheads="1" noChangeShapeType="1" noTextEdit="1"/>
+          </p:cNvSpPr>
+          <p:nvPr>
+            <p:extLst>
+              <p:ext uri="{386F3935-93C4-4BCD-93E2-E3B085C9AB24}">
+                <p16:designElem xmlns:p16="http://schemas.microsoft.com/office/powerpoint/2015/main" val="1"/>
+              </p:ext>
+            </p:extLst>
+          </p:nvPr>
+        </p:nvSpPr>
+        <p:spPr>
+          <a:xfrm>
+            <a:off x="0" y="0"/>
+            <a:ext cx="12192000" cy="6858000"/>
+          </a:xfrm>
+          <a:prstGeom prst="rect">
+            <a:avLst/>
+          </a:prstGeom>
+          <a:ln>
+            <a:noFill/>
+          </a:ln>
+        </p:spPr>
+        <p:style>
+          <a:lnRef idx="2">
+            <a:schemeClr val="accent1">
+              <a:shade val="50000"/>
+            </a:schemeClr>
+          </a:lnRef>
+          <a:fillRef idx="1">
+            <a:schemeClr val="accent1"/>
+          </a:fillRef>
+          <a:effectRef idx="0">
+            <a:schemeClr val="accent1"/>
+          </a:effectRef>
+          <a:fontRef idx="minor">
+            <a:schemeClr val="lt1"/>
+          </a:fontRef>
+        </p:style>
+        <p:txBody>
+          <a:bodyPr rtlCol="0" anchor="ctr"/>
+          <a:lstStyle/>
+          <a:p>
+            <a:pPr algn="ctr"/>
+            <a:endParaRPr lang="en-US"/>
+          </a:p>
+        </p:txBody>
+      </p:sp>
+      <p:sp>
+        <p:nvSpPr>
+          <p:cNvPr id="2" name="Title 1">
+            <a:extLst>
+              <a:ext uri="{FF2B5EF4-FFF2-40B4-BE49-F238E27FC236}">
+                <a16:creationId xmlns:a16="http://schemas.microsoft.com/office/drawing/2014/main" id="{635882B4-E4F7-4EF0-7B63-693D53A64829}"/>
+              </a:ext>
+            </a:extLst>
+          </p:cNvPr>
+          <p:cNvSpPr>
+            <a:spLocks noGrp="1"/>
+          </p:cNvSpPr>
+          <p:nvPr>
+            <p:ph type="title"/>
+          </p:nvPr>
+        </p:nvSpPr>
+        <p:spPr>
+          <a:xfrm>
+            <a:off x="6412091" y="501651"/>
+            <a:ext cx="4395340" cy="1716255"/>
+          </a:xfrm>
+        </p:spPr>
+        <p:txBody>
+          <a:bodyPr anchor="b">
+            <a:normAutofit/>
+          </a:bodyPr>
+          <a:lstStyle/>
+          <a:p>
+            <a:r>
+              <a:rPr lang="de-DE" sz="5600" dirty="0" err="1"/>
+              <a:t>Improvement</a:t>
+            </a:r>
+            <a:r>
+              <a:rPr lang="de-DE" sz="5600" dirty="0"/>
+              <a:t>:</a:t>
+            </a:r>
+          </a:p>
+        </p:txBody>
+      </p:sp>
+      <p:sp>
+        <p:nvSpPr>
+          <p:cNvPr id="47" name="Rectangle 46">
+            <a:extLst>
+              <a:ext uri="{FF2B5EF4-FFF2-40B4-BE49-F238E27FC236}">
+                <a16:creationId xmlns:a16="http://schemas.microsoft.com/office/drawing/2014/main" id="{B091B163-7D61-4891-ABCF-5C13D9C418D0}"/>
+              </a:ext>
+              <a:ext uri="{C183D7F6-B498-43B3-948B-1728B52AA6E4}">
+                <adec:decorative xmlns:adec="http://schemas.microsoft.com/office/drawing/2017/decorative" val="1"/>
+              </a:ext>
+            </a:extLst>
+          </p:cNvPr>
+          <p:cNvSpPr>
+            <a:spLocks noGrp="1" noRot="1" noChangeAspect="1" noMove="1" noResize="1" noEditPoints="1" noAdjustHandles="1" noChangeArrowheads="1" noChangeShapeType="1" noTextEdit="1"/>
+          </p:cNvSpPr>
+          <p:nvPr>
+            <p:extLst>
+              <p:ext uri="{386F3935-93C4-4BCD-93E2-E3B085C9AB24}">
+                <p16:designElem xmlns:p16="http://schemas.microsoft.com/office/powerpoint/2015/main" val="1"/>
+              </p:ext>
+            </p:extLst>
+          </p:nvPr>
+        </p:nvSpPr>
+        <p:spPr>
+          <a:xfrm>
+            <a:off x="0" y="0"/>
+            <a:ext cx="5779911" cy="6858000"/>
+          </a:xfrm>
+          <a:prstGeom prst="rect">
+            <a:avLst/>
+          </a:prstGeom>
+          <a:gradFill flip="none" rotWithShape="1">
+            <a:gsLst>
+              <a:gs pos="0">
+                <a:schemeClr val="accent1"/>
+              </a:gs>
+              <a:gs pos="100000">
+                <a:schemeClr val="accent2"/>
+              </a:gs>
+            </a:gsLst>
+            <a:lin ang="2700000" scaled="1"/>
+            <a:tileRect/>
+          </a:gradFill>
+          <a:ln>
+            <a:noFill/>
+          </a:ln>
+        </p:spPr>
+        <p:style>
+          <a:lnRef idx="2">
+            <a:schemeClr val="accent1">
+              <a:shade val="50000"/>
+            </a:schemeClr>
+          </a:lnRef>
+          <a:fillRef idx="1">
+            <a:schemeClr val="accent1"/>
+          </a:fillRef>
+          <a:effectRef idx="0">
+            <a:schemeClr val="accent1"/>
+          </a:effectRef>
+          <a:fontRef idx="minor">
+            <a:schemeClr val="lt1"/>
+          </a:fontRef>
+        </p:style>
+        <p:txBody>
+          <a:bodyPr rtlCol="0" anchor="ctr"/>
+          <a:lstStyle/>
+          <a:p>
+            <a:pPr algn="ctr"/>
+            <a:endParaRPr lang="en-US"/>
+          </a:p>
+        </p:txBody>
+      </p:sp>
+      <p:sp>
+        <p:nvSpPr>
+          <p:cNvPr id="3" name="Content Placeholder 2">
+            <a:extLst>
+              <a:ext uri="{FF2B5EF4-FFF2-40B4-BE49-F238E27FC236}">
+                <a16:creationId xmlns:a16="http://schemas.microsoft.com/office/drawing/2014/main" id="{A0F9E74B-25AF-341B-56CF-DD1503AA3633}"/>
+              </a:ext>
+            </a:extLst>
+          </p:cNvPr>
+          <p:cNvSpPr>
+            <a:spLocks noGrp="1"/>
+          </p:cNvSpPr>
+          <p:nvPr>
+            <p:ph idx="1"/>
+          </p:nvPr>
+        </p:nvSpPr>
+        <p:spPr>
+          <a:xfrm>
+            <a:off x="6392583" y="2645922"/>
+            <a:ext cx="4434721" cy="3710427"/>
+          </a:xfrm>
+        </p:spPr>
+        <p:txBody>
+          <a:bodyPr anchor="t">
+            <a:normAutofit/>
+          </a:bodyPr>
+          <a:lstStyle/>
+          <a:p>
+            <a:r>
+              <a:rPr lang="de-DE" dirty="0" err="1">
+                <a:solidFill>
+                  <a:schemeClr val="tx1">
+                    <a:alpha val="80000"/>
+                  </a:schemeClr>
+                </a:solidFill>
+              </a:rPr>
+              <a:t>Using</a:t>
+            </a:r>
+            <a:r>
+              <a:rPr lang="de-DE" dirty="0">
+                <a:solidFill>
+                  <a:schemeClr val="tx1">
+                    <a:alpha val="80000"/>
+                  </a:schemeClr>
+                </a:solidFill>
+              </a:rPr>
+              <a:t> </a:t>
+            </a:r>
+            <a:r>
+              <a:rPr lang="de-DE" dirty="0" err="1">
+                <a:solidFill>
+                  <a:schemeClr val="tx1">
+                    <a:alpha val="80000"/>
+                  </a:schemeClr>
+                </a:solidFill>
+              </a:rPr>
+              <a:t>the</a:t>
+            </a:r>
+            <a:r>
+              <a:rPr lang="de-DE" dirty="0">
+                <a:solidFill>
+                  <a:schemeClr val="tx1">
+                    <a:alpha val="80000"/>
+                  </a:schemeClr>
+                </a:solidFill>
+              </a:rPr>
+              <a:t> </a:t>
+            </a:r>
+            <a:r>
+              <a:rPr lang="de-DE" dirty="0" err="1">
+                <a:solidFill>
+                  <a:schemeClr val="tx1">
+                    <a:alpha val="80000"/>
+                  </a:schemeClr>
+                </a:solidFill>
+              </a:rPr>
+              <a:t>combination</a:t>
+            </a:r>
+            <a:r>
+              <a:rPr lang="de-DE" dirty="0">
+                <a:solidFill>
+                  <a:schemeClr val="tx1">
+                    <a:alpha val="80000"/>
+                  </a:schemeClr>
+                </a:solidFill>
+              </a:rPr>
+              <a:t>:</a:t>
+            </a:r>
+          </a:p>
+          <a:p>
+            <a:pPr lvl="1"/>
+            <a:r>
+              <a:rPr lang="de-DE" sz="2000" b="1" dirty="0">
+                <a:solidFill>
+                  <a:schemeClr val="tx1">
+                    <a:alpha val="80000"/>
+                  </a:schemeClr>
+                </a:solidFill>
+              </a:rPr>
+              <a:t>FILTER(): </a:t>
+            </a:r>
+            <a:r>
+              <a:rPr lang="de-DE" sz="2000" dirty="0" err="1">
+                <a:solidFill>
+                  <a:schemeClr val="tx1">
+                    <a:alpha val="80000"/>
+                  </a:schemeClr>
+                </a:solidFill>
+              </a:rPr>
+              <a:t>Get</a:t>
+            </a:r>
+            <a:r>
+              <a:rPr lang="de-DE" sz="2000" dirty="0">
+                <a:solidFill>
+                  <a:schemeClr val="tx1">
+                    <a:alpha val="80000"/>
+                  </a:schemeClr>
+                </a:solidFill>
+              </a:rPr>
+              <a:t> </a:t>
+            </a:r>
+            <a:r>
+              <a:rPr lang="de-DE" sz="2000" dirty="0" err="1">
+                <a:solidFill>
+                  <a:schemeClr val="tx1">
+                    <a:alpha val="80000"/>
+                  </a:schemeClr>
+                </a:solidFill>
+              </a:rPr>
+              <a:t>values</a:t>
+            </a:r>
+            <a:r>
+              <a:rPr lang="de-DE" sz="2000" dirty="0">
+                <a:solidFill>
+                  <a:schemeClr val="tx1">
+                    <a:alpha val="80000"/>
+                  </a:schemeClr>
+                </a:solidFill>
+              </a:rPr>
+              <a:t> </a:t>
+            </a:r>
+            <a:r>
+              <a:rPr lang="de-DE" sz="2000" dirty="0" err="1">
+                <a:solidFill>
+                  <a:schemeClr val="tx1">
+                    <a:alpha val="80000"/>
+                  </a:schemeClr>
+                </a:solidFill>
+              </a:rPr>
+              <a:t>from</a:t>
+            </a:r>
+            <a:r>
+              <a:rPr lang="de-DE" sz="2000" dirty="0">
+                <a:solidFill>
+                  <a:schemeClr val="tx1">
+                    <a:alpha val="80000"/>
+                  </a:schemeClr>
+                </a:solidFill>
+              </a:rPr>
+              <a:t> </a:t>
+            </a:r>
+            <a:r>
+              <a:rPr lang="de-DE" sz="2000" dirty="0" err="1">
+                <a:solidFill>
+                  <a:schemeClr val="tx1">
+                    <a:alpha val="80000"/>
+                  </a:schemeClr>
+                </a:solidFill>
+              </a:rPr>
+              <a:t>specific</a:t>
+            </a:r>
+            <a:r>
+              <a:rPr lang="de-DE" sz="2000" dirty="0">
+                <a:solidFill>
+                  <a:schemeClr val="tx1">
+                    <a:alpha val="80000"/>
+                  </a:schemeClr>
+                </a:solidFill>
+              </a:rPr>
+              <a:t> </a:t>
+            </a:r>
+            <a:r>
+              <a:rPr lang="de-DE" sz="2000" dirty="0" err="1">
+                <a:solidFill>
+                  <a:schemeClr val="tx1">
+                    <a:alpha val="80000"/>
+                  </a:schemeClr>
+                </a:solidFill>
+              </a:rPr>
+              <a:t>week</a:t>
+            </a:r>
+            <a:endParaRPr lang="de-DE" sz="2000" dirty="0">
+              <a:solidFill>
+                <a:schemeClr val="tx1">
+                  <a:alpha val="80000"/>
+                </a:schemeClr>
+              </a:solidFill>
+            </a:endParaRPr>
+          </a:p>
+          <a:p>
+            <a:pPr lvl="1"/>
+            <a:r>
+              <a:rPr lang="de-DE" sz="2000" b="1" dirty="0">
+                <a:solidFill>
+                  <a:schemeClr val="tx1">
+                    <a:alpha val="80000"/>
+                  </a:schemeClr>
+                </a:solidFill>
+              </a:rPr>
+              <a:t>SUM(): </a:t>
+            </a:r>
+            <a:r>
+              <a:rPr lang="de-DE" sz="2000" dirty="0" err="1">
+                <a:solidFill>
+                  <a:schemeClr val="tx1">
+                    <a:alpha val="80000"/>
+                  </a:schemeClr>
+                </a:solidFill>
+              </a:rPr>
+              <a:t>Summarize</a:t>
+            </a:r>
+            <a:r>
+              <a:rPr lang="de-DE" sz="2000" dirty="0">
+                <a:solidFill>
+                  <a:schemeClr val="tx1">
+                    <a:alpha val="80000"/>
+                  </a:schemeClr>
+                </a:solidFill>
+              </a:rPr>
+              <a:t> </a:t>
+            </a:r>
+            <a:r>
+              <a:rPr lang="de-DE" sz="2000" dirty="0" err="1">
+                <a:solidFill>
+                  <a:schemeClr val="tx1">
+                    <a:alpha val="80000"/>
+                  </a:schemeClr>
+                </a:solidFill>
+              </a:rPr>
+              <a:t>values</a:t>
+            </a:r>
+            <a:endParaRPr lang="de-DE" sz="2000" dirty="0">
+              <a:solidFill>
+                <a:schemeClr val="tx1">
+                  <a:alpha val="80000"/>
+                </a:schemeClr>
+              </a:solidFill>
+            </a:endParaRPr>
+          </a:p>
+          <a:p>
+            <a:pPr lvl="1"/>
+            <a:endParaRPr lang="de-DE" sz="2000" dirty="0">
+              <a:solidFill>
+                <a:schemeClr val="tx1">
+                  <a:alpha val="80000"/>
+                </a:schemeClr>
+              </a:solidFill>
+            </a:endParaRPr>
+          </a:p>
+        </p:txBody>
+      </p:sp>
+      <p:cxnSp>
+        <p:nvCxnSpPr>
+          <p:cNvPr id="49" name="Straight Connector 48">
+            <a:extLst>
+              <a:ext uri="{FF2B5EF4-FFF2-40B4-BE49-F238E27FC236}">
+                <a16:creationId xmlns:a16="http://schemas.microsoft.com/office/drawing/2014/main" id="{C49DA8F6-BCC1-4447-B54C-57856834B94B}"/>
+              </a:ext>
+              <a:ext uri="{C183D7F6-B498-43B3-948B-1728B52AA6E4}">
+                <adec:decorative xmlns:adec="http://schemas.microsoft.com/office/drawing/2017/decorative" val="1"/>
+              </a:ext>
+            </a:extLst>
+          </p:cNvPr>
+          <p:cNvCxnSpPr>
+            <a:cxnSpLocks noGrp="1" noRot="1" noChangeAspect="1" noMove="1" noResize="1" noEditPoints="1" noAdjustHandles="1" noChangeArrowheads="1" noChangeShapeType="1"/>
+          </p:cNvCxnSpPr>
+          <p:nvPr>
+            <p:extLst>
+              <p:ext uri="{386F3935-93C4-4BCD-93E2-E3B085C9AB24}">
+                <p16:designElem xmlns:p16="http://schemas.microsoft.com/office/powerpoint/2015/main" val="1"/>
+              </p:ext>
+            </p:extLst>
+          </p:nvPr>
+        </p:nvCxnSpPr>
+        <p:spPr>
+          <a:xfrm>
+            <a:off x="11586162" y="3610394"/>
+            <a:ext cx="0" cy="3238728"/>
+          </a:xfrm>
+          <a:prstGeom prst="line">
+            <a:avLst/>
+          </a:prstGeom>
+          <a:ln w="25400" cap="sq">
+            <a:gradFill flip="none" rotWithShape="1">
+              <a:gsLst>
+                <a:gs pos="0">
+                  <a:schemeClr val="accent1"/>
+                </a:gs>
+                <a:gs pos="100000">
+                  <a:schemeClr val="accent2"/>
+                </a:gs>
+              </a:gsLst>
+              <a:lin ang="16200000" scaled="1"/>
+              <a:tileRect/>
+            </a:gradFill>
+            <a:bevel/>
+          </a:ln>
+        </p:spPr>
+        <p:style>
+          <a:lnRef idx="1">
+            <a:schemeClr val="accent1"/>
+          </a:lnRef>
+          <a:fillRef idx="0">
+            <a:schemeClr val="accent1"/>
+          </a:fillRef>
+          <a:effectRef idx="0">
+            <a:schemeClr val="accent1"/>
+          </a:effectRef>
+          <a:fontRef idx="minor">
+            <a:schemeClr val="tx1"/>
+          </a:fontRef>
+        </p:style>
+      </p:cxnSp>
+      <p:sp>
+        <p:nvSpPr>
+          <p:cNvPr id="41" name="Rectangle 40">
+            <a:extLst>
+              <a:ext uri="{FF2B5EF4-FFF2-40B4-BE49-F238E27FC236}">
+                <a16:creationId xmlns:a16="http://schemas.microsoft.com/office/drawing/2014/main" id="{3E0A75DE-99A2-E131-119C-C410DB628DB4}"/>
+              </a:ext>
+            </a:extLst>
+          </p:cNvPr>
+          <p:cNvSpPr/>
+          <p:nvPr/>
+        </p:nvSpPr>
+        <p:spPr>
+          <a:xfrm>
+            <a:off x="173676" y="2930652"/>
+            <a:ext cx="5432557" cy="996696"/>
+          </a:xfrm>
+          <a:prstGeom prst="rect">
+            <a:avLst/>
+          </a:prstGeom>
+          <a:gradFill flip="none" rotWithShape="1">
+            <a:gsLst>
+              <a:gs pos="0">
+                <a:schemeClr val="accent1">
+                  <a:lumMod val="5000"/>
+                  <a:lumOff val="95000"/>
+                </a:schemeClr>
+              </a:gs>
+              <a:gs pos="100000">
+                <a:schemeClr val="bg1">
+                  <a:alpha val="25000"/>
+                </a:schemeClr>
+              </a:gs>
+            </a:gsLst>
+            <a:lin ang="18900000" scaled="1"/>
+            <a:tileRect/>
+          </a:gradFill>
+          <a:ln>
+            <a:noFill/>
+          </a:ln>
+        </p:spPr>
+        <p:style>
+          <a:lnRef idx="2">
+            <a:schemeClr val="accent1">
+              <a:shade val="15000"/>
+            </a:schemeClr>
+          </a:lnRef>
+          <a:fillRef idx="1">
+            <a:schemeClr val="accent1"/>
+          </a:fillRef>
+          <a:effectRef idx="0">
+            <a:schemeClr val="accent1"/>
+          </a:effectRef>
+          <a:fontRef idx="minor">
+            <a:schemeClr val="lt1"/>
+          </a:fontRef>
+        </p:style>
+        <p:txBody>
+          <a:bodyPr rtlCol="0" anchor="ctr"/>
+          <a:lstStyle/>
+          <a:p>
+            <a:pPr algn="ctr"/>
+            <a:endParaRPr lang="de-DE" dirty="0"/>
+          </a:p>
+        </p:txBody>
+      </p:sp>
+      <p:sp>
+        <p:nvSpPr>
+          <p:cNvPr id="4" name="TextBox 3">
+            <a:extLst>
+              <a:ext uri="{FF2B5EF4-FFF2-40B4-BE49-F238E27FC236}">
+                <a16:creationId xmlns:a16="http://schemas.microsoft.com/office/drawing/2014/main" id="{A9246EF2-10D4-3371-26F6-DBDDC4384C42}"/>
+              </a:ext>
+            </a:extLst>
+          </p:cNvPr>
+          <p:cNvSpPr txBox="1"/>
+          <p:nvPr/>
+        </p:nvSpPr>
+        <p:spPr>
+          <a:xfrm>
+            <a:off x="-7673" y="3167390"/>
+            <a:ext cx="5794419" cy="523220"/>
+          </a:xfrm>
+          <a:prstGeom prst="rect">
+            <a:avLst/>
+          </a:prstGeom>
+          <a:noFill/>
+        </p:spPr>
+        <p:txBody>
+          <a:bodyPr wrap="square" rtlCol="0">
+            <a:spAutoFit/>
+          </a:bodyPr>
+          <a:lstStyle/>
+          <a:p>
+            <a:pPr algn="ctr"/>
+            <a:r>
+              <a:rPr lang="de-DE" sz="2800" b="1" dirty="0"/>
+              <a:t>=SUM(FILTER(Worktime;Week;0))</a:t>
+            </a:r>
+          </a:p>
+        </p:txBody>
+      </p:sp>
+    </p:spTree>
+    <p:extLst>
+      <p:ext uri="{BB962C8B-B14F-4D97-AF65-F5344CB8AC3E}">
+        <p14:creationId xmlns:p14="http://schemas.microsoft.com/office/powerpoint/2010/main" val="224331337"/>
+      </p:ext>
+    </p:extLst>
+  </p:cSld>
+  <p:clrMapOvr>
+    <a:masterClrMapping/>
+  </p:clrMapOvr>
+</p:sld>
+</file>
+
 <file path=ppt/theme/theme1.xml><?xml version="1.0" encoding="utf-8"?>
 <a:theme xmlns:a="http://schemas.openxmlformats.org/drawingml/2006/main" name="Office Theme">
   <a:themeElements>
